--- a/Présentation/PresentationTPI.pptx
+++ b/Présentation/PresentationTPI.pptx
@@ -5,10 +5,10 @@
     <p:sldMasterId id="2147483658" r:id="rId1"/>
   </p:sldMasterIdLst>
   <p:notesMasterIdLst>
-    <p:notesMasterId r:id="rId39"/>
+    <p:notesMasterId r:id="rId40"/>
   </p:notesMasterIdLst>
   <p:handoutMasterIdLst>
-    <p:handoutMasterId r:id="rId40"/>
+    <p:handoutMasterId r:id="rId41"/>
   </p:handoutMasterIdLst>
   <p:sldIdLst>
     <p:sldId id="256" r:id="rId2"/>
@@ -34,41 +34,42 @@
     <p:sldId id="346" r:id="rId22"/>
     <p:sldId id="347" r:id="rId23"/>
     <p:sldId id="348" r:id="rId24"/>
-    <p:sldId id="293" r:id="rId25"/>
-    <p:sldId id="310" r:id="rId26"/>
-    <p:sldId id="311" r:id="rId27"/>
-    <p:sldId id="331" r:id="rId28"/>
-    <p:sldId id="312" r:id="rId29"/>
-    <p:sldId id="349" r:id="rId30"/>
-    <p:sldId id="350" r:id="rId31"/>
-    <p:sldId id="351" r:id="rId32"/>
-    <p:sldId id="353" r:id="rId33"/>
-    <p:sldId id="352" r:id="rId34"/>
-    <p:sldId id="313" r:id="rId35"/>
-    <p:sldId id="314" r:id="rId36"/>
-    <p:sldId id="315" r:id="rId37"/>
-    <p:sldId id="324" r:id="rId38"/>
+    <p:sldId id="354" r:id="rId25"/>
+    <p:sldId id="293" r:id="rId26"/>
+    <p:sldId id="310" r:id="rId27"/>
+    <p:sldId id="311" r:id="rId28"/>
+    <p:sldId id="331" r:id="rId29"/>
+    <p:sldId id="312" r:id="rId30"/>
+    <p:sldId id="349" r:id="rId31"/>
+    <p:sldId id="350" r:id="rId32"/>
+    <p:sldId id="351" r:id="rId33"/>
+    <p:sldId id="353" r:id="rId34"/>
+    <p:sldId id="352" r:id="rId35"/>
+    <p:sldId id="313" r:id="rId36"/>
+    <p:sldId id="314" r:id="rId37"/>
+    <p:sldId id="315" r:id="rId38"/>
+    <p:sldId id="324" r:id="rId39"/>
   </p:sldIdLst>
   <p:sldSz cx="9144000" cy="5143500" type="screen16x9"/>
   <p:notesSz cx="6858000" cy="9144000"/>
   <p:embeddedFontLst>
     <p:embeddedFont>
-      <p:font typeface="Quattrocento Sans" charset="0"/>
-      <p:regular r:id="rId41"/>
-      <p:bold r:id="rId42"/>
-      <p:italic r:id="rId43"/>
-      <p:boldItalic r:id="rId44"/>
+      <p:font typeface="Lora" panose="020B0604020202020204" charset="0"/>
+      <p:regular r:id="rId42"/>
+      <p:bold r:id="rId43"/>
+      <p:italic r:id="rId44"/>
+      <p:boldItalic r:id="rId45"/>
     </p:embeddedFont>
     <p:embeddedFont>
-      <p:font typeface="Lora" charset="0"/>
-      <p:regular r:id="rId45"/>
-      <p:bold r:id="rId46"/>
-      <p:italic r:id="rId47"/>
-      <p:boldItalic r:id="rId48"/>
+      <p:font typeface="Quattrocento Sans" panose="020B0604020202020204" charset="0"/>
+      <p:regular r:id="rId46"/>
+      <p:bold r:id="rId47"/>
+      <p:italic r:id="rId48"/>
+      <p:boldItalic r:id="rId49"/>
     </p:embeddedFont>
     <p:embeddedFont>
-      <p:font typeface="NSimSun" pitchFamily="49" charset="-122"/>
-      <p:regular r:id="rId49"/>
+      <p:font typeface="NSimSun" panose="02010609030101010101" pitchFamily="49" charset="-122"/>
+      <p:regular r:id="rId50"/>
     </p:embeddedFont>
   </p:embeddedFontLst>
   <p:defaultTextStyle>
@@ -362,7 +363,7 @@
           <a:p>
             <a:fld id="{282659D2-5CFF-4CB0-A80B-E78B9AB5AC8A}" type="datetimeFigureOut">
               <a:rPr lang="fr-CH" smtClean="0"/>
-              <a:t>06.06.2017</a:t>
+              <a:t>07.06.2017</a:t>
             </a:fld>
             <a:endParaRPr lang="fr-CH"/>
           </a:p>
@@ -428,7 +429,7 @@
           <a:p>
             <a:fld id="{EDCABBB2-DE5D-4E5F-8710-AC7898900E9B}" type="slidenum">
               <a:rPr lang="fr-CH" smtClean="0"/>
-              <a:t>‹#›</a:t>
+              <a:t>‹N°›</a:t>
             </a:fld>
             <a:endParaRPr lang="fr-CH"/>
           </a:p>
@@ -1617,7 +1618,7 @@
           <a:p>
             <a:fld id="{817DB918-FF6D-402D-9E84-43B786396EA2}" type="slidenum">
               <a:rPr lang="fr-CH" smtClean="0"/>
-              <a:t>‹#›</a:t>
+              <a:t>‹N°›</a:t>
             </a:fld>
             <a:endParaRPr lang="fr-CH" dirty="0"/>
           </a:p>
@@ -2198,7 +2199,7 @@
           <a:p>
             <a:fld id="{817DB918-FF6D-402D-9E84-43B786396EA2}" type="slidenum">
               <a:rPr lang="fr-CH" smtClean="0"/>
-              <a:t>‹#›</a:t>
+              <a:t>‹N°›</a:t>
             </a:fld>
             <a:endParaRPr lang="fr-CH" dirty="0"/>
           </a:p>
@@ -2430,7 +2431,7 @@
           <a:p>
             <a:fld id="{817DB918-FF6D-402D-9E84-43B786396EA2}" type="slidenum">
               <a:rPr lang="fr-CH" smtClean="0"/>
-              <a:t>‹#›</a:t>
+              <a:t>‹N°›</a:t>
             </a:fld>
             <a:endParaRPr lang="fr-CH" dirty="0"/>
           </a:p>
@@ -3005,7 +3006,7 @@
           <a:p>
             <a:fld id="{817DB918-FF6D-402D-9E84-43B786396EA2}" type="slidenum">
               <a:rPr lang="fr-CH" smtClean="0"/>
-              <a:t>‹#›</a:t>
+              <a:t>‹N°›</a:t>
             </a:fld>
             <a:endParaRPr lang="fr-CH" dirty="0"/>
           </a:p>
@@ -15892,6 +15893,762 @@
   <p:cSld>
     <p:spTree>
       <p:nvGrpSpPr>
+        <p:cNvPr id="1" name=""/>
+        <p:cNvGrpSpPr/>
+        <p:nvPr/>
+      </p:nvGrpSpPr>
+      <p:grpSpPr>
+        <a:xfrm>
+          <a:off x="0" y="0"/>
+          <a:ext cx="0" cy="0"/>
+          <a:chOff x="0" y="0"/>
+          <a:chExt cx="0" cy="0"/>
+        </a:xfrm>
+      </p:grpSpPr>
+      <p:sp>
+        <p:nvSpPr>
+          <p:cNvPr id="2" name="Title 1"/>
+          <p:cNvSpPr>
+            <a:spLocks noGrp="1"/>
+          </p:cNvSpPr>
+          <p:nvPr>
+            <p:ph type="title"/>
+          </p:nvPr>
+        </p:nvSpPr>
+        <p:spPr>
+          <a:xfrm>
+            <a:off x="1381250" y="922668"/>
+            <a:ext cx="6719142" cy="435599"/>
+          </a:xfrm>
+        </p:spPr>
+        <p:txBody>
+          <a:bodyPr/>
+          <a:lstStyle/>
+          <a:p>
+            <a:r>
+              <a:rPr lang="fr-CH" dirty="0" smtClean="0"/>
+              <a:t>Fonctionnalités - </a:t>
+            </a:r>
+            <a:r>
+              <a:rPr lang="fr-CH" dirty="0" smtClean="0">
+                <a:highlight>
+                  <a:srgbClr val="FFCD00"/>
+                </a:highlight>
+              </a:rPr>
+              <a:t>Création d’un travail disciplinaire</a:t>
+            </a:r>
+            <a:endParaRPr lang="fr-CH" dirty="0">
+              <a:highlight>
+                <a:srgbClr val="FFCD00"/>
+              </a:highlight>
+            </a:endParaRPr>
+          </a:p>
+        </p:txBody>
+      </p:sp>
+      <p:sp>
+        <p:nvSpPr>
+          <p:cNvPr id="5" name="Slide Number Placeholder 4"/>
+          <p:cNvSpPr>
+            <a:spLocks noGrp="1"/>
+          </p:cNvSpPr>
+          <p:nvPr>
+            <p:ph type="sldNum" sz="quarter" idx="4"/>
+          </p:nvPr>
+        </p:nvSpPr>
+        <p:spPr/>
+        <p:txBody>
+          <a:bodyPr/>
+          <a:lstStyle/>
+          <a:p>
+            <a:fld id="{817DB918-FF6D-402D-9E84-43B786396EA2}" type="slidenum">
+              <a:rPr lang="fr-CH" smtClean="0"/>
+              <a:t>24</a:t>
+            </a:fld>
+            <a:endParaRPr lang="fr-CH" dirty="0"/>
+          </a:p>
+        </p:txBody>
+      </p:sp>
+      <p:pic>
+        <p:nvPicPr>
+          <p:cNvPr id="7" name="Picture 2"/>
+          <p:cNvPicPr>
+            <a:picLocks noChangeAspect="1" noChangeArrowheads="1"/>
+          </p:cNvPicPr>
+          <p:nvPr/>
+        </p:nvPicPr>
+        <p:blipFill>
+          <a:blip r:embed="rId2">
+            <a:extLst>
+              <a:ext uri="{28A0092B-C50C-407E-A947-70E740481C1C}">
+                <a14:useLocalDpi xmlns:a14="http://schemas.microsoft.com/office/drawing/2010/main" val="0"/>
+              </a:ext>
+            </a:extLst>
+          </a:blip>
+          <a:srcRect/>
+          <a:stretch>
+            <a:fillRect/>
+          </a:stretch>
+        </p:blipFill>
+        <p:spPr bwMode="auto">
+          <a:xfrm>
+            <a:off x="2860448" y="1347615"/>
+            <a:ext cx="3423104" cy="3468400"/>
+          </a:xfrm>
+          <a:prstGeom prst="rect">
+            <a:avLst/>
+          </a:prstGeom>
+          <a:noFill/>
+          <a:ln>
+            <a:noFill/>
+          </a:ln>
+          <a:extLst>
+            <a:ext uri="{909E8E84-426E-40DD-AFC4-6F175D3DCCD1}">
+              <a14:hiddenFill xmlns:a14="http://schemas.microsoft.com/office/drawing/2010/main">
+                <a:solidFill>
+                  <a:schemeClr val="accent1"/>
+                </a:solidFill>
+              </a14:hiddenFill>
+            </a:ext>
+            <a:ext uri="{91240B29-F687-4F45-9708-019B960494DF}">
+              <a14:hiddenLine xmlns:a14="http://schemas.microsoft.com/office/drawing/2010/main" w="9525">
+                <a:solidFill>
+                  <a:schemeClr val="tx1"/>
+                </a:solidFill>
+                <a:miter lim="800000"/>
+                <a:headEnd/>
+                <a:tailEnd/>
+              </a14:hiddenLine>
+            </a:ext>
+          </a:extLst>
+        </p:spPr>
+      </p:pic>
+      <p:grpSp>
+        <p:nvGrpSpPr>
+          <p:cNvPr id="8" name="Shape 144"/>
+          <p:cNvGrpSpPr/>
+          <p:nvPr/>
+        </p:nvGrpSpPr>
+        <p:grpSpPr>
+          <a:xfrm>
+            <a:off x="916458" y="1019750"/>
+            <a:ext cx="214624" cy="214624"/>
+            <a:chOff x="2594050" y="1631825"/>
+            <a:chExt cx="439625" cy="439625"/>
+          </a:xfrm>
+        </p:grpSpPr>
+        <p:sp>
+          <p:nvSpPr>
+            <p:cNvPr id="9" name="Shape 145"/>
+            <p:cNvSpPr/>
+            <p:nvPr/>
+          </p:nvSpPr>
+          <p:spPr>
+            <a:xfrm>
+              <a:off x="2594050" y="1883300"/>
+              <a:ext cx="188175" cy="188150"/>
+            </a:xfrm>
+            <a:custGeom>
+              <a:avLst/>
+              <a:gdLst/>
+              <a:ahLst/>
+              <a:cxnLst/>
+              <a:rect l="0" t="0" r="0" b="0"/>
+              <a:pathLst>
+                <a:path w="7527" h="7526" fill="none" extrusionOk="0">
+                  <a:moveTo>
+                    <a:pt x="5992" y="0"/>
+                  </a:moveTo>
+                  <a:lnTo>
+                    <a:pt x="537" y="6430"/>
+                  </a:lnTo>
+                  <a:lnTo>
+                    <a:pt x="1" y="7526"/>
+                  </a:lnTo>
+                  <a:lnTo>
+                    <a:pt x="1097" y="6990"/>
+                  </a:lnTo>
+                  <a:lnTo>
+                    <a:pt x="7526" y="1534"/>
+                  </a:lnTo>
+                  <a:lnTo>
+                    <a:pt x="5992" y="0"/>
+                  </a:lnTo>
+                  <a:close/>
+                </a:path>
+              </a:pathLst>
+            </a:custGeom>
+            <a:noFill/>
+            <a:ln w="9525" cap="rnd" cmpd="sng">
+              <a:solidFill>
+                <a:srgbClr val="000000"/>
+              </a:solidFill>
+              <a:prstDash val="solid"/>
+              <a:round/>
+              <a:headEnd type="none" w="med" len="med"/>
+              <a:tailEnd type="none" w="med" len="med"/>
+            </a:ln>
+          </p:spPr>
+          <p:txBody>
+            <a:bodyPr lIns="91425" tIns="91425" rIns="91425" bIns="91425" anchor="ctr" anchorCtr="0">
+              <a:noAutofit/>
+            </a:bodyPr>
+            <a:lstStyle/>
+            <a:p>
+              <a:pPr lvl="0">
+                <a:spcBef>
+                  <a:spcPts val="0"/>
+                </a:spcBef>
+                <a:buNone/>
+              </a:pPr>
+              <a:endParaRPr/>
+            </a:p>
+          </p:txBody>
+        </p:sp>
+        <p:sp>
+          <p:nvSpPr>
+            <p:cNvPr id="10" name="Shape 146"/>
+            <p:cNvSpPr/>
+            <p:nvPr/>
+          </p:nvSpPr>
+          <p:spPr>
+            <a:xfrm>
+              <a:off x="2857700" y="1631825"/>
+              <a:ext cx="175975" cy="176000"/>
+            </a:xfrm>
+            <a:custGeom>
+              <a:avLst/>
+              <a:gdLst/>
+              <a:ahLst/>
+              <a:cxnLst/>
+              <a:rect l="0" t="0" r="0" b="0"/>
+              <a:pathLst>
+                <a:path w="7039" h="7040" fill="none" extrusionOk="0">
+                  <a:moveTo>
+                    <a:pt x="268" y="2704"/>
+                  </a:moveTo>
+                  <a:lnTo>
+                    <a:pt x="4336" y="6771"/>
+                  </a:lnTo>
+                  <a:lnTo>
+                    <a:pt x="4336" y="6771"/>
+                  </a:lnTo>
+                  <a:lnTo>
+                    <a:pt x="4336" y="6771"/>
+                  </a:lnTo>
+                  <a:lnTo>
+                    <a:pt x="4652" y="6917"/>
+                  </a:lnTo>
+                  <a:lnTo>
+                    <a:pt x="4993" y="7015"/>
+                  </a:lnTo>
+                  <a:lnTo>
+                    <a:pt x="5310" y="7039"/>
+                  </a:lnTo>
+                  <a:lnTo>
+                    <a:pt x="5651" y="7039"/>
+                  </a:lnTo>
+                  <a:lnTo>
+                    <a:pt x="5992" y="6966"/>
+                  </a:lnTo>
+                  <a:lnTo>
+                    <a:pt x="6308" y="6844"/>
+                  </a:lnTo>
+                  <a:lnTo>
+                    <a:pt x="6454" y="6747"/>
+                  </a:lnTo>
+                  <a:lnTo>
+                    <a:pt x="6601" y="6674"/>
+                  </a:lnTo>
+                  <a:lnTo>
+                    <a:pt x="6747" y="6552"/>
+                  </a:lnTo>
+                  <a:lnTo>
+                    <a:pt x="6893" y="6430"/>
+                  </a:lnTo>
+                  <a:lnTo>
+                    <a:pt x="6893" y="6430"/>
+                  </a:lnTo>
+                  <a:lnTo>
+                    <a:pt x="6942" y="6357"/>
+                  </a:lnTo>
+                  <a:lnTo>
+                    <a:pt x="7015" y="6260"/>
+                  </a:lnTo>
+                  <a:lnTo>
+                    <a:pt x="7039" y="6138"/>
+                  </a:lnTo>
+                  <a:lnTo>
+                    <a:pt x="7039" y="6041"/>
+                  </a:lnTo>
+                  <a:lnTo>
+                    <a:pt x="7039" y="6041"/>
+                  </a:lnTo>
+                  <a:lnTo>
+                    <a:pt x="7039" y="5943"/>
+                  </a:lnTo>
+                  <a:lnTo>
+                    <a:pt x="7015" y="5846"/>
+                  </a:lnTo>
+                  <a:lnTo>
+                    <a:pt x="6942" y="5748"/>
+                  </a:lnTo>
+                  <a:lnTo>
+                    <a:pt x="6893" y="5651"/>
+                  </a:lnTo>
+                  <a:lnTo>
+                    <a:pt x="1389" y="147"/>
+                  </a:lnTo>
+                  <a:lnTo>
+                    <a:pt x="1389" y="147"/>
+                  </a:lnTo>
+                  <a:lnTo>
+                    <a:pt x="1291" y="98"/>
+                  </a:lnTo>
+                  <a:lnTo>
+                    <a:pt x="1194" y="25"/>
+                  </a:lnTo>
+                  <a:lnTo>
+                    <a:pt x="1096" y="0"/>
+                  </a:lnTo>
+                  <a:lnTo>
+                    <a:pt x="999" y="0"/>
+                  </a:lnTo>
+                  <a:lnTo>
+                    <a:pt x="999" y="0"/>
+                  </a:lnTo>
+                  <a:lnTo>
+                    <a:pt x="902" y="0"/>
+                  </a:lnTo>
+                  <a:lnTo>
+                    <a:pt x="780" y="25"/>
+                  </a:lnTo>
+                  <a:lnTo>
+                    <a:pt x="682" y="98"/>
+                  </a:lnTo>
+                  <a:lnTo>
+                    <a:pt x="609" y="147"/>
+                  </a:lnTo>
+                  <a:lnTo>
+                    <a:pt x="609" y="147"/>
+                  </a:lnTo>
+                  <a:lnTo>
+                    <a:pt x="487" y="293"/>
+                  </a:lnTo>
+                  <a:lnTo>
+                    <a:pt x="366" y="439"/>
+                  </a:lnTo>
+                  <a:lnTo>
+                    <a:pt x="293" y="585"/>
+                  </a:lnTo>
+                  <a:lnTo>
+                    <a:pt x="195" y="731"/>
+                  </a:lnTo>
+                  <a:lnTo>
+                    <a:pt x="73" y="1048"/>
+                  </a:lnTo>
+                  <a:lnTo>
+                    <a:pt x="0" y="1389"/>
+                  </a:lnTo>
+                  <a:lnTo>
+                    <a:pt x="0" y="1730"/>
+                  </a:lnTo>
+                  <a:lnTo>
+                    <a:pt x="25" y="2046"/>
+                  </a:lnTo>
+                  <a:lnTo>
+                    <a:pt x="122" y="2387"/>
+                  </a:lnTo>
+                  <a:lnTo>
+                    <a:pt x="268" y="2704"/>
+                  </a:lnTo>
+                  <a:lnTo>
+                    <a:pt x="268" y="2704"/>
+                  </a:lnTo>
+                  <a:close/>
+                </a:path>
+              </a:pathLst>
+            </a:custGeom>
+            <a:noFill/>
+            <a:ln w="9525" cap="rnd" cmpd="sng">
+              <a:solidFill>
+                <a:srgbClr val="000000"/>
+              </a:solidFill>
+              <a:prstDash val="solid"/>
+              <a:round/>
+              <a:headEnd type="none" w="med" len="med"/>
+              <a:tailEnd type="none" w="med" len="med"/>
+            </a:ln>
+          </p:spPr>
+          <p:txBody>
+            <a:bodyPr lIns="91425" tIns="91425" rIns="91425" bIns="91425" anchor="ctr" anchorCtr="0">
+              <a:noAutofit/>
+            </a:bodyPr>
+            <a:lstStyle/>
+            <a:p>
+              <a:pPr lvl="0">
+                <a:spcBef>
+                  <a:spcPts val="0"/>
+                </a:spcBef>
+                <a:buNone/>
+              </a:pPr>
+              <a:endParaRPr/>
+            </a:p>
+          </p:txBody>
+        </p:sp>
+        <p:sp>
+          <p:nvSpPr>
+            <p:cNvPr id="11" name="Shape 147"/>
+            <p:cNvSpPr/>
+            <p:nvPr/>
+          </p:nvSpPr>
+          <p:spPr>
+            <a:xfrm>
+              <a:off x="2662850" y="1699400"/>
+              <a:ext cx="303250" cy="303250"/>
+            </a:xfrm>
+            <a:custGeom>
+              <a:avLst/>
+              <a:gdLst/>
+              <a:ahLst/>
+              <a:cxnLst/>
+              <a:rect l="0" t="0" r="0" b="0"/>
+              <a:pathLst>
+                <a:path w="12130" h="12130" fill="none" extrusionOk="0">
+                  <a:moveTo>
+                    <a:pt x="8038" y="1"/>
+                  </a:moveTo>
+                  <a:lnTo>
+                    <a:pt x="4872" y="3191"/>
+                  </a:lnTo>
+                  <a:lnTo>
+                    <a:pt x="4872" y="3191"/>
+                  </a:lnTo>
+                  <a:lnTo>
+                    <a:pt x="4628" y="3094"/>
+                  </a:lnTo>
+                  <a:lnTo>
+                    <a:pt x="4385" y="2997"/>
+                  </a:lnTo>
+                  <a:lnTo>
+                    <a:pt x="4092" y="2899"/>
+                  </a:lnTo>
+                  <a:lnTo>
+                    <a:pt x="3800" y="2850"/>
+                  </a:lnTo>
+                  <a:lnTo>
+                    <a:pt x="3484" y="2777"/>
+                  </a:lnTo>
+                  <a:lnTo>
+                    <a:pt x="3167" y="2729"/>
+                  </a:lnTo>
+                  <a:lnTo>
+                    <a:pt x="2850" y="2704"/>
+                  </a:lnTo>
+                  <a:lnTo>
+                    <a:pt x="2534" y="2704"/>
+                  </a:lnTo>
+                  <a:lnTo>
+                    <a:pt x="2534" y="2704"/>
+                  </a:lnTo>
+                  <a:lnTo>
+                    <a:pt x="2241" y="2704"/>
+                  </a:lnTo>
+                  <a:lnTo>
+                    <a:pt x="1949" y="2729"/>
+                  </a:lnTo>
+                  <a:lnTo>
+                    <a:pt x="1633" y="2777"/>
+                  </a:lnTo>
+                  <a:lnTo>
+                    <a:pt x="1316" y="2850"/>
+                  </a:lnTo>
+                  <a:lnTo>
+                    <a:pt x="999" y="2972"/>
+                  </a:lnTo>
+                  <a:lnTo>
+                    <a:pt x="707" y="3094"/>
+                  </a:lnTo>
+                  <a:lnTo>
+                    <a:pt x="415" y="3289"/>
+                  </a:lnTo>
+                  <a:lnTo>
+                    <a:pt x="147" y="3508"/>
+                  </a:lnTo>
+                  <a:lnTo>
+                    <a:pt x="147" y="3508"/>
+                  </a:lnTo>
+                  <a:lnTo>
+                    <a:pt x="74" y="3581"/>
+                  </a:lnTo>
+                  <a:lnTo>
+                    <a:pt x="25" y="3678"/>
+                  </a:lnTo>
+                  <a:lnTo>
+                    <a:pt x="1" y="3776"/>
+                  </a:lnTo>
+                  <a:lnTo>
+                    <a:pt x="1" y="3898"/>
+                  </a:lnTo>
+                  <a:lnTo>
+                    <a:pt x="1" y="3898"/>
+                  </a:lnTo>
+                  <a:lnTo>
+                    <a:pt x="1" y="3995"/>
+                  </a:lnTo>
+                  <a:lnTo>
+                    <a:pt x="25" y="4093"/>
+                  </a:lnTo>
+                  <a:lnTo>
+                    <a:pt x="74" y="4190"/>
+                  </a:lnTo>
+                  <a:lnTo>
+                    <a:pt x="147" y="4287"/>
+                  </a:lnTo>
+                  <a:lnTo>
+                    <a:pt x="7843" y="11984"/>
+                  </a:lnTo>
+                  <a:lnTo>
+                    <a:pt x="7843" y="11984"/>
+                  </a:lnTo>
+                  <a:lnTo>
+                    <a:pt x="7941" y="12057"/>
+                  </a:lnTo>
+                  <a:lnTo>
+                    <a:pt x="8038" y="12105"/>
+                  </a:lnTo>
+                  <a:lnTo>
+                    <a:pt x="8135" y="12130"/>
+                  </a:lnTo>
+                  <a:lnTo>
+                    <a:pt x="8233" y="12130"/>
+                  </a:lnTo>
+                  <a:lnTo>
+                    <a:pt x="8233" y="12130"/>
+                  </a:lnTo>
+                  <a:lnTo>
+                    <a:pt x="8355" y="12130"/>
+                  </a:lnTo>
+                  <a:lnTo>
+                    <a:pt x="8452" y="12105"/>
+                  </a:lnTo>
+                  <a:lnTo>
+                    <a:pt x="8549" y="12057"/>
+                  </a:lnTo>
+                  <a:lnTo>
+                    <a:pt x="8622" y="11984"/>
+                  </a:lnTo>
+                  <a:lnTo>
+                    <a:pt x="8622" y="11984"/>
+                  </a:lnTo>
+                  <a:lnTo>
+                    <a:pt x="8842" y="11716"/>
+                  </a:lnTo>
+                  <a:lnTo>
+                    <a:pt x="9036" y="11423"/>
+                  </a:lnTo>
+                  <a:lnTo>
+                    <a:pt x="9158" y="11131"/>
+                  </a:lnTo>
+                  <a:lnTo>
+                    <a:pt x="9280" y="10814"/>
+                  </a:lnTo>
+                  <a:lnTo>
+                    <a:pt x="9353" y="10498"/>
+                  </a:lnTo>
+                  <a:lnTo>
+                    <a:pt x="9402" y="10181"/>
+                  </a:lnTo>
+                  <a:lnTo>
+                    <a:pt x="9426" y="9889"/>
+                  </a:lnTo>
+                  <a:lnTo>
+                    <a:pt x="9426" y="9597"/>
+                  </a:lnTo>
+                  <a:lnTo>
+                    <a:pt x="9426" y="9597"/>
+                  </a:lnTo>
+                  <a:lnTo>
+                    <a:pt x="9426" y="9280"/>
+                  </a:lnTo>
+                  <a:lnTo>
+                    <a:pt x="9402" y="8964"/>
+                  </a:lnTo>
+                  <a:lnTo>
+                    <a:pt x="9353" y="8647"/>
+                  </a:lnTo>
+                  <a:lnTo>
+                    <a:pt x="9280" y="8330"/>
+                  </a:lnTo>
+                  <a:lnTo>
+                    <a:pt x="9231" y="8038"/>
+                  </a:lnTo>
+                  <a:lnTo>
+                    <a:pt x="9134" y="7746"/>
+                  </a:lnTo>
+                  <a:lnTo>
+                    <a:pt x="9036" y="7502"/>
+                  </a:lnTo>
+                  <a:lnTo>
+                    <a:pt x="8939" y="7259"/>
+                  </a:lnTo>
+                  <a:lnTo>
+                    <a:pt x="12130" y="4093"/>
+                  </a:lnTo>
+                </a:path>
+              </a:pathLst>
+            </a:custGeom>
+            <a:noFill/>
+            <a:ln w="9525" cap="rnd" cmpd="sng">
+              <a:solidFill>
+                <a:srgbClr val="000000"/>
+              </a:solidFill>
+              <a:prstDash val="solid"/>
+              <a:round/>
+              <a:headEnd type="none" w="med" len="med"/>
+              <a:tailEnd type="none" w="med" len="med"/>
+            </a:ln>
+          </p:spPr>
+          <p:txBody>
+            <a:bodyPr lIns="91425" tIns="91425" rIns="91425" bIns="91425" anchor="ctr" anchorCtr="0">
+              <a:noAutofit/>
+            </a:bodyPr>
+            <a:lstStyle/>
+            <a:p>
+              <a:pPr lvl="0">
+                <a:spcBef>
+                  <a:spcPts val="0"/>
+                </a:spcBef>
+                <a:buNone/>
+              </a:pPr>
+              <a:endParaRPr/>
+            </a:p>
+          </p:txBody>
+        </p:sp>
+        <p:sp>
+          <p:nvSpPr>
+            <p:cNvPr id="12" name="Shape 148"/>
+            <p:cNvSpPr/>
+            <p:nvPr/>
+          </p:nvSpPr>
+          <p:spPr>
+            <a:xfrm>
+              <a:off x="2814911" y="1754061"/>
+              <a:ext cx="49950" cy="49950"/>
+            </a:xfrm>
+            <a:custGeom>
+              <a:avLst/>
+              <a:gdLst/>
+              <a:ahLst/>
+              <a:cxnLst/>
+              <a:rect l="0" t="0" r="0" b="0"/>
+              <a:pathLst>
+                <a:path w="1998" h="1998" fill="none" extrusionOk="0">
+                  <a:moveTo>
+                    <a:pt x="1" y="1997"/>
+                  </a:moveTo>
+                  <a:lnTo>
+                    <a:pt x="1998" y="0"/>
+                  </a:lnTo>
+                </a:path>
+              </a:pathLst>
+            </a:custGeom>
+            <a:noFill/>
+            <a:ln w="9525" cap="rnd" cmpd="sng">
+              <a:solidFill>
+                <a:srgbClr val="000000"/>
+              </a:solidFill>
+              <a:prstDash val="solid"/>
+              <a:round/>
+              <a:headEnd type="none" w="med" len="med"/>
+              <a:tailEnd type="none" w="med" len="med"/>
+            </a:ln>
+          </p:spPr>
+          <p:txBody>
+            <a:bodyPr lIns="91425" tIns="91425" rIns="91425" bIns="91425" anchor="ctr" anchorCtr="0">
+              <a:noAutofit/>
+            </a:bodyPr>
+            <a:lstStyle/>
+            <a:p>
+              <a:pPr lvl="0">
+                <a:spcBef>
+                  <a:spcPts val="0"/>
+                </a:spcBef>
+                <a:buNone/>
+              </a:pPr>
+              <a:endParaRPr/>
+            </a:p>
+          </p:txBody>
+        </p:sp>
+      </p:grpSp>
+      <p:sp>
+        <p:nvSpPr>
+          <p:cNvPr id="14" name="Rectangle 13"/>
+          <p:cNvSpPr/>
+          <p:nvPr/>
+        </p:nvSpPr>
+        <p:spPr>
+          <a:xfrm>
+            <a:off x="5364088" y="4299942"/>
+            <a:ext cx="864096" cy="432048"/>
+          </a:xfrm>
+          <a:prstGeom prst="rect">
+            <a:avLst/>
+          </a:prstGeom>
+          <a:noFill/>
+          <a:ln>
+            <a:solidFill>
+              <a:srgbClr val="FF0000"/>
+            </a:solidFill>
+          </a:ln>
+        </p:spPr>
+        <p:style>
+          <a:lnRef idx="2">
+            <a:schemeClr val="accent6"/>
+          </a:lnRef>
+          <a:fillRef idx="1">
+            <a:schemeClr val="lt1"/>
+          </a:fillRef>
+          <a:effectRef idx="0">
+            <a:schemeClr val="accent6"/>
+          </a:effectRef>
+          <a:fontRef idx="minor">
+            <a:schemeClr val="dk1"/>
+          </a:fontRef>
+        </p:style>
+        <p:txBody>
+          <a:bodyPr rtlCol="0" anchor="ctr"/>
+          <a:lstStyle/>
+          <a:p>
+            <a:pPr algn="ctr"/>
+            <a:endParaRPr lang="fr-CH"/>
+          </a:p>
+        </p:txBody>
+      </p:sp>
+    </p:spTree>
+    <p:extLst>
+      <p:ext uri="{BB962C8B-B14F-4D97-AF65-F5344CB8AC3E}">
+        <p14:creationId xmlns:p14="http://schemas.microsoft.com/office/powerpoint/2010/main" val="491515320"/>
+      </p:ext>
+    </p:extLst>
+  </p:cSld>
+  <p:clrMapOvr>
+    <a:masterClrMapping/>
+  </p:clrMapOvr>
+  <p:timing>
+    <p:tnLst>
+      <p:par>
+        <p:cTn id="1" dur="indefinite" restart="never" nodeType="tmRoot"/>
+      </p:par>
+    </p:tnLst>
+  </p:timing>
+</p:sld>
+</file>
+
+<file path=ppt/slides/slide25.xml><?xml version="1.0" encoding="utf-8"?>
+<p:sld xmlns:a="http://schemas.openxmlformats.org/drawingml/2006/main" xmlns:r="http://schemas.openxmlformats.org/officeDocument/2006/relationships" xmlns:p="http://schemas.openxmlformats.org/presentationml/2006/main">
+  <p:cSld>
+    <p:spTree>
+      <p:nvGrpSpPr>
         <p:cNvPr id="1" name="Shape 97"/>
         <p:cNvGrpSpPr/>
         <p:nvPr/>
@@ -16945,7 +17702,7 @@
 </p:sld>
 </file>
 
-<file path=ppt/slides/slide25.xml><?xml version="1.0" encoding="utf-8"?>
+<file path=ppt/slides/slide26.xml><?xml version="1.0" encoding="utf-8"?>
 <p:sld xmlns:a="http://schemas.openxmlformats.org/drawingml/2006/main" xmlns:r="http://schemas.openxmlformats.org/officeDocument/2006/relationships" xmlns:p="http://schemas.openxmlformats.org/presentationml/2006/main">
   <p:cSld>
     <p:spTree>
@@ -16984,7 +17741,7 @@
           <a:p>
             <a:fld id="{817DB918-FF6D-402D-9E84-43B786396EA2}" type="slidenum">
               <a:rPr lang="fr-CH" smtClean="0"/>
-              <a:t>25</a:t>
+              <a:t>26</a:t>
             </a:fld>
             <a:endParaRPr lang="fr-CH" dirty="0"/>
           </a:p>
@@ -20886,7 +21643,7 @@
 </p:sld>
 </file>
 
-<file path=ppt/slides/slide26.xml><?xml version="1.0" encoding="utf-8"?>
+<file path=ppt/slides/slide27.xml><?xml version="1.0" encoding="utf-8"?>
 <p:sld xmlns:a="http://schemas.openxmlformats.org/drawingml/2006/main" xmlns:r="http://schemas.openxmlformats.org/officeDocument/2006/relationships" xmlns:p="http://schemas.openxmlformats.org/presentationml/2006/main">
   <p:cSld>
     <p:spTree>
@@ -20925,7 +21682,7 @@
           <a:p>
             <a:fld id="{817DB918-FF6D-402D-9E84-43B786396EA2}" type="slidenum">
               <a:rPr lang="fr-CH" smtClean="0"/>
-              <a:t>26</a:t>
+              <a:t>27</a:t>
             </a:fld>
             <a:endParaRPr lang="fr-CH" dirty="0"/>
           </a:p>
@@ -21815,7 +22572,7 @@
 </p:sld>
 </file>
 
-<file path=ppt/slides/slide27.xml><?xml version="1.0" encoding="utf-8"?>
+<file path=ppt/slides/slide28.xml><?xml version="1.0" encoding="utf-8"?>
 <p:sld xmlns:a="http://schemas.openxmlformats.org/drawingml/2006/main" xmlns:r="http://schemas.openxmlformats.org/officeDocument/2006/relationships" xmlns:p="http://schemas.openxmlformats.org/presentationml/2006/main">
   <p:cSld>
     <p:spTree>
@@ -21854,7 +22611,7 @@
           <a:p>
             <a:fld id="{817DB918-FF6D-402D-9E84-43B786396EA2}" type="slidenum">
               <a:rPr lang="fr-CH" smtClean="0"/>
-              <a:t>27</a:t>
+              <a:t>28</a:t>
             </a:fld>
             <a:endParaRPr lang="fr-CH" dirty="0"/>
           </a:p>
@@ -22664,7 +23421,7 @@
 </p:sld>
 </file>
 
-<file path=ppt/slides/slide28.xml><?xml version="1.0" encoding="utf-8"?>
+<file path=ppt/slides/slide29.xml><?xml version="1.0" encoding="utf-8"?>
 <p:sld xmlns:a="http://schemas.openxmlformats.org/drawingml/2006/main" xmlns:r="http://schemas.openxmlformats.org/officeDocument/2006/relationships" xmlns:p="http://schemas.openxmlformats.org/presentationml/2006/main">
   <p:cSld>
     <p:spTree>
@@ -22703,7 +23460,7 @@
           <a:p>
             <a:fld id="{817DB918-FF6D-402D-9E84-43B786396EA2}" type="slidenum">
               <a:rPr lang="fr-CH" smtClean="0"/>
-              <a:t>28</a:t>
+              <a:t>29</a:t>
             </a:fld>
             <a:endParaRPr lang="fr-CH" dirty="0"/>
           </a:p>
@@ -23485,797 +24242,6 @@
     <p:extLst>
       <p:ext uri="{BB962C8B-B14F-4D97-AF65-F5344CB8AC3E}">
         <p14:creationId xmlns:p14="http://schemas.microsoft.com/office/powerpoint/2010/main" val="2106668308"/>
-      </p:ext>
-    </p:extLst>
-  </p:cSld>
-  <p:clrMapOvr>
-    <a:masterClrMapping/>
-  </p:clrMapOvr>
-  <mc:AlternateContent xmlns:mc="http://schemas.openxmlformats.org/markup-compatibility/2006" xmlns:p14="http://schemas.microsoft.com/office/powerpoint/2010/main">
-    <mc:Choice Requires="p14">
-      <p:transition p14:dur="100">
-        <p:cut/>
-      </p:transition>
-    </mc:Choice>
-    <mc:Fallback xmlns="">
-      <p:transition>
-        <p:cut/>
-      </p:transition>
-    </mc:Fallback>
-  </mc:AlternateContent>
-  <p:timing>
-    <p:tnLst>
-      <p:par>
-        <p:cTn id="1" dur="indefinite" restart="never" nodeType="tmRoot"/>
-      </p:par>
-    </p:tnLst>
-  </p:timing>
-</p:sld>
-</file>
-
-<file path=ppt/slides/slide29.xml><?xml version="1.0" encoding="utf-8"?>
-<p:sld xmlns:a="http://schemas.openxmlformats.org/drawingml/2006/main" xmlns:r="http://schemas.openxmlformats.org/officeDocument/2006/relationships" xmlns:p="http://schemas.openxmlformats.org/presentationml/2006/main">
-  <p:cSld>
-    <p:spTree>
-      <p:nvGrpSpPr>
-        <p:cNvPr id="1" name=""/>
-        <p:cNvGrpSpPr/>
-        <p:nvPr/>
-      </p:nvGrpSpPr>
-      <p:grpSpPr>
-        <a:xfrm>
-          <a:off x="0" y="0"/>
-          <a:ext cx="0" cy="0"/>
-          <a:chOff x="0" y="0"/>
-          <a:chExt cx="0" cy="0"/>
-        </a:xfrm>
-      </p:grpSpPr>
-      <p:sp>
-        <p:nvSpPr>
-          <p:cNvPr id="5" name="Espace réservé du numéro de diapositive 4"/>
-          <p:cNvSpPr>
-            <a:spLocks noGrp="1"/>
-          </p:cNvSpPr>
-          <p:nvPr>
-            <p:ph type="sldNum" sz="quarter" idx="4"/>
-          </p:nvPr>
-        </p:nvSpPr>
-        <p:spPr>
-          <a:xfrm>
-            <a:off x="6553200" y="4767263"/>
-            <a:ext cx="2133600" cy="274637"/>
-          </a:xfrm>
-        </p:spPr>
-        <p:txBody>
-          <a:bodyPr/>
-          <a:lstStyle/>
-          <a:p>
-            <a:fld id="{817DB918-FF6D-402D-9E84-43B786396EA2}" type="slidenum">
-              <a:rPr lang="fr-CH" smtClean="0"/>
-              <a:t>29</a:t>
-            </a:fld>
-            <a:endParaRPr lang="fr-CH" dirty="0"/>
-          </a:p>
-        </p:txBody>
-      </p:sp>
-      <p:grpSp>
-        <p:nvGrpSpPr>
-          <p:cNvPr id="9" name="Shape 144"/>
-          <p:cNvGrpSpPr/>
-          <p:nvPr/>
-        </p:nvGrpSpPr>
-        <p:grpSpPr>
-          <a:xfrm>
-            <a:off x="916458" y="1019750"/>
-            <a:ext cx="214624" cy="214624"/>
-            <a:chOff x="2594050" y="1631825"/>
-            <a:chExt cx="439625" cy="439625"/>
-          </a:xfrm>
-        </p:grpSpPr>
-        <p:sp>
-          <p:nvSpPr>
-            <p:cNvPr id="10" name="Shape 145"/>
-            <p:cNvSpPr/>
-            <p:nvPr/>
-          </p:nvSpPr>
-          <p:spPr>
-            <a:xfrm>
-              <a:off x="2594050" y="1883300"/>
-              <a:ext cx="188175" cy="188150"/>
-            </a:xfrm>
-            <a:custGeom>
-              <a:avLst/>
-              <a:gdLst/>
-              <a:ahLst/>
-              <a:cxnLst/>
-              <a:rect l="0" t="0" r="0" b="0"/>
-              <a:pathLst>
-                <a:path w="7527" h="7526" fill="none" extrusionOk="0">
-                  <a:moveTo>
-                    <a:pt x="5992" y="0"/>
-                  </a:moveTo>
-                  <a:lnTo>
-                    <a:pt x="537" y="6430"/>
-                  </a:lnTo>
-                  <a:lnTo>
-                    <a:pt x="1" y="7526"/>
-                  </a:lnTo>
-                  <a:lnTo>
-                    <a:pt x="1097" y="6990"/>
-                  </a:lnTo>
-                  <a:lnTo>
-                    <a:pt x="7526" y="1534"/>
-                  </a:lnTo>
-                  <a:lnTo>
-                    <a:pt x="5992" y="0"/>
-                  </a:lnTo>
-                  <a:close/>
-                </a:path>
-              </a:pathLst>
-            </a:custGeom>
-            <a:noFill/>
-            <a:ln w="9525" cap="rnd" cmpd="sng">
-              <a:solidFill>
-                <a:srgbClr val="000000"/>
-              </a:solidFill>
-              <a:prstDash val="solid"/>
-              <a:round/>
-              <a:headEnd type="none" w="med" len="med"/>
-              <a:tailEnd type="none" w="med" len="med"/>
-            </a:ln>
-          </p:spPr>
-          <p:txBody>
-            <a:bodyPr lIns="91425" tIns="91425" rIns="91425" bIns="91425" anchor="ctr" anchorCtr="0">
-              <a:noAutofit/>
-            </a:bodyPr>
-            <a:lstStyle/>
-            <a:p>
-              <a:pPr lvl="0">
-                <a:spcBef>
-                  <a:spcPts val="0"/>
-                </a:spcBef>
-                <a:buNone/>
-              </a:pPr>
-              <a:endParaRPr/>
-            </a:p>
-          </p:txBody>
-        </p:sp>
-        <p:sp>
-          <p:nvSpPr>
-            <p:cNvPr id="11" name="Shape 146"/>
-            <p:cNvSpPr/>
-            <p:nvPr/>
-          </p:nvSpPr>
-          <p:spPr>
-            <a:xfrm>
-              <a:off x="2857700" y="1631825"/>
-              <a:ext cx="175975" cy="176000"/>
-            </a:xfrm>
-            <a:custGeom>
-              <a:avLst/>
-              <a:gdLst/>
-              <a:ahLst/>
-              <a:cxnLst/>
-              <a:rect l="0" t="0" r="0" b="0"/>
-              <a:pathLst>
-                <a:path w="7039" h="7040" fill="none" extrusionOk="0">
-                  <a:moveTo>
-                    <a:pt x="268" y="2704"/>
-                  </a:moveTo>
-                  <a:lnTo>
-                    <a:pt x="4336" y="6771"/>
-                  </a:lnTo>
-                  <a:lnTo>
-                    <a:pt x="4336" y="6771"/>
-                  </a:lnTo>
-                  <a:lnTo>
-                    <a:pt x="4336" y="6771"/>
-                  </a:lnTo>
-                  <a:lnTo>
-                    <a:pt x="4652" y="6917"/>
-                  </a:lnTo>
-                  <a:lnTo>
-                    <a:pt x="4993" y="7015"/>
-                  </a:lnTo>
-                  <a:lnTo>
-                    <a:pt x="5310" y="7039"/>
-                  </a:lnTo>
-                  <a:lnTo>
-                    <a:pt x="5651" y="7039"/>
-                  </a:lnTo>
-                  <a:lnTo>
-                    <a:pt x="5992" y="6966"/>
-                  </a:lnTo>
-                  <a:lnTo>
-                    <a:pt x="6308" y="6844"/>
-                  </a:lnTo>
-                  <a:lnTo>
-                    <a:pt x="6454" y="6747"/>
-                  </a:lnTo>
-                  <a:lnTo>
-                    <a:pt x="6601" y="6674"/>
-                  </a:lnTo>
-                  <a:lnTo>
-                    <a:pt x="6747" y="6552"/>
-                  </a:lnTo>
-                  <a:lnTo>
-                    <a:pt x="6893" y="6430"/>
-                  </a:lnTo>
-                  <a:lnTo>
-                    <a:pt x="6893" y="6430"/>
-                  </a:lnTo>
-                  <a:lnTo>
-                    <a:pt x="6942" y="6357"/>
-                  </a:lnTo>
-                  <a:lnTo>
-                    <a:pt x="7015" y="6260"/>
-                  </a:lnTo>
-                  <a:lnTo>
-                    <a:pt x="7039" y="6138"/>
-                  </a:lnTo>
-                  <a:lnTo>
-                    <a:pt x="7039" y="6041"/>
-                  </a:lnTo>
-                  <a:lnTo>
-                    <a:pt x="7039" y="6041"/>
-                  </a:lnTo>
-                  <a:lnTo>
-                    <a:pt x="7039" y="5943"/>
-                  </a:lnTo>
-                  <a:lnTo>
-                    <a:pt x="7015" y="5846"/>
-                  </a:lnTo>
-                  <a:lnTo>
-                    <a:pt x="6942" y="5748"/>
-                  </a:lnTo>
-                  <a:lnTo>
-                    <a:pt x="6893" y="5651"/>
-                  </a:lnTo>
-                  <a:lnTo>
-                    <a:pt x="1389" y="147"/>
-                  </a:lnTo>
-                  <a:lnTo>
-                    <a:pt x="1389" y="147"/>
-                  </a:lnTo>
-                  <a:lnTo>
-                    <a:pt x="1291" y="98"/>
-                  </a:lnTo>
-                  <a:lnTo>
-                    <a:pt x="1194" y="25"/>
-                  </a:lnTo>
-                  <a:lnTo>
-                    <a:pt x="1096" y="0"/>
-                  </a:lnTo>
-                  <a:lnTo>
-                    <a:pt x="999" y="0"/>
-                  </a:lnTo>
-                  <a:lnTo>
-                    <a:pt x="999" y="0"/>
-                  </a:lnTo>
-                  <a:lnTo>
-                    <a:pt x="902" y="0"/>
-                  </a:lnTo>
-                  <a:lnTo>
-                    <a:pt x="780" y="25"/>
-                  </a:lnTo>
-                  <a:lnTo>
-                    <a:pt x="682" y="98"/>
-                  </a:lnTo>
-                  <a:lnTo>
-                    <a:pt x="609" y="147"/>
-                  </a:lnTo>
-                  <a:lnTo>
-                    <a:pt x="609" y="147"/>
-                  </a:lnTo>
-                  <a:lnTo>
-                    <a:pt x="487" y="293"/>
-                  </a:lnTo>
-                  <a:lnTo>
-                    <a:pt x="366" y="439"/>
-                  </a:lnTo>
-                  <a:lnTo>
-                    <a:pt x="293" y="585"/>
-                  </a:lnTo>
-                  <a:lnTo>
-                    <a:pt x="195" y="731"/>
-                  </a:lnTo>
-                  <a:lnTo>
-                    <a:pt x="73" y="1048"/>
-                  </a:lnTo>
-                  <a:lnTo>
-                    <a:pt x="0" y="1389"/>
-                  </a:lnTo>
-                  <a:lnTo>
-                    <a:pt x="0" y="1730"/>
-                  </a:lnTo>
-                  <a:lnTo>
-                    <a:pt x="25" y="2046"/>
-                  </a:lnTo>
-                  <a:lnTo>
-                    <a:pt x="122" y="2387"/>
-                  </a:lnTo>
-                  <a:lnTo>
-                    <a:pt x="268" y="2704"/>
-                  </a:lnTo>
-                  <a:lnTo>
-                    <a:pt x="268" y="2704"/>
-                  </a:lnTo>
-                  <a:close/>
-                </a:path>
-              </a:pathLst>
-            </a:custGeom>
-            <a:noFill/>
-            <a:ln w="9525" cap="rnd" cmpd="sng">
-              <a:solidFill>
-                <a:srgbClr val="000000"/>
-              </a:solidFill>
-              <a:prstDash val="solid"/>
-              <a:round/>
-              <a:headEnd type="none" w="med" len="med"/>
-              <a:tailEnd type="none" w="med" len="med"/>
-            </a:ln>
-          </p:spPr>
-          <p:txBody>
-            <a:bodyPr lIns="91425" tIns="91425" rIns="91425" bIns="91425" anchor="ctr" anchorCtr="0">
-              <a:noAutofit/>
-            </a:bodyPr>
-            <a:lstStyle/>
-            <a:p>
-              <a:pPr lvl="0">
-                <a:spcBef>
-                  <a:spcPts val="0"/>
-                </a:spcBef>
-                <a:buNone/>
-              </a:pPr>
-              <a:endParaRPr/>
-            </a:p>
-          </p:txBody>
-        </p:sp>
-        <p:sp>
-          <p:nvSpPr>
-            <p:cNvPr id="12" name="Shape 147"/>
-            <p:cNvSpPr/>
-            <p:nvPr/>
-          </p:nvSpPr>
-          <p:spPr>
-            <a:xfrm>
-              <a:off x="2662850" y="1699400"/>
-              <a:ext cx="303250" cy="303250"/>
-            </a:xfrm>
-            <a:custGeom>
-              <a:avLst/>
-              <a:gdLst/>
-              <a:ahLst/>
-              <a:cxnLst/>
-              <a:rect l="0" t="0" r="0" b="0"/>
-              <a:pathLst>
-                <a:path w="12130" h="12130" fill="none" extrusionOk="0">
-                  <a:moveTo>
-                    <a:pt x="8038" y="1"/>
-                  </a:moveTo>
-                  <a:lnTo>
-                    <a:pt x="4872" y="3191"/>
-                  </a:lnTo>
-                  <a:lnTo>
-                    <a:pt x="4872" y="3191"/>
-                  </a:lnTo>
-                  <a:lnTo>
-                    <a:pt x="4628" y="3094"/>
-                  </a:lnTo>
-                  <a:lnTo>
-                    <a:pt x="4385" y="2997"/>
-                  </a:lnTo>
-                  <a:lnTo>
-                    <a:pt x="4092" y="2899"/>
-                  </a:lnTo>
-                  <a:lnTo>
-                    <a:pt x="3800" y="2850"/>
-                  </a:lnTo>
-                  <a:lnTo>
-                    <a:pt x="3484" y="2777"/>
-                  </a:lnTo>
-                  <a:lnTo>
-                    <a:pt x="3167" y="2729"/>
-                  </a:lnTo>
-                  <a:lnTo>
-                    <a:pt x="2850" y="2704"/>
-                  </a:lnTo>
-                  <a:lnTo>
-                    <a:pt x="2534" y="2704"/>
-                  </a:lnTo>
-                  <a:lnTo>
-                    <a:pt x="2534" y="2704"/>
-                  </a:lnTo>
-                  <a:lnTo>
-                    <a:pt x="2241" y="2704"/>
-                  </a:lnTo>
-                  <a:lnTo>
-                    <a:pt x="1949" y="2729"/>
-                  </a:lnTo>
-                  <a:lnTo>
-                    <a:pt x="1633" y="2777"/>
-                  </a:lnTo>
-                  <a:lnTo>
-                    <a:pt x="1316" y="2850"/>
-                  </a:lnTo>
-                  <a:lnTo>
-                    <a:pt x="999" y="2972"/>
-                  </a:lnTo>
-                  <a:lnTo>
-                    <a:pt x="707" y="3094"/>
-                  </a:lnTo>
-                  <a:lnTo>
-                    <a:pt x="415" y="3289"/>
-                  </a:lnTo>
-                  <a:lnTo>
-                    <a:pt x="147" y="3508"/>
-                  </a:lnTo>
-                  <a:lnTo>
-                    <a:pt x="147" y="3508"/>
-                  </a:lnTo>
-                  <a:lnTo>
-                    <a:pt x="74" y="3581"/>
-                  </a:lnTo>
-                  <a:lnTo>
-                    <a:pt x="25" y="3678"/>
-                  </a:lnTo>
-                  <a:lnTo>
-                    <a:pt x="1" y="3776"/>
-                  </a:lnTo>
-                  <a:lnTo>
-                    <a:pt x="1" y="3898"/>
-                  </a:lnTo>
-                  <a:lnTo>
-                    <a:pt x="1" y="3898"/>
-                  </a:lnTo>
-                  <a:lnTo>
-                    <a:pt x="1" y="3995"/>
-                  </a:lnTo>
-                  <a:lnTo>
-                    <a:pt x="25" y="4093"/>
-                  </a:lnTo>
-                  <a:lnTo>
-                    <a:pt x="74" y="4190"/>
-                  </a:lnTo>
-                  <a:lnTo>
-                    <a:pt x="147" y="4287"/>
-                  </a:lnTo>
-                  <a:lnTo>
-                    <a:pt x="7843" y="11984"/>
-                  </a:lnTo>
-                  <a:lnTo>
-                    <a:pt x="7843" y="11984"/>
-                  </a:lnTo>
-                  <a:lnTo>
-                    <a:pt x="7941" y="12057"/>
-                  </a:lnTo>
-                  <a:lnTo>
-                    <a:pt x="8038" y="12105"/>
-                  </a:lnTo>
-                  <a:lnTo>
-                    <a:pt x="8135" y="12130"/>
-                  </a:lnTo>
-                  <a:lnTo>
-                    <a:pt x="8233" y="12130"/>
-                  </a:lnTo>
-                  <a:lnTo>
-                    <a:pt x="8233" y="12130"/>
-                  </a:lnTo>
-                  <a:lnTo>
-                    <a:pt x="8355" y="12130"/>
-                  </a:lnTo>
-                  <a:lnTo>
-                    <a:pt x="8452" y="12105"/>
-                  </a:lnTo>
-                  <a:lnTo>
-                    <a:pt x="8549" y="12057"/>
-                  </a:lnTo>
-                  <a:lnTo>
-                    <a:pt x="8622" y="11984"/>
-                  </a:lnTo>
-                  <a:lnTo>
-                    <a:pt x="8622" y="11984"/>
-                  </a:lnTo>
-                  <a:lnTo>
-                    <a:pt x="8842" y="11716"/>
-                  </a:lnTo>
-                  <a:lnTo>
-                    <a:pt x="9036" y="11423"/>
-                  </a:lnTo>
-                  <a:lnTo>
-                    <a:pt x="9158" y="11131"/>
-                  </a:lnTo>
-                  <a:lnTo>
-                    <a:pt x="9280" y="10814"/>
-                  </a:lnTo>
-                  <a:lnTo>
-                    <a:pt x="9353" y="10498"/>
-                  </a:lnTo>
-                  <a:lnTo>
-                    <a:pt x="9402" y="10181"/>
-                  </a:lnTo>
-                  <a:lnTo>
-                    <a:pt x="9426" y="9889"/>
-                  </a:lnTo>
-                  <a:lnTo>
-                    <a:pt x="9426" y="9597"/>
-                  </a:lnTo>
-                  <a:lnTo>
-                    <a:pt x="9426" y="9597"/>
-                  </a:lnTo>
-                  <a:lnTo>
-                    <a:pt x="9426" y="9280"/>
-                  </a:lnTo>
-                  <a:lnTo>
-                    <a:pt x="9402" y="8964"/>
-                  </a:lnTo>
-                  <a:lnTo>
-                    <a:pt x="9353" y="8647"/>
-                  </a:lnTo>
-                  <a:lnTo>
-                    <a:pt x="9280" y="8330"/>
-                  </a:lnTo>
-                  <a:lnTo>
-                    <a:pt x="9231" y="8038"/>
-                  </a:lnTo>
-                  <a:lnTo>
-                    <a:pt x="9134" y="7746"/>
-                  </a:lnTo>
-                  <a:lnTo>
-                    <a:pt x="9036" y="7502"/>
-                  </a:lnTo>
-                  <a:lnTo>
-                    <a:pt x="8939" y="7259"/>
-                  </a:lnTo>
-                  <a:lnTo>
-                    <a:pt x="12130" y="4093"/>
-                  </a:lnTo>
-                </a:path>
-              </a:pathLst>
-            </a:custGeom>
-            <a:noFill/>
-            <a:ln w="9525" cap="rnd" cmpd="sng">
-              <a:solidFill>
-                <a:srgbClr val="000000"/>
-              </a:solidFill>
-              <a:prstDash val="solid"/>
-              <a:round/>
-              <a:headEnd type="none" w="med" len="med"/>
-              <a:tailEnd type="none" w="med" len="med"/>
-            </a:ln>
-          </p:spPr>
-          <p:txBody>
-            <a:bodyPr lIns="91425" tIns="91425" rIns="91425" bIns="91425" anchor="ctr" anchorCtr="0">
-              <a:noAutofit/>
-            </a:bodyPr>
-            <a:lstStyle/>
-            <a:p>
-              <a:pPr lvl="0">
-                <a:spcBef>
-                  <a:spcPts val="0"/>
-                </a:spcBef>
-                <a:buNone/>
-              </a:pPr>
-              <a:endParaRPr/>
-            </a:p>
-          </p:txBody>
-        </p:sp>
-        <p:sp>
-          <p:nvSpPr>
-            <p:cNvPr id="13" name="Shape 148"/>
-            <p:cNvSpPr/>
-            <p:nvPr/>
-          </p:nvSpPr>
-          <p:spPr>
-            <a:xfrm>
-              <a:off x="2814911" y="1754061"/>
-              <a:ext cx="49950" cy="49950"/>
-            </a:xfrm>
-            <a:custGeom>
-              <a:avLst/>
-              <a:gdLst/>
-              <a:ahLst/>
-              <a:cxnLst/>
-              <a:rect l="0" t="0" r="0" b="0"/>
-              <a:pathLst>
-                <a:path w="1998" h="1998" fill="none" extrusionOk="0">
-                  <a:moveTo>
-                    <a:pt x="1" y="1997"/>
-                  </a:moveTo>
-                  <a:lnTo>
-                    <a:pt x="1998" y="0"/>
-                  </a:lnTo>
-                </a:path>
-              </a:pathLst>
-            </a:custGeom>
-            <a:noFill/>
-            <a:ln w="9525" cap="rnd" cmpd="sng">
-              <a:solidFill>
-                <a:srgbClr val="000000"/>
-              </a:solidFill>
-              <a:prstDash val="solid"/>
-              <a:round/>
-              <a:headEnd type="none" w="med" len="med"/>
-              <a:tailEnd type="none" w="med" len="med"/>
-            </a:ln>
-          </p:spPr>
-          <p:txBody>
-            <a:bodyPr lIns="91425" tIns="91425" rIns="91425" bIns="91425" anchor="ctr" anchorCtr="0">
-              <a:noAutofit/>
-            </a:bodyPr>
-            <a:lstStyle/>
-            <a:p>
-              <a:pPr lvl="0">
-                <a:spcBef>
-                  <a:spcPts val="0"/>
-                </a:spcBef>
-                <a:buNone/>
-              </a:pPr>
-              <a:endParaRPr/>
-            </a:p>
-          </p:txBody>
-        </p:sp>
-      </p:grpSp>
-      <p:sp>
-        <p:nvSpPr>
-          <p:cNvPr id="15" name="Shape 141"/>
-          <p:cNvSpPr txBox="1">
-            <a:spLocks noGrp="1"/>
-          </p:cNvSpPr>
-          <p:nvPr>
-            <p:ph type="body" idx="1"/>
-          </p:nvPr>
-        </p:nvSpPr>
-        <p:spPr>
-          <a:xfrm>
-            <a:off x="899592" y="1347614"/>
-            <a:ext cx="7416824" cy="504056"/>
-          </a:xfrm>
-          <a:prstGeom prst="rect">
-            <a:avLst/>
-          </a:prstGeom>
-        </p:spPr>
-        <p:txBody>
-          <a:bodyPr lIns="91425" tIns="91425" rIns="91425" bIns="91425" anchor="t" anchorCtr="0">
-            <a:noAutofit/>
-          </a:bodyPr>
-          <a:lstStyle/>
-          <a:p>
-            <a:pPr lvl="0" algn="ctr">
-              <a:buNone/>
-            </a:pPr>
-            <a:r>
-              <a:rPr lang="fr-CH" dirty="0" smtClean="0">
-                <a:latin typeface="Arial"/>
-              </a:rPr>
-              <a:t>Méthode</a:t>
-            </a:r>
-            <a:r>
-              <a:rPr lang="en" dirty="0" smtClean="0">
-                <a:latin typeface="Arial"/>
-              </a:rPr>
-              <a:t> “CryptageTravail()</a:t>
-            </a:r>
-            <a:r>
-              <a:rPr lang="en" dirty="0" smtClean="0">
-                <a:latin typeface="Arial"/>
-                <a:ea typeface="NSimSun" panose="02010609030101010101" pitchFamily="49" charset="-122"/>
-              </a:rPr>
-              <a:t>”</a:t>
-            </a:r>
-            <a:endParaRPr lang="en" dirty="0">
-              <a:latin typeface="Arial"/>
-              <a:ea typeface="NSimSun" panose="02010609030101010101" pitchFamily="49" charset="-122"/>
-            </a:endParaRPr>
-          </a:p>
-          <a:p>
-            <a:pPr lvl="0" algn="ctr">
-              <a:buNone/>
-            </a:pPr>
-            <a:r>
-              <a:rPr lang="fr-CH" dirty="0" smtClean="0">
-                <a:latin typeface="Arial"/>
-              </a:rPr>
-              <a:t> </a:t>
-            </a:r>
-            <a:endParaRPr lang="en" dirty="0" smtClean="0">
-              <a:latin typeface="Arial"/>
-              <a:ea typeface="NSimSun" panose="02010609030101010101" pitchFamily="49" charset="-122"/>
-            </a:endParaRPr>
-          </a:p>
-        </p:txBody>
-      </p:sp>
-      <p:pic>
-        <p:nvPicPr>
-          <p:cNvPr id="3075" name="Picture 3" descr="E:\Downloads\ShemaCryptageEmbrouille.png"/>
-          <p:cNvPicPr>
-            <a:picLocks noChangeAspect="1" noChangeArrowheads="1"/>
-          </p:cNvPicPr>
-          <p:nvPr/>
-        </p:nvPicPr>
-        <p:blipFill>
-          <a:blip r:embed="rId2">
-            <a:extLst>
-              <a:ext uri="{28A0092B-C50C-407E-A947-70E740481C1C}">
-                <a14:useLocalDpi xmlns:a14="http://schemas.microsoft.com/office/drawing/2010/main" val="0"/>
-              </a:ext>
-            </a:extLst>
-          </a:blip>
-          <a:srcRect/>
-          <a:stretch>
-            <a:fillRect/>
-          </a:stretch>
-        </p:blipFill>
-        <p:spPr bwMode="auto">
-          <a:xfrm>
-            <a:off x="889989" y="1635646"/>
-            <a:ext cx="7153275" cy="2914650"/>
-          </a:xfrm>
-          <a:prstGeom prst="rect">
-            <a:avLst/>
-          </a:prstGeom>
-          <a:noFill/>
-          <a:extLst>
-            <a:ext uri="{909E8E84-426E-40DD-AFC4-6F175D3DCCD1}">
-              <a14:hiddenFill xmlns:a14="http://schemas.microsoft.com/office/drawing/2010/main">
-                <a:solidFill>
-                  <a:srgbClr val="FFFFFF"/>
-                </a:solidFill>
-              </a14:hiddenFill>
-            </a:ext>
-          </a:extLst>
-        </p:spPr>
-      </p:pic>
-      <p:sp>
-        <p:nvSpPr>
-          <p:cNvPr id="14" name="Shape 142"/>
-          <p:cNvSpPr txBox="1">
-            <a:spLocks noGrp="1"/>
-          </p:cNvSpPr>
-          <p:nvPr>
-            <p:ph type="title"/>
-          </p:nvPr>
-        </p:nvSpPr>
-        <p:spPr>
-          <a:xfrm>
-            <a:off x="1381249" y="922668"/>
-            <a:ext cx="6782815" cy="435599"/>
-          </a:xfrm>
-          <a:prstGeom prst="rect">
-            <a:avLst/>
-          </a:prstGeom>
-        </p:spPr>
-        <p:txBody>
-          <a:bodyPr lIns="91425" tIns="91425" rIns="91425" bIns="91425" anchor="ctr" anchorCtr="0">
-            <a:noAutofit/>
-          </a:bodyPr>
-          <a:lstStyle/>
-          <a:p>
-            <a:pPr lvl="0"/>
-            <a:r>
-              <a:rPr lang="en" dirty="0" smtClean="0"/>
-              <a:t>Analyse organique </a:t>
-            </a:r>
-            <a:r>
-              <a:rPr lang="fr-CH" dirty="0" smtClean="0"/>
-              <a:t>– </a:t>
-            </a:r>
-            <a:r>
-              <a:rPr lang="en" dirty="0" smtClean="0">
-                <a:highlight>
-                  <a:srgbClr val="FFCD00"/>
-                </a:highlight>
-              </a:rPr>
-              <a:t>Création d’un clé de validation</a:t>
-            </a:r>
-            <a:endParaRPr lang="en" dirty="0"/>
-          </a:p>
-        </p:txBody>
-      </p:sp>
-    </p:spTree>
-    <p:extLst>
-      <p:ext uri="{BB962C8B-B14F-4D97-AF65-F5344CB8AC3E}">
-        <p14:creationId xmlns:p14="http://schemas.microsoft.com/office/powerpoint/2010/main" val="3532440939"/>
       </p:ext>
     </p:extLst>
   </p:cSld>
@@ -26233,6 +26199,912 @@
           </a:p>
         </p:txBody>
       </p:sp>
+      <p:pic>
+        <p:nvPicPr>
+          <p:cNvPr id="3075" name="Picture 3" descr="E:\Downloads\ShemaCryptageEmbrouille.png"/>
+          <p:cNvPicPr>
+            <a:picLocks noChangeAspect="1" noChangeArrowheads="1"/>
+          </p:cNvPicPr>
+          <p:nvPr/>
+        </p:nvPicPr>
+        <p:blipFill>
+          <a:blip r:embed="rId2">
+            <a:extLst>
+              <a:ext uri="{28A0092B-C50C-407E-A947-70E740481C1C}">
+                <a14:useLocalDpi xmlns:a14="http://schemas.microsoft.com/office/drawing/2010/main" val="0"/>
+              </a:ext>
+            </a:extLst>
+          </a:blip>
+          <a:srcRect/>
+          <a:stretch>
+            <a:fillRect/>
+          </a:stretch>
+        </p:blipFill>
+        <p:spPr bwMode="auto">
+          <a:xfrm>
+            <a:off x="900851" y="1633023"/>
+            <a:ext cx="7153275" cy="2914650"/>
+          </a:xfrm>
+          <a:prstGeom prst="rect">
+            <a:avLst/>
+          </a:prstGeom>
+          <a:noFill/>
+          <a:extLst>
+            <a:ext uri="{909E8E84-426E-40DD-AFC4-6F175D3DCCD1}">
+              <a14:hiddenFill xmlns:a14="http://schemas.microsoft.com/office/drawing/2010/main">
+                <a:solidFill>
+                  <a:srgbClr val="FFFFFF"/>
+                </a:solidFill>
+              </a14:hiddenFill>
+            </a:ext>
+          </a:extLst>
+        </p:spPr>
+      </p:pic>
+      <p:sp>
+        <p:nvSpPr>
+          <p:cNvPr id="14" name="Shape 142"/>
+          <p:cNvSpPr txBox="1">
+            <a:spLocks noGrp="1"/>
+          </p:cNvSpPr>
+          <p:nvPr>
+            <p:ph type="title"/>
+          </p:nvPr>
+        </p:nvSpPr>
+        <p:spPr>
+          <a:xfrm>
+            <a:off x="1381249" y="922668"/>
+            <a:ext cx="6782815" cy="435599"/>
+          </a:xfrm>
+          <a:prstGeom prst="rect">
+            <a:avLst/>
+          </a:prstGeom>
+        </p:spPr>
+        <p:txBody>
+          <a:bodyPr lIns="91425" tIns="91425" rIns="91425" bIns="91425" anchor="ctr" anchorCtr="0">
+            <a:noAutofit/>
+          </a:bodyPr>
+          <a:lstStyle/>
+          <a:p>
+            <a:pPr lvl="0"/>
+            <a:r>
+              <a:rPr lang="en" dirty="0" smtClean="0"/>
+              <a:t>Analyse organique </a:t>
+            </a:r>
+            <a:r>
+              <a:rPr lang="fr-CH" dirty="0" smtClean="0"/>
+              <a:t>– </a:t>
+            </a:r>
+            <a:r>
+              <a:rPr lang="en" dirty="0" smtClean="0">
+                <a:highlight>
+                  <a:srgbClr val="FFCD00"/>
+                </a:highlight>
+              </a:rPr>
+              <a:t>Création d’un clé de validation</a:t>
+            </a:r>
+            <a:endParaRPr lang="en" dirty="0"/>
+          </a:p>
+        </p:txBody>
+      </p:sp>
+      <p:sp>
+        <p:nvSpPr>
+          <p:cNvPr id="2" name="Rectangle 1"/>
+          <p:cNvSpPr/>
+          <p:nvPr/>
+        </p:nvSpPr>
+        <p:spPr>
+          <a:xfrm>
+            <a:off x="5724128" y="4011910"/>
+            <a:ext cx="1944216" cy="360040"/>
+          </a:xfrm>
+          <a:prstGeom prst="rect">
+            <a:avLst/>
+          </a:prstGeom>
+          <a:noFill/>
+          <a:ln>
+            <a:solidFill>
+              <a:srgbClr val="FF0000"/>
+            </a:solidFill>
+          </a:ln>
+        </p:spPr>
+        <p:style>
+          <a:lnRef idx="2">
+            <a:schemeClr val="accent6"/>
+          </a:lnRef>
+          <a:fillRef idx="1">
+            <a:schemeClr val="lt1"/>
+          </a:fillRef>
+          <a:effectRef idx="0">
+            <a:schemeClr val="accent6"/>
+          </a:effectRef>
+          <a:fontRef idx="minor">
+            <a:schemeClr val="dk1"/>
+          </a:fontRef>
+        </p:style>
+        <p:txBody>
+          <a:bodyPr rtlCol="0" anchor="ctr"/>
+          <a:lstStyle/>
+          <a:p>
+            <a:pPr algn="ctr"/>
+            <a:endParaRPr lang="fr-CH"/>
+          </a:p>
+        </p:txBody>
+      </p:sp>
+    </p:spTree>
+    <p:extLst>
+      <p:ext uri="{BB962C8B-B14F-4D97-AF65-F5344CB8AC3E}">
+        <p14:creationId xmlns:p14="http://schemas.microsoft.com/office/powerpoint/2010/main" val="3532440939"/>
+      </p:ext>
+    </p:extLst>
+  </p:cSld>
+  <p:clrMapOvr>
+    <a:masterClrMapping/>
+  </p:clrMapOvr>
+  <mc:AlternateContent xmlns:mc="http://schemas.openxmlformats.org/markup-compatibility/2006" xmlns:p14="http://schemas.microsoft.com/office/powerpoint/2010/main">
+    <mc:Choice Requires="p14">
+      <p:transition p14:dur="100">
+        <p:cut/>
+      </p:transition>
+    </mc:Choice>
+    <mc:Fallback xmlns="">
+      <p:transition>
+        <p:cut/>
+      </p:transition>
+    </mc:Fallback>
+  </mc:AlternateContent>
+  <p:timing>
+    <p:tnLst>
+      <p:par>
+        <p:cTn id="1" dur="indefinite" restart="never" nodeType="tmRoot">
+          <p:childTnLst>
+            <p:seq concurrent="1" nextAc="seek">
+              <p:cTn id="2" dur="indefinite" nodeType="mainSeq">
+                <p:childTnLst>
+                  <p:par>
+                    <p:cTn id="3" fill="hold">
+                      <p:stCondLst>
+                        <p:cond delay="indefinite"/>
+                      </p:stCondLst>
+                      <p:childTnLst>
+                        <p:par>
+                          <p:cTn id="4" fill="hold">
+                            <p:stCondLst>
+                              <p:cond delay="0"/>
+                            </p:stCondLst>
+                            <p:childTnLst>
+                              <p:par>
+                                <p:cTn id="5" presetID="1" presetClass="entr" presetSubtype="0" fill="hold" grpId="0" nodeType="clickEffect">
+                                  <p:stCondLst>
+                                    <p:cond delay="0"/>
+                                  </p:stCondLst>
+                                  <p:childTnLst>
+                                    <p:set>
+                                      <p:cBhvr>
+                                        <p:cTn id="6" dur="1" fill="hold">
+                                          <p:stCondLst>
+                                            <p:cond delay="0"/>
+                                          </p:stCondLst>
+                                        </p:cTn>
+                                        <p:tgtEl>
+                                          <p:spTgt spid="2"/>
+                                        </p:tgtEl>
+                                        <p:attrNameLst>
+                                          <p:attrName>style.visibility</p:attrName>
+                                        </p:attrNameLst>
+                                      </p:cBhvr>
+                                      <p:to>
+                                        <p:strVal val="visible"/>
+                                      </p:to>
+                                    </p:set>
+                                  </p:childTnLst>
+                                </p:cTn>
+                              </p:par>
+                            </p:childTnLst>
+                          </p:cTn>
+                        </p:par>
+                      </p:childTnLst>
+                    </p:cTn>
+                  </p:par>
+                </p:childTnLst>
+              </p:cTn>
+              <p:prevCondLst>
+                <p:cond evt="onPrev" delay="0">
+                  <p:tgtEl>
+                    <p:sldTgt/>
+                  </p:tgtEl>
+                </p:cond>
+              </p:prevCondLst>
+              <p:nextCondLst>
+                <p:cond evt="onNext" delay="0">
+                  <p:tgtEl>
+                    <p:sldTgt/>
+                  </p:tgtEl>
+                </p:cond>
+              </p:nextCondLst>
+            </p:seq>
+          </p:childTnLst>
+        </p:cTn>
+      </p:par>
+    </p:tnLst>
+    <p:bldLst>
+      <p:bldP spid="2" grpId="0" animBg="1"/>
+    </p:bldLst>
+  </p:timing>
+</p:sld>
+</file>
+
+<file path=ppt/slides/slide31.xml><?xml version="1.0" encoding="utf-8"?>
+<p:sld xmlns:a="http://schemas.openxmlformats.org/drawingml/2006/main" xmlns:r="http://schemas.openxmlformats.org/officeDocument/2006/relationships" xmlns:p="http://schemas.openxmlformats.org/presentationml/2006/main">
+  <p:cSld>
+    <p:spTree>
+      <p:nvGrpSpPr>
+        <p:cNvPr id="1" name=""/>
+        <p:cNvGrpSpPr/>
+        <p:nvPr/>
+      </p:nvGrpSpPr>
+      <p:grpSpPr>
+        <a:xfrm>
+          <a:off x="0" y="0"/>
+          <a:ext cx="0" cy="0"/>
+          <a:chOff x="0" y="0"/>
+          <a:chExt cx="0" cy="0"/>
+        </a:xfrm>
+      </p:grpSpPr>
+      <p:sp>
+        <p:nvSpPr>
+          <p:cNvPr id="5" name="Espace réservé du numéro de diapositive 4"/>
+          <p:cNvSpPr>
+            <a:spLocks noGrp="1"/>
+          </p:cNvSpPr>
+          <p:nvPr>
+            <p:ph type="sldNum" sz="quarter" idx="4"/>
+          </p:nvPr>
+        </p:nvSpPr>
+        <p:spPr>
+          <a:xfrm>
+            <a:off x="6553200" y="4767263"/>
+            <a:ext cx="2133600" cy="274637"/>
+          </a:xfrm>
+        </p:spPr>
+        <p:txBody>
+          <a:bodyPr/>
+          <a:lstStyle/>
+          <a:p>
+            <a:fld id="{817DB918-FF6D-402D-9E84-43B786396EA2}" type="slidenum">
+              <a:rPr lang="fr-CH" smtClean="0"/>
+              <a:t>31</a:t>
+            </a:fld>
+            <a:endParaRPr lang="fr-CH" dirty="0"/>
+          </a:p>
+        </p:txBody>
+      </p:sp>
+      <p:grpSp>
+        <p:nvGrpSpPr>
+          <p:cNvPr id="9" name="Shape 144"/>
+          <p:cNvGrpSpPr/>
+          <p:nvPr/>
+        </p:nvGrpSpPr>
+        <p:grpSpPr>
+          <a:xfrm>
+            <a:off x="916458" y="1019750"/>
+            <a:ext cx="214624" cy="214624"/>
+            <a:chOff x="2594050" y="1631825"/>
+            <a:chExt cx="439625" cy="439625"/>
+          </a:xfrm>
+        </p:grpSpPr>
+        <p:sp>
+          <p:nvSpPr>
+            <p:cNvPr id="10" name="Shape 145"/>
+            <p:cNvSpPr/>
+            <p:nvPr/>
+          </p:nvSpPr>
+          <p:spPr>
+            <a:xfrm>
+              <a:off x="2594050" y="1883300"/>
+              <a:ext cx="188175" cy="188150"/>
+            </a:xfrm>
+            <a:custGeom>
+              <a:avLst/>
+              <a:gdLst/>
+              <a:ahLst/>
+              <a:cxnLst/>
+              <a:rect l="0" t="0" r="0" b="0"/>
+              <a:pathLst>
+                <a:path w="7527" h="7526" fill="none" extrusionOk="0">
+                  <a:moveTo>
+                    <a:pt x="5992" y="0"/>
+                  </a:moveTo>
+                  <a:lnTo>
+                    <a:pt x="537" y="6430"/>
+                  </a:lnTo>
+                  <a:lnTo>
+                    <a:pt x="1" y="7526"/>
+                  </a:lnTo>
+                  <a:lnTo>
+                    <a:pt x="1097" y="6990"/>
+                  </a:lnTo>
+                  <a:lnTo>
+                    <a:pt x="7526" y="1534"/>
+                  </a:lnTo>
+                  <a:lnTo>
+                    <a:pt x="5992" y="0"/>
+                  </a:lnTo>
+                  <a:close/>
+                </a:path>
+              </a:pathLst>
+            </a:custGeom>
+            <a:noFill/>
+            <a:ln w="9525" cap="rnd" cmpd="sng">
+              <a:solidFill>
+                <a:srgbClr val="000000"/>
+              </a:solidFill>
+              <a:prstDash val="solid"/>
+              <a:round/>
+              <a:headEnd type="none" w="med" len="med"/>
+              <a:tailEnd type="none" w="med" len="med"/>
+            </a:ln>
+          </p:spPr>
+          <p:txBody>
+            <a:bodyPr lIns="91425" tIns="91425" rIns="91425" bIns="91425" anchor="ctr" anchorCtr="0">
+              <a:noAutofit/>
+            </a:bodyPr>
+            <a:lstStyle/>
+            <a:p>
+              <a:pPr lvl="0">
+                <a:spcBef>
+                  <a:spcPts val="0"/>
+                </a:spcBef>
+                <a:buNone/>
+              </a:pPr>
+              <a:endParaRPr/>
+            </a:p>
+          </p:txBody>
+        </p:sp>
+        <p:sp>
+          <p:nvSpPr>
+            <p:cNvPr id="11" name="Shape 146"/>
+            <p:cNvSpPr/>
+            <p:nvPr/>
+          </p:nvSpPr>
+          <p:spPr>
+            <a:xfrm>
+              <a:off x="2857700" y="1631825"/>
+              <a:ext cx="175975" cy="176000"/>
+            </a:xfrm>
+            <a:custGeom>
+              <a:avLst/>
+              <a:gdLst/>
+              <a:ahLst/>
+              <a:cxnLst/>
+              <a:rect l="0" t="0" r="0" b="0"/>
+              <a:pathLst>
+                <a:path w="7039" h="7040" fill="none" extrusionOk="0">
+                  <a:moveTo>
+                    <a:pt x="268" y="2704"/>
+                  </a:moveTo>
+                  <a:lnTo>
+                    <a:pt x="4336" y="6771"/>
+                  </a:lnTo>
+                  <a:lnTo>
+                    <a:pt x="4336" y="6771"/>
+                  </a:lnTo>
+                  <a:lnTo>
+                    <a:pt x="4336" y="6771"/>
+                  </a:lnTo>
+                  <a:lnTo>
+                    <a:pt x="4652" y="6917"/>
+                  </a:lnTo>
+                  <a:lnTo>
+                    <a:pt x="4993" y="7015"/>
+                  </a:lnTo>
+                  <a:lnTo>
+                    <a:pt x="5310" y="7039"/>
+                  </a:lnTo>
+                  <a:lnTo>
+                    <a:pt x="5651" y="7039"/>
+                  </a:lnTo>
+                  <a:lnTo>
+                    <a:pt x="5992" y="6966"/>
+                  </a:lnTo>
+                  <a:lnTo>
+                    <a:pt x="6308" y="6844"/>
+                  </a:lnTo>
+                  <a:lnTo>
+                    <a:pt x="6454" y="6747"/>
+                  </a:lnTo>
+                  <a:lnTo>
+                    <a:pt x="6601" y="6674"/>
+                  </a:lnTo>
+                  <a:lnTo>
+                    <a:pt x="6747" y="6552"/>
+                  </a:lnTo>
+                  <a:lnTo>
+                    <a:pt x="6893" y="6430"/>
+                  </a:lnTo>
+                  <a:lnTo>
+                    <a:pt x="6893" y="6430"/>
+                  </a:lnTo>
+                  <a:lnTo>
+                    <a:pt x="6942" y="6357"/>
+                  </a:lnTo>
+                  <a:lnTo>
+                    <a:pt x="7015" y="6260"/>
+                  </a:lnTo>
+                  <a:lnTo>
+                    <a:pt x="7039" y="6138"/>
+                  </a:lnTo>
+                  <a:lnTo>
+                    <a:pt x="7039" y="6041"/>
+                  </a:lnTo>
+                  <a:lnTo>
+                    <a:pt x="7039" y="6041"/>
+                  </a:lnTo>
+                  <a:lnTo>
+                    <a:pt x="7039" y="5943"/>
+                  </a:lnTo>
+                  <a:lnTo>
+                    <a:pt x="7015" y="5846"/>
+                  </a:lnTo>
+                  <a:lnTo>
+                    <a:pt x="6942" y="5748"/>
+                  </a:lnTo>
+                  <a:lnTo>
+                    <a:pt x="6893" y="5651"/>
+                  </a:lnTo>
+                  <a:lnTo>
+                    <a:pt x="1389" y="147"/>
+                  </a:lnTo>
+                  <a:lnTo>
+                    <a:pt x="1389" y="147"/>
+                  </a:lnTo>
+                  <a:lnTo>
+                    <a:pt x="1291" y="98"/>
+                  </a:lnTo>
+                  <a:lnTo>
+                    <a:pt x="1194" y="25"/>
+                  </a:lnTo>
+                  <a:lnTo>
+                    <a:pt x="1096" y="0"/>
+                  </a:lnTo>
+                  <a:lnTo>
+                    <a:pt x="999" y="0"/>
+                  </a:lnTo>
+                  <a:lnTo>
+                    <a:pt x="999" y="0"/>
+                  </a:lnTo>
+                  <a:lnTo>
+                    <a:pt x="902" y="0"/>
+                  </a:lnTo>
+                  <a:lnTo>
+                    <a:pt x="780" y="25"/>
+                  </a:lnTo>
+                  <a:lnTo>
+                    <a:pt x="682" y="98"/>
+                  </a:lnTo>
+                  <a:lnTo>
+                    <a:pt x="609" y="147"/>
+                  </a:lnTo>
+                  <a:lnTo>
+                    <a:pt x="609" y="147"/>
+                  </a:lnTo>
+                  <a:lnTo>
+                    <a:pt x="487" y="293"/>
+                  </a:lnTo>
+                  <a:lnTo>
+                    <a:pt x="366" y="439"/>
+                  </a:lnTo>
+                  <a:lnTo>
+                    <a:pt x="293" y="585"/>
+                  </a:lnTo>
+                  <a:lnTo>
+                    <a:pt x="195" y="731"/>
+                  </a:lnTo>
+                  <a:lnTo>
+                    <a:pt x="73" y="1048"/>
+                  </a:lnTo>
+                  <a:lnTo>
+                    <a:pt x="0" y="1389"/>
+                  </a:lnTo>
+                  <a:lnTo>
+                    <a:pt x="0" y="1730"/>
+                  </a:lnTo>
+                  <a:lnTo>
+                    <a:pt x="25" y="2046"/>
+                  </a:lnTo>
+                  <a:lnTo>
+                    <a:pt x="122" y="2387"/>
+                  </a:lnTo>
+                  <a:lnTo>
+                    <a:pt x="268" y="2704"/>
+                  </a:lnTo>
+                  <a:lnTo>
+                    <a:pt x="268" y="2704"/>
+                  </a:lnTo>
+                  <a:close/>
+                </a:path>
+              </a:pathLst>
+            </a:custGeom>
+            <a:noFill/>
+            <a:ln w="9525" cap="rnd" cmpd="sng">
+              <a:solidFill>
+                <a:srgbClr val="000000"/>
+              </a:solidFill>
+              <a:prstDash val="solid"/>
+              <a:round/>
+              <a:headEnd type="none" w="med" len="med"/>
+              <a:tailEnd type="none" w="med" len="med"/>
+            </a:ln>
+          </p:spPr>
+          <p:txBody>
+            <a:bodyPr lIns="91425" tIns="91425" rIns="91425" bIns="91425" anchor="ctr" anchorCtr="0">
+              <a:noAutofit/>
+            </a:bodyPr>
+            <a:lstStyle/>
+            <a:p>
+              <a:pPr lvl="0">
+                <a:spcBef>
+                  <a:spcPts val="0"/>
+                </a:spcBef>
+                <a:buNone/>
+              </a:pPr>
+              <a:endParaRPr/>
+            </a:p>
+          </p:txBody>
+        </p:sp>
+        <p:sp>
+          <p:nvSpPr>
+            <p:cNvPr id="12" name="Shape 147"/>
+            <p:cNvSpPr/>
+            <p:nvPr/>
+          </p:nvSpPr>
+          <p:spPr>
+            <a:xfrm>
+              <a:off x="2662850" y="1699400"/>
+              <a:ext cx="303250" cy="303250"/>
+            </a:xfrm>
+            <a:custGeom>
+              <a:avLst/>
+              <a:gdLst/>
+              <a:ahLst/>
+              <a:cxnLst/>
+              <a:rect l="0" t="0" r="0" b="0"/>
+              <a:pathLst>
+                <a:path w="12130" h="12130" fill="none" extrusionOk="0">
+                  <a:moveTo>
+                    <a:pt x="8038" y="1"/>
+                  </a:moveTo>
+                  <a:lnTo>
+                    <a:pt x="4872" y="3191"/>
+                  </a:lnTo>
+                  <a:lnTo>
+                    <a:pt x="4872" y="3191"/>
+                  </a:lnTo>
+                  <a:lnTo>
+                    <a:pt x="4628" y="3094"/>
+                  </a:lnTo>
+                  <a:lnTo>
+                    <a:pt x="4385" y="2997"/>
+                  </a:lnTo>
+                  <a:lnTo>
+                    <a:pt x="4092" y="2899"/>
+                  </a:lnTo>
+                  <a:lnTo>
+                    <a:pt x="3800" y="2850"/>
+                  </a:lnTo>
+                  <a:lnTo>
+                    <a:pt x="3484" y="2777"/>
+                  </a:lnTo>
+                  <a:lnTo>
+                    <a:pt x="3167" y="2729"/>
+                  </a:lnTo>
+                  <a:lnTo>
+                    <a:pt x="2850" y="2704"/>
+                  </a:lnTo>
+                  <a:lnTo>
+                    <a:pt x="2534" y="2704"/>
+                  </a:lnTo>
+                  <a:lnTo>
+                    <a:pt x="2534" y="2704"/>
+                  </a:lnTo>
+                  <a:lnTo>
+                    <a:pt x="2241" y="2704"/>
+                  </a:lnTo>
+                  <a:lnTo>
+                    <a:pt x="1949" y="2729"/>
+                  </a:lnTo>
+                  <a:lnTo>
+                    <a:pt x="1633" y="2777"/>
+                  </a:lnTo>
+                  <a:lnTo>
+                    <a:pt x="1316" y="2850"/>
+                  </a:lnTo>
+                  <a:lnTo>
+                    <a:pt x="999" y="2972"/>
+                  </a:lnTo>
+                  <a:lnTo>
+                    <a:pt x="707" y="3094"/>
+                  </a:lnTo>
+                  <a:lnTo>
+                    <a:pt x="415" y="3289"/>
+                  </a:lnTo>
+                  <a:lnTo>
+                    <a:pt x="147" y="3508"/>
+                  </a:lnTo>
+                  <a:lnTo>
+                    <a:pt x="147" y="3508"/>
+                  </a:lnTo>
+                  <a:lnTo>
+                    <a:pt x="74" y="3581"/>
+                  </a:lnTo>
+                  <a:lnTo>
+                    <a:pt x="25" y="3678"/>
+                  </a:lnTo>
+                  <a:lnTo>
+                    <a:pt x="1" y="3776"/>
+                  </a:lnTo>
+                  <a:lnTo>
+                    <a:pt x="1" y="3898"/>
+                  </a:lnTo>
+                  <a:lnTo>
+                    <a:pt x="1" y="3898"/>
+                  </a:lnTo>
+                  <a:lnTo>
+                    <a:pt x="1" y="3995"/>
+                  </a:lnTo>
+                  <a:lnTo>
+                    <a:pt x="25" y="4093"/>
+                  </a:lnTo>
+                  <a:lnTo>
+                    <a:pt x="74" y="4190"/>
+                  </a:lnTo>
+                  <a:lnTo>
+                    <a:pt x="147" y="4287"/>
+                  </a:lnTo>
+                  <a:lnTo>
+                    <a:pt x="7843" y="11984"/>
+                  </a:lnTo>
+                  <a:lnTo>
+                    <a:pt x="7843" y="11984"/>
+                  </a:lnTo>
+                  <a:lnTo>
+                    <a:pt x="7941" y="12057"/>
+                  </a:lnTo>
+                  <a:lnTo>
+                    <a:pt x="8038" y="12105"/>
+                  </a:lnTo>
+                  <a:lnTo>
+                    <a:pt x="8135" y="12130"/>
+                  </a:lnTo>
+                  <a:lnTo>
+                    <a:pt x="8233" y="12130"/>
+                  </a:lnTo>
+                  <a:lnTo>
+                    <a:pt x="8233" y="12130"/>
+                  </a:lnTo>
+                  <a:lnTo>
+                    <a:pt x="8355" y="12130"/>
+                  </a:lnTo>
+                  <a:lnTo>
+                    <a:pt x="8452" y="12105"/>
+                  </a:lnTo>
+                  <a:lnTo>
+                    <a:pt x="8549" y="12057"/>
+                  </a:lnTo>
+                  <a:lnTo>
+                    <a:pt x="8622" y="11984"/>
+                  </a:lnTo>
+                  <a:lnTo>
+                    <a:pt x="8622" y="11984"/>
+                  </a:lnTo>
+                  <a:lnTo>
+                    <a:pt x="8842" y="11716"/>
+                  </a:lnTo>
+                  <a:lnTo>
+                    <a:pt x="9036" y="11423"/>
+                  </a:lnTo>
+                  <a:lnTo>
+                    <a:pt x="9158" y="11131"/>
+                  </a:lnTo>
+                  <a:lnTo>
+                    <a:pt x="9280" y="10814"/>
+                  </a:lnTo>
+                  <a:lnTo>
+                    <a:pt x="9353" y="10498"/>
+                  </a:lnTo>
+                  <a:lnTo>
+                    <a:pt x="9402" y="10181"/>
+                  </a:lnTo>
+                  <a:lnTo>
+                    <a:pt x="9426" y="9889"/>
+                  </a:lnTo>
+                  <a:lnTo>
+                    <a:pt x="9426" y="9597"/>
+                  </a:lnTo>
+                  <a:lnTo>
+                    <a:pt x="9426" y="9597"/>
+                  </a:lnTo>
+                  <a:lnTo>
+                    <a:pt x="9426" y="9280"/>
+                  </a:lnTo>
+                  <a:lnTo>
+                    <a:pt x="9402" y="8964"/>
+                  </a:lnTo>
+                  <a:lnTo>
+                    <a:pt x="9353" y="8647"/>
+                  </a:lnTo>
+                  <a:lnTo>
+                    <a:pt x="9280" y="8330"/>
+                  </a:lnTo>
+                  <a:lnTo>
+                    <a:pt x="9231" y="8038"/>
+                  </a:lnTo>
+                  <a:lnTo>
+                    <a:pt x="9134" y="7746"/>
+                  </a:lnTo>
+                  <a:lnTo>
+                    <a:pt x="9036" y="7502"/>
+                  </a:lnTo>
+                  <a:lnTo>
+                    <a:pt x="8939" y="7259"/>
+                  </a:lnTo>
+                  <a:lnTo>
+                    <a:pt x="12130" y="4093"/>
+                  </a:lnTo>
+                </a:path>
+              </a:pathLst>
+            </a:custGeom>
+            <a:noFill/>
+            <a:ln w="9525" cap="rnd" cmpd="sng">
+              <a:solidFill>
+                <a:srgbClr val="000000"/>
+              </a:solidFill>
+              <a:prstDash val="solid"/>
+              <a:round/>
+              <a:headEnd type="none" w="med" len="med"/>
+              <a:tailEnd type="none" w="med" len="med"/>
+            </a:ln>
+          </p:spPr>
+          <p:txBody>
+            <a:bodyPr lIns="91425" tIns="91425" rIns="91425" bIns="91425" anchor="ctr" anchorCtr="0">
+              <a:noAutofit/>
+            </a:bodyPr>
+            <a:lstStyle/>
+            <a:p>
+              <a:pPr lvl="0">
+                <a:spcBef>
+                  <a:spcPts val="0"/>
+                </a:spcBef>
+                <a:buNone/>
+              </a:pPr>
+              <a:endParaRPr/>
+            </a:p>
+          </p:txBody>
+        </p:sp>
+        <p:sp>
+          <p:nvSpPr>
+            <p:cNvPr id="13" name="Shape 148"/>
+            <p:cNvSpPr/>
+            <p:nvPr/>
+          </p:nvSpPr>
+          <p:spPr>
+            <a:xfrm>
+              <a:off x="2814911" y="1754061"/>
+              <a:ext cx="49950" cy="49950"/>
+            </a:xfrm>
+            <a:custGeom>
+              <a:avLst/>
+              <a:gdLst/>
+              <a:ahLst/>
+              <a:cxnLst/>
+              <a:rect l="0" t="0" r="0" b="0"/>
+              <a:pathLst>
+                <a:path w="1998" h="1998" fill="none" extrusionOk="0">
+                  <a:moveTo>
+                    <a:pt x="1" y="1997"/>
+                  </a:moveTo>
+                  <a:lnTo>
+                    <a:pt x="1998" y="0"/>
+                  </a:lnTo>
+                </a:path>
+              </a:pathLst>
+            </a:custGeom>
+            <a:noFill/>
+            <a:ln w="9525" cap="rnd" cmpd="sng">
+              <a:solidFill>
+                <a:srgbClr val="000000"/>
+              </a:solidFill>
+              <a:prstDash val="solid"/>
+              <a:round/>
+              <a:headEnd type="none" w="med" len="med"/>
+              <a:tailEnd type="none" w="med" len="med"/>
+            </a:ln>
+          </p:spPr>
+          <p:txBody>
+            <a:bodyPr lIns="91425" tIns="91425" rIns="91425" bIns="91425" anchor="ctr" anchorCtr="0">
+              <a:noAutofit/>
+            </a:bodyPr>
+            <a:lstStyle/>
+            <a:p>
+              <a:pPr lvl="0">
+                <a:spcBef>
+                  <a:spcPts val="0"/>
+                </a:spcBef>
+                <a:buNone/>
+              </a:pPr>
+              <a:endParaRPr/>
+            </a:p>
+          </p:txBody>
+        </p:sp>
+      </p:grpSp>
+      <p:sp>
+        <p:nvSpPr>
+          <p:cNvPr id="15" name="Shape 141"/>
+          <p:cNvSpPr txBox="1">
+            <a:spLocks noGrp="1"/>
+          </p:cNvSpPr>
+          <p:nvPr>
+            <p:ph type="body" idx="1"/>
+          </p:nvPr>
+        </p:nvSpPr>
+        <p:spPr>
+          <a:xfrm>
+            <a:off x="899592" y="1347614"/>
+            <a:ext cx="7416824" cy="504056"/>
+          </a:xfrm>
+          <a:prstGeom prst="rect">
+            <a:avLst/>
+          </a:prstGeom>
+        </p:spPr>
+        <p:txBody>
+          <a:bodyPr lIns="91425" tIns="91425" rIns="91425" bIns="91425" anchor="t" anchorCtr="0">
+            <a:noAutofit/>
+          </a:bodyPr>
+          <a:lstStyle/>
+          <a:p>
+            <a:pPr lvl="0" algn="ctr">
+              <a:buNone/>
+            </a:pPr>
+            <a:r>
+              <a:rPr lang="fr-CH" dirty="0" smtClean="0">
+                <a:latin typeface="Arial"/>
+              </a:rPr>
+              <a:t>Méthode</a:t>
+            </a:r>
+            <a:r>
+              <a:rPr lang="en" dirty="0" smtClean="0">
+                <a:latin typeface="Arial"/>
+              </a:rPr>
+              <a:t> “CryptageTravail()</a:t>
+            </a:r>
+            <a:r>
+              <a:rPr lang="en" dirty="0" smtClean="0">
+                <a:latin typeface="Arial"/>
+                <a:ea typeface="NSimSun" panose="02010609030101010101" pitchFamily="49" charset="-122"/>
+              </a:rPr>
+              <a:t>”</a:t>
+            </a:r>
+            <a:endParaRPr lang="en" dirty="0">
+              <a:latin typeface="Arial"/>
+              <a:ea typeface="NSimSun" panose="02010609030101010101" pitchFamily="49" charset="-122"/>
+            </a:endParaRPr>
+          </a:p>
+          <a:p>
+            <a:pPr lvl="0" algn="ctr">
+              <a:buNone/>
+            </a:pPr>
+            <a:r>
+              <a:rPr lang="fr-CH" dirty="0" smtClean="0">
+                <a:latin typeface="Arial"/>
+              </a:rPr>
+              <a:t> </a:t>
+            </a:r>
+            <a:endParaRPr lang="en" dirty="0" smtClean="0">
+              <a:latin typeface="Arial"/>
+              <a:ea typeface="NSimSun" panose="02010609030101010101" pitchFamily="49" charset="-122"/>
+            </a:endParaRPr>
+          </a:p>
+        </p:txBody>
+      </p:sp>
       <p:sp>
         <p:nvSpPr>
           <p:cNvPr id="17" name="Shape 142"/>
@@ -26587,7 +27459,7 @@
 </p:sld>
 </file>
 
-<file path=ppt/slides/slide31.xml><?xml version="1.0" encoding="utf-8"?>
+<file path=ppt/slides/slide32.xml><?xml version="1.0" encoding="utf-8"?>
 <p:sld xmlns:a="http://schemas.openxmlformats.org/drawingml/2006/main" xmlns:r="http://schemas.openxmlformats.org/officeDocument/2006/relationships" xmlns:p="http://schemas.openxmlformats.org/presentationml/2006/main">
   <p:cSld>
     <p:spTree>
@@ -26626,7 +27498,7 @@
           <a:p>
             <a:fld id="{817DB918-FF6D-402D-9E84-43B786396EA2}" type="slidenum">
               <a:rPr lang="fr-CH" smtClean="0"/>
-              <a:t>31</a:t>
+              <a:t>32</a:t>
             </a:fld>
             <a:endParaRPr lang="fr-CH" dirty="0"/>
           </a:p>
@@ -27392,6 +28264,52 @@
           </a:p>
         </p:txBody>
       </p:sp>
+      <p:sp>
+        <p:nvSpPr>
+          <p:cNvPr id="14" name="Flowchart: Process 2"/>
+          <p:cNvSpPr/>
+          <p:nvPr/>
+        </p:nvSpPr>
+        <p:spPr>
+          <a:xfrm>
+            <a:off x="1576492" y="3867894"/>
+            <a:ext cx="1838564" cy="432048"/>
+          </a:xfrm>
+          <a:prstGeom prst="flowChartProcess">
+            <a:avLst/>
+          </a:prstGeom>
+          <a:noFill/>
+          <a:ln>
+            <a:solidFill>
+              <a:srgbClr val="FF0000"/>
+            </a:solidFill>
+          </a:ln>
+        </p:spPr>
+        <p:style>
+          <a:lnRef idx="2">
+            <a:schemeClr val="accent1">
+              <a:shade val="50000"/>
+            </a:schemeClr>
+          </a:lnRef>
+          <a:fillRef idx="1">
+            <a:schemeClr val="accent1"/>
+          </a:fillRef>
+          <a:effectRef idx="0">
+            <a:schemeClr val="accent1"/>
+          </a:effectRef>
+          <a:fontRef idx="minor">
+            <a:schemeClr val="lt1"/>
+          </a:fontRef>
+        </p:style>
+        <p:txBody>
+          <a:bodyPr rtlCol="0" anchor="ctr"/>
+          <a:lstStyle/>
+          <a:p>
+            <a:pPr algn="ctr"/>
+            <a:endParaRPr lang="fr-CH"/>
+          </a:p>
+        </p:txBody>
+      </p:sp>
     </p:spTree>
     <p:extLst>
       <p:ext uri="{BB962C8B-B14F-4D97-AF65-F5344CB8AC3E}">
@@ -27417,14 +28335,113 @@
   <p:timing>
     <p:tnLst>
       <p:par>
-        <p:cTn id="1" dur="indefinite" restart="never" nodeType="tmRoot"/>
+        <p:cTn id="1" dur="indefinite" restart="never" nodeType="tmRoot">
+          <p:childTnLst>
+            <p:seq concurrent="1" nextAc="seek">
+              <p:cTn id="2" dur="indefinite" nodeType="mainSeq">
+                <p:childTnLst>
+                  <p:par>
+                    <p:cTn id="3" fill="hold">
+                      <p:stCondLst>
+                        <p:cond delay="indefinite"/>
+                      </p:stCondLst>
+                      <p:childTnLst>
+                        <p:par>
+                          <p:cTn id="4" fill="hold">
+                            <p:stCondLst>
+                              <p:cond delay="0"/>
+                            </p:stCondLst>
+                            <p:childTnLst>
+                              <p:par>
+                                <p:cTn id="5" presetID="1" presetClass="entr" presetSubtype="0" fill="hold" grpId="0" nodeType="clickEffect">
+                                  <p:stCondLst>
+                                    <p:cond delay="0"/>
+                                  </p:stCondLst>
+                                  <p:childTnLst>
+                                    <p:set>
+                                      <p:cBhvr>
+                                        <p:cTn id="6" dur="1" fill="hold">
+                                          <p:stCondLst>
+                                            <p:cond delay="0"/>
+                                          </p:stCondLst>
+                                        </p:cTn>
+                                        <p:tgtEl>
+                                          <p:spTgt spid="14"/>
+                                        </p:tgtEl>
+                                        <p:attrNameLst>
+                                          <p:attrName>style.visibility</p:attrName>
+                                        </p:attrNameLst>
+                                      </p:cBhvr>
+                                      <p:to>
+                                        <p:strVal val="visible"/>
+                                      </p:to>
+                                    </p:set>
+                                  </p:childTnLst>
+                                </p:cTn>
+                              </p:par>
+                              <p:par>
+                                <p:cTn id="7" presetID="1" presetClass="entr" presetSubtype="0" fill="hold" grpId="0" nodeType="withEffect">
+                                  <p:stCondLst>
+                                    <p:cond delay="0"/>
+                                  </p:stCondLst>
+                                  <p:childTnLst>
+                                    <p:set>
+                                      <p:cBhvr>
+                                        <p:cTn id="8" dur="1" fill="hold">
+                                          <p:stCondLst>
+                                            <p:cond delay="0"/>
+                                          </p:stCondLst>
+                                        </p:cTn>
+                                        <p:tgtEl>
+                                          <p:spTgt spid="3"/>
+                                        </p:tgtEl>
+                                        <p:attrNameLst>
+                                          <p:attrName>style.visibility</p:attrName>
+                                        </p:attrNameLst>
+                                      </p:cBhvr>
+                                      <p:to>
+                                        <p:strVal val="visible"/>
+                                      </p:to>
+                                    </p:set>
+                                  </p:childTnLst>
+                                </p:cTn>
+                              </p:par>
+                            </p:childTnLst>
+                          </p:cTn>
+                        </p:par>
+                      </p:childTnLst>
+                    </p:cTn>
+                  </p:par>
+                </p:childTnLst>
+              </p:cTn>
+              <p:prevCondLst>
+                <p:cond evt="onPrev" delay="0">
+                  <p:tgtEl>
+                    <p:sldTgt/>
+                  </p:tgtEl>
+                </p:cond>
+              </p:prevCondLst>
+              <p:nextCondLst>
+                <p:cond evt="onNext" delay="0">
+                  <p:tgtEl>
+                    <p:sldTgt/>
+                  </p:tgtEl>
+                </p:cond>
+              </p:nextCondLst>
+            </p:seq>
+          </p:childTnLst>
+        </p:cTn>
       </p:par>
     </p:tnLst>
+    <p:bldLst>
+      <p:bldP spid="3" grpId="0" animBg="1"/>
+      <p:bldP spid="14" grpId="0" animBg="1"/>
+    </p:bldLst>
   </p:timing>
 </p:sld>
 </file>
 
-<file path=ppt/slides/slide32.xml><?xml version="1.0" encoding="utf-8"?>
+<file path=ppt/slides/slide33.xml><?xml version="1.0" encoding="utf-8"?>
 <p:sld xmlns:a="http://schemas.openxmlformats.org/drawingml/2006/main" xmlns:r="http://schemas.openxmlformats.org/officeDocument/2006/relationships" xmlns:p="http://schemas.openxmlformats.org/presentationml/2006/main">
   <p:cSld>
     <p:spTree>
@@ -27463,7 +28480,7 @@
           <a:p>
             <a:fld id="{817DB918-FF6D-402D-9E84-43B786396EA2}" type="slidenum">
               <a:rPr lang="fr-CH" smtClean="0"/>
-              <a:t>32</a:t>
+              <a:t>33</a:t>
             </a:fld>
             <a:endParaRPr lang="fr-CH" dirty="0"/>
           </a:p>
@@ -29526,7 +30543,7 @@
 </p:sld>
 </file>
 
-<file path=ppt/slides/slide33.xml><?xml version="1.0" encoding="utf-8"?>
+<file path=ppt/slides/slide34.xml><?xml version="1.0" encoding="utf-8"?>
 <p:sld xmlns:a="http://schemas.openxmlformats.org/drawingml/2006/main" xmlns:r="http://schemas.openxmlformats.org/officeDocument/2006/relationships" xmlns:p="http://schemas.openxmlformats.org/presentationml/2006/main">
   <p:cSld>
     <p:spTree>
@@ -29565,7 +30582,7 @@
           <a:p>
             <a:fld id="{817DB918-FF6D-402D-9E84-43B786396EA2}" type="slidenum">
               <a:rPr lang="fr-CH" smtClean="0"/>
-              <a:t>33</a:t>
+              <a:t>34</a:t>
             </a:fld>
             <a:endParaRPr lang="fr-CH" dirty="0"/>
           </a:p>
@@ -30558,7 +31575,7 @@
 </p:sld>
 </file>
 
-<file path=ppt/slides/slide34.xml><?xml version="1.0" encoding="utf-8"?>
+<file path=ppt/slides/slide35.xml><?xml version="1.0" encoding="utf-8"?>
 <p:sld xmlns:a="http://schemas.openxmlformats.org/drawingml/2006/main" xmlns:r="http://schemas.openxmlformats.org/officeDocument/2006/relationships" xmlns:p="http://schemas.openxmlformats.org/presentationml/2006/main">
   <p:cSld>
     <p:spTree>
@@ -30597,7 +31614,7 @@
           <a:p>
             <a:fld id="{817DB918-FF6D-402D-9E84-43B786396EA2}" type="slidenum">
               <a:rPr lang="fr-CH" smtClean="0"/>
-              <a:t>34</a:t>
+              <a:t>35</a:t>
             </a:fld>
             <a:endParaRPr lang="fr-CH" dirty="0"/>
           </a:p>
@@ -31775,7 +32792,7 @@
 </p:sld>
 </file>
 
-<file path=ppt/slides/slide35.xml><?xml version="1.0" encoding="utf-8"?>
+<file path=ppt/slides/slide36.xml><?xml version="1.0" encoding="utf-8"?>
 <p:sld xmlns:a="http://schemas.openxmlformats.org/drawingml/2006/main" xmlns:r="http://schemas.openxmlformats.org/officeDocument/2006/relationships" xmlns:p="http://schemas.openxmlformats.org/presentationml/2006/main">
   <p:cSld>
     <p:spTree>
@@ -31814,7 +32831,7 @@
           <a:p>
             <a:fld id="{817DB918-FF6D-402D-9E84-43B786396EA2}" type="slidenum">
               <a:rPr lang="fr-CH" smtClean="0"/>
-              <a:t>35</a:t>
+              <a:t>36</a:t>
             </a:fld>
             <a:endParaRPr lang="fr-CH" dirty="0"/>
           </a:p>
@@ -32850,7 +33867,7 @@
 </p:sld>
 </file>
 
-<file path=ppt/slides/slide36.xml><?xml version="1.0" encoding="utf-8"?>
+<file path=ppt/slides/slide37.xml><?xml version="1.0" encoding="utf-8"?>
 <p:sld xmlns:a="http://schemas.openxmlformats.org/drawingml/2006/main" xmlns:r="http://schemas.openxmlformats.org/officeDocument/2006/relationships" xmlns:p="http://schemas.openxmlformats.org/presentationml/2006/main">
   <p:cSld>
     <p:spTree>
@@ -32889,7 +33906,7 @@
           <a:p>
             <a:fld id="{817DB918-FF6D-402D-9E84-43B786396EA2}" type="slidenum">
               <a:rPr lang="fr-CH" smtClean="0"/>
-              <a:t>36</a:t>
+              <a:t>37</a:t>
             </a:fld>
             <a:endParaRPr lang="fr-CH" dirty="0"/>
           </a:p>
@@ -33824,7 +34841,7 @@
 </p:sld>
 </file>
 
-<file path=ppt/slides/slide37.xml><?xml version="1.0" encoding="utf-8"?>
+<file path=ppt/slides/slide38.xml><?xml version="1.0" encoding="utf-8"?>
 <p:sld xmlns:a="http://schemas.openxmlformats.org/drawingml/2006/main" xmlns:r="http://schemas.openxmlformats.org/officeDocument/2006/relationships" xmlns:p="http://schemas.openxmlformats.org/presentationml/2006/main">
   <p:cSld>
     <p:spTree>

--- a/Présentation/PresentationTPI.pptx
+++ b/Présentation/PresentationTPI.pptx
@@ -5,10 +5,10 @@
     <p:sldMasterId id="2147483658" r:id="rId1"/>
   </p:sldMasterIdLst>
   <p:notesMasterIdLst>
-    <p:notesMasterId r:id="rId40"/>
+    <p:notesMasterId r:id="rId39"/>
   </p:notesMasterIdLst>
   <p:handoutMasterIdLst>
-    <p:handoutMasterId r:id="rId41"/>
+    <p:handoutMasterId r:id="rId40"/>
   </p:handoutMasterIdLst>
   <p:sldIdLst>
     <p:sldId id="256" r:id="rId2"/>
@@ -18,8 +18,8 @@
     <p:sldId id="328" r:id="rId6"/>
     <p:sldId id="336" r:id="rId7"/>
     <p:sldId id="333" r:id="rId8"/>
-    <p:sldId id="334" r:id="rId9"/>
-    <p:sldId id="335" r:id="rId10"/>
+    <p:sldId id="335" r:id="rId9"/>
+    <p:sldId id="334" r:id="rId10"/>
     <p:sldId id="329" r:id="rId11"/>
     <p:sldId id="337" r:id="rId12"/>
     <p:sldId id="344" r:id="rId13"/>
@@ -37,22 +37,25 @@
     <p:sldId id="354" r:id="rId25"/>
     <p:sldId id="293" r:id="rId26"/>
     <p:sldId id="310" r:id="rId27"/>
-    <p:sldId id="311" r:id="rId28"/>
-    <p:sldId id="331" r:id="rId29"/>
-    <p:sldId id="312" r:id="rId30"/>
-    <p:sldId id="349" r:id="rId31"/>
+    <p:sldId id="355" r:id="rId28"/>
+    <p:sldId id="349" r:id="rId29"/>
+    <p:sldId id="356" r:id="rId30"/>
+    <p:sldId id="357" r:id="rId31"/>
     <p:sldId id="350" r:id="rId32"/>
     <p:sldId id="351" r:id="rId33"/>
-    <p:sldId id="353" r:id="rId34"/>
-    <p:sldId id="352" r:id="rId35"/>
-    <p:sldId id="313" r:id="rId36"/>
-    <p:sldId id="314" r:id="rId37"/>
-    <p:sldId id="315" r:id="rId38"/>
-    <p:sldId id="324" r:id="rId39"/>
+    <p:sldId id="352" r:id="rId34"/>
+    <p:sldId id="313" r:id="rId35"/>
+    <p:sldId id="314" r:id="rId36"/>
+    <p:sldId id="315" r:id="rId37"/>
+    <p:sldId id="324" r:id="rId38"/>
   </p:sldIdLst>
   <p:sldSz cx="9144000" cy="5143500" type="screen16x9"/>
   <p:notesSz cx="6858000" cy="9144000"/>
   <p:embeddedFontLst>
+    <p:embeddedFont>
+      <p:font typeface="NSimSun" panose="02010609030101010101" pitchFamily="49" charset="-122"/>
+      <p:regular r:id="rId41"/>
+    </p:embeddedFont>
     <p:embeddedFont>
       <p:font typeface="Lora" panose="020B0604020202020204" charset="0"/>
       <p:regular r:id="rId42"/>
@@ -66,10 +69,6 @@
       <p:bold r:id="rId47"/>
       <p:italic r:id="rId48"/>
       <p:boldItalic r:id="rId49"/>
-    </p:embeddedFont>
-    <p:embeddedFont>
-      <p:font typeface="NSimSun" panose="02010609030101010101" pitchFamily="49" charset="-122"/>
-      <p:regular r:id="rId50"/>
     </p:embeddedFont>
   </p:embeddedFontLst>
   <p:defaultTextStyle>
@@ -11932,38 +11931,99 @@
           <a:bodyPr/>
           <a:lstStyle/>
           <a:p>
+            <a:pPr>
+              <a:lnSpc>
+                <a:spcPct val="150000"/>
+              </a:lnSpc>
+            </a:pPr>
             <a:r>
               <a:rPr lang="fr-CH" dirty="0" smtClean="0">
                 <a:latin typeface="+mn-lt"/>
               </a:rPr>
-              <a:t> Introduction</a:t>
+              <a:t> </a:t>
             </a:r>
-          </a:p>
-          <a:p>
             <a:r>
               <a:rPr lang="fr-CH" dirty="0" smtClean="0">
                 <a:latin typeface="+mn-lt"/>
               </a:rPr>
-              <a:t> Fonctionnalités</a:t>
+              <a:t>Introduction</a:t>
             </a:r>
+            <a:endParaRPr lang="fr-CH" dirty="0" smtClean="0">
+              <a:latin typeface="+mn-lt"/>
+            </a:endParaRPr>
           </a:p>
           <a:p>
+            <a:pPr>
+              <a:lnSpc>
+                <a:spcPct val="150000"/>
+              </a:lnSpc>
+            </a:pPr>
             <a:r>
               <a:rPr lang="fr-CH" dirty="0" smtClean="0">
                 <a:latin typeface="+mn-lt"/>
               </a:rPr>
-              <a:t> Démonstration</a:t>
+              <a:t> </a:t>
             </a:r>
-          </a:p>
-          <a:p>
             <a:r>
               <a:rPr lang="fr-CH" dirty="0" smtClean="0">
                 <a:latin typeface="+mn-lt"/>
               </a:rPr>
-              <a:t> Analyse organique</a:t>
+              <a:t>Fonctionnalités</a:t>
             </a:r>
+            <a:endParaRPr lang="fr-CH" dirty="0" smtClean="0">
+              <a:latin typeface="+mn-lt"/>
+            </a:endParaRPr>
           </a:p>
           <a:p>
+            <a:pPr>
+              <a:lnSpc>
+                <a:spcPct val="150000"/>
+              </a:lnSpc>
+            </a:pPr>
+            <a:r>
+              <a:rPr lang="fr-CH" dirty="0" smtClean="0">
+                <a:latin typeface="+mn-lt"/>
+              </a:rPr>
+              <a:t> </a:t>
+            </a:r>
+            <a:r>
+              <a:rPr lang="fr-CH" dirty="0" smtClean="0">
+                <a:latin typeface="+mn-lt"/>
+              </a:rPr>
+              <a:t>Démonstration</a:t>
+            </a:r>
+            <a:endParaRPr lang="fr-CH" dirty="0" smtClean="0">
+              <a:latin typeface="+mn-lt"/>
+            </a:endParaRPr>
+          </a:p>
+          <a:p>
+            <a:pPr>
+              <a:lnSpc>
+                <a:spcPct val="150000"/>
+              </a:lnSpc>
+            </a:pPr>
+            <a:r>
+              <a:rPr lang="fr-CH" dirty="0" smtClean="0">
+                <a:latin typeface="+mn-lt"/>
+              </a:rPr>
+              <a:t> Analyse </a:t>
+            </a:r>
+            <a:r>
+              <a:rPr lang="fr-CH" dirty="0" smtClean="0">
+                <a:latin typeface="+mn-lt"/>
+              </a:rPr>
+              <a:t>organique</a:t>
+            </a:r>
+            <a:endParaRPr lang="fr-CH" dirty="0" smtClean="0">
+              <a:latin typeface="+mn-lt"/>
+            </a:endParaRPr>
+          </a:p>
+          <a:p>
+            <a:pPr>
+              <a:lnSpc>
+                <a:spcPct val="150000"/>
+              </a:lnSpc>
+            </a:pPr>
             <a:r>
               <a:rPr lang="fr-CH" dirty="0">
                 <a:latin typeface="+mn-lt"/>
@@ -11976,8 +12036,16 @@
               </a:rPr>
               <a:t>Tests</a:t>
             </a:r>
+            <a:endParaRPr lang="fr-CH" dirty="0" smtClean="0">
+              <a:latin typeface="+mn-lt"/>
+            </a:endParaRPr>
           </a:p>
           <a:p>
+            <a:pPr>
+              <a:lnSpc>
+                <a:spcPct val="150000"/>
+              </a:lnSpc>
+            </a:pPr>
             <a:r>
               <a:rPr lang="fr-CH" dirty="0" smtClean="0">
                 <a:latin typeface="+mn-lt"/>
@@ -18334,25 +18402,25 @@
               <a:buNone/>
             </a:pPr>
             <a:r>
-              <a:rPr lang="fr-CH" dirty="0">
+              <a:rPr lang="fr-CH" sz="1600" dirty="0">
                 <a:latin typeface="+mn-lt"/>
               </a:rPr>
               <a:t>É</a:t>
             </a:r>
             <a:r>
-              <a:rPr lang="en" dirty="0" smtClean="0">
+              <a:rPr lang="en" sz="1600" dirty="0" smtClean="0">
                 <a:latin typeface="+mn-lt"/>
               </a:rPr>
               <a:t>vénement “rbxCopieTexte</a:t>
             </a:r>
             <a:r>
-              <a:rPr lang="en" dirty="0" smtClean="0">
+              <a:rPr lang="en" sz="1600" dirty="0" smtClean="0">
                 <a:latin typeface="+mn-lt"/>
                 <a:ea typeface="NSimSun" panose="02010609030101010101" pitchFamily="49" charset="-122"/>
               </a:rPr>
               <a:t>_KeyPress”</a:t>
             </a:r>
-            <a:endParaRPr lang="en" dirty="0" smtClean="0">
+            <a:endParaRPr lang="en" sz="1600" dirty="0" smtClean="0">
               <a:latin typeface="+mn-lt"/>
             </a:endParaRPr>
           </a:p>
@@ -18962,20 +19030,58 @@
           </p:txBody>
         </p:sp>
       </p:grpSp>
+      <p:cxnSp>
+        <p:nvCxnSpPr>
+          <p:cNvPr id="85" name="Connecteur droit avec flèche 84"/>
+          <p:cNvCxnSpPr>
+            <a:endCxn id="4" idx="1"/>
+          </p:cNvCxnSpPr>
+          <p:nvPr/>
+        </p:nvCxnSpPr>
+        <p:spPr>
+          <a:xfrm>
+            <a:off x="1253283" y="3639447"/>
+            <a:ext cx="497540" cy="0"/>
+          </a:xfrm>
+          <a:prstGeom prst="straightConnector1">
+            <a:avLst/>
+          </a:prstGeom>
+          <a:ln>
+            <a:tailEnd type="arrow"/>
+          </a:ln>
+        </p:spPr>
+        <p:style>
+          <a:lnRef idx="1">
+            <a:schemeClr val="dk1"/>
+          </a:lnRef>
+          <a:fillRef idx="0">
+            <a:schemeClr val="dk1"/>
+          </a:fillRef>
+          <a:effectRef idx="0">
+            <a:schemeClr val="dk1"/>
+          </a:effectRef>
+          <a:fontRef idx="minor">
+            <a:schemeClr val="tx1"/>
+          </a:fontRef>
+        </p:style>
+      </p:cxnSp>
       <p:sp>
         <p:nvSpPr>
-          <p:cNvPr id="3" name="Flowchart: Process 2"/>
+          <p:cNvPr id="4" name="Flowchart: Decision 3"/>
           <p:cNvSpPr/>
           <p:nvPr/>
         </p:nvSpPr>
         <p:spPr>
           <a:xfrm>
-            <a:off x="458335" y="1995686"/>
-            <a:ext cx="1008112" cy="720080"/>
+            <a:off x="1750823" y="3050960"/>
+            <a:ext cx="1639801" cy="1176974"/>
           </a:xfrm>
-          <a:prstGeom prst="flowChartProcess">
+          <a:prstGeom prst="flowChartDecision">
             <a:avLst/>
           </a:prstGeom>
+          <a:solidFill>
+            <a:srgbClr val="FFFF00"/>
+          </a:solidFill>
         </p:spPr>
         <p:style>
           <a:lnRef idx="2">
@@ -18995,29 +19101,119 @@
           <a:bodyPr rtlCol="0" anchor="ctr"/>
           <a:lstStyle/>
           <a:p>
-            <a:pPr algn="ctr"/>
+            <a:pPr lvl="0" algn="ctr"/>
             <a:r>
-              <a:rPr lang="fr-CH" sz="1200" dirty="0" smtClean="0"/>
-              <a:t>Le travail est terminé ?</a:t>
+              <a:rPr lang="en" sz="1200" dirty="0" smtClean="0">
+                <a:ea typeface="Lora"/>
+                <a:cs typeface="Lora"/>
+                <a:sym typeface="Lora"/>
+              </a:rPr>
+              <a:t>Si le travail est terminé</a:t>
             </a:r>
-            <a:endParaRPr lang="fr-CH" sz="1200" dirty="0"/>
+            <a:br>
+              <a:rPr lang="en" sz="1200" dirty="0" smtClean="0">
+                <a:ea typeface="Lora"/>
+                <a:cs typeface="Lora"/>
+                <a:sym typeface="Lora"/>
+              </a:rPr>
+            </a:br>
+            <a:r>
+              <a:rPr lang="en" sz="1200" dirty="0" smtClean="0">
+                <a:ea typeface="Lora"/>
+                <a:cs typeface="Lora"/>
+                <a:sym typeface="Lora"/>
+              </a:rPr>
+              <a:t>?</a:t>
+            </a:r>
+            <a:endParaRPr lang="en" sz="1200" dirty="0">
+              <a:ea typeface="Lora"/>
+              <a:cs typeface="Lora"/>
+              <a:sym typeface="Lora"/>
+            </a:endParaRPr>
           </a:p>
         </p:txBody>
       </p:sp>
       <p:sp>
         <p:nvSpPr>
-          <p:cNvPr id="4" name="Flowchart: Decision 3"/>
+          <p:cNvPr id="52" name="Flowchart: Decision 3"/>
           <p:cNvSpPr/>
           <p:nvPr/>
         </p:nvSpPr>
         <p:spPr>
           <a:xfrm>
-            <a:off x="169819" y="3291830"/>
-            <a:ext cx="1585142" cy="1332042"/>
+            <a:off x="3642413" y="2211710"/>
+            <a:ext cx="1656667" cy="1176976"/>
           </a:xfrm>
           <a:prstGeom prst="flowChartDecision">
             <a:avLst/>
           </a:prstGeom>
+          <a:solidFill>
+            <a:srgbClr val="FFFF00"/>
+          </a:solidFill>
+        </p:spPr>
+        <p:style>
+          <a:lnRef idx="2">
+            <a:schemeClr val="dk1"/>
+          </a:lnRef>
+          <a:fillRef idx="1">
+            <a:schemeClr val="lt1"/>
+          </a:fillRef>
+          <a:effectRef idx="0">
+            <a:schemeClr val="dk1"/>
+          </a:effectRef>
+          <a:fontRef idx="minor">
+            <a:schemeClr val="dk1"/>
+          </a:fontRef>
+        </p:style>
+        <p:txBody>
+          <a:bodyPr rtlCol="0" anchor="ctr"/>
+          <a:lstStyle/>
+          <a:p>
+            <a:pPr lvl="0" algn="ctr"/>
+            <a:r>
+              <a:rPr lang="en" sz="1200" dirty="0" smtClean="0">
+                <a:ea typeface="Lora"/>
+                <a:cs typeface="Lora"/>
+                <a:sym typeface="Lora"/>
+              </a:rPr>
+              <a:t>Si le </a:t>
+            </a:r>
+            <a:r>
+              <a:rPr lang="en" sz="1200" dirty="0">
+                <a:ea typeface="Lora"/>
+                <a:cs typeface="Lora"/>
+                <a:sym typeface="Lora"/>
+              </a:rPr>
+              <a:t>caractère tapé est le bon ?</a:t>
+            </a:r>
+            <a:endParaRPr lang="en" sz="1200" b="1" dirty="0">
+              <a:ea typeface="Lora"/>
+              <a:cs typeface="Lora"/>
+              <a:sym typeface="Lora"/>
+            </a:endParaRPr>
+          </a:p>
+        </p:txBody>
+      </p:sp>
+      <p:sp>
+        <p:nvSpPr>
+          <p:cNvPr id="53" name="Flowchart: Process 2"/>
+          <p:cNvSpPr/>
+          <p:nvPr/>
+        </p:nvSpPr>
+        <p:spPr>
+          <a:xfrm>
+            <a:off x="6388465" y="1707654"/>
+            <a:ext cx="1008112" cy="810345"/>
+          </a:xfrm>
+          <a:prstGeom prst="flowChartProcess">
+            <a:avLst/>
+          </a:prstGeom>
+          <a:solidFill>
+            <a:schemeClr val="bg2">
+              <a:lumMod val="20000"/>
+              <a:lumOff val="80000"/>
+            </a:schemeClr>
+          </a:solidFill>
         </p:spPr>
         <p:style>
           <a:lnRef idx="2">
@@ -19044,663 +19240,72 @@
                 <a:cs typeface="Lora"/>
                 <a:sym typeface="Lora"/>
               </a:rPr>
-              <a:t>Affiche que le travail est terminé</a:t>
+              <a:t>Affiche le code ascii au bout de 3 essais </a:t>
             </a:r>
-          </a:p>
-        </p:txBody>
-      </p:sp>
-      <p:sp>
-        <p:nvSpPr>
-          <p:cNvPr id="42" name="Shape 645"/>
-          <p:cNvSpPr/>
-          <p:nvPr/>
-        </p:nvSpPr>
-        <p:spPr>
-          <a:xfrm>
-            <a:off x="704377" y="2895456"/>
-            <a:ext cx="212081" cy="216683"/>
-          </a:xfrm>
-          <a:custGeom>
-            <a:avLst/>
-            <a:gdLst/>
-            <a:ahLst/>
-            <a:cxnLst/>
-            <a:rect l="0" t="0" r="0" b="0"/>
-            <a:pathLst>
-              <a:path w="16221" h="16222" fill="none" extrusionOk="0">
-                <a:moveTo>
-                  <a:pt x="0" y="8111"/>
-                </a:moveTo>
-                <a:lnTo>
-                  <a:pt x="0" y="8111"/>
-                </a:lnTo>
-                <a:lnTo>
-                  <a:pt x="0" y="7697"/>
-                </a:lnTo>
-                <a:lnTo>
-                  <a:pt x="49" y="7283"/>
-                </a:lnTo>
-                <a:lnTo>
-                  <a:pt x="98" y="6869"/>
-                </a:lnTo>
-                <a:lnTo>
-                  <a:pt x="171" y="6479"/>
-                </a:lnTo>
-                <a:lnTo>
-                  <a:pt x="244" y="6090"/>
-                </a:lnTo>
-                <a:lnTo>
-                  <a:pt x="366" y="5700"/>
-                </a:lnTo>
-                <a:lnTo>
-                  <a:pt x="487" y="5335"/>
-                </a:lnTo>
-                <a:lnTo>
-                  <a:pt x="634" y="4945"/>
-                </a:lnTo>
-                <a:lnTo>
-                  <a:pt x="804" y="4604"/>
-                </a:lnTo>
-                <a:lnTo>
-                  <a:pt x="975" y="4239"/>
-                </a:lnTo>
-                <a:lnTo>
-                  <a:pt x="1169" y="3898"/>
-                </a:lnTo>
-                <a:lnTo>
-                  <a:pt x="1389" y="3581"/>
-                </a:lnTo>
-                <a:lnTo>
-                  <a:pt x="1608" y="3264"/>
-                </a:lnTo>
-                <a:lnTo>
-                  <a:pt x="1851" y="2948"/>
-                </a:lnTo>
-                <a:lnTo>
-                  <a:pt x="2119" y="2656"/>
-                </a:lnTo>
-                <a:lnTo>
-                  <a:pt x="2387" y="2388"/>
-                </a:lnTo>
-                <a:lnTo>
-                  <a:pt x="2655" y="2120"/>
-                </a:lnTo>
-                <a:lnTo>
-                  <a:pt x="2947" y="1852"/>
-                </a:lnTo>
-                <a:lnTo>
-                  <a:pt x="3264" y="1608"/>
-                </a:lnTo>
-                <a:lnTo>
-                  <a:pt x="3581" y="1389"/>
-                </a:lnTo>
-                <a:lnTo>
-                  <a:pt x="3897" y="1170"/>
-                </a:lnTo>
-                <a:lnTo>
-                  <a:pt x="4238" y="975"/>
-                </a:lnTo>
-                <a:lnTo>
-                  <a:pt x="4603" y="805"/>
-                </a:lnTo>
-                <a:lnTo>
-                  <a:pt x="4944" y="634"/>
-                </a:lnTo>
-                <a:lnTo>
-                  <a:pt x="5334" y="488"/>
-                </a:lnTo>
-                <a:lnTo>
-                  <a:pt x="5699" y="366"/>
-                </a:lnTo>
-                <a:lnTo>
-                  <a:pt x="6089" y="244"/>
-                </a:lnTo>
-                <a:lnTo>
-                  <a:pt x="6479" y="171"/>
-                </a:lnTo>
-                <a:lnTo>
-                  <a:pt x="6868" y="98"/>
-                </a:lnTo>
-                <a:lnTo>
-                  <a:pt x="7282" y="50"/>
-                </a:lnTo>
-                <a:lnTo>
-                  <a:pt x="7696" y="1"/>
-                </a:lnTo>
-                <a:lnTo>
-                  <a:pt x="8111" y="1"/>
-                </a:lnTo>
-                <a:lnTo>
-                  <a:pt x="8111" y="1"/>
-                </a:lnTo>
-                <a:lnTo>
-                  <a:pt x="8525" y="1"/>
-                </a:lnTo>
-                <a:lnTo>
-                  <a:pt x="8939" y="50"/>
-                </a:lnTo>
-                <a:lnTo>
-                  <a:pt x="9353" y="98"/>
-                </a:lnTo>
-                <a:lnTo>
-                  <a:pt x="9742" y="171"/>
-                </a:lnTo>
-                <a:lnTo>
-                  <a:pt x="10132" y="244"/>
-                </a:lnTo>
-                <a:lnTo>
-                  <a:pt x="10522" y="366"/>
-                </a:lnTo>
-                <a:lnTo>
-                  <a:pt x="10911" y="488"/>
-                </a:lnTo>
-                <a:lnTo>
-                  <a:pt x="11277" y="634"/>
-                </a:lnTo>
-                <a:lnTo>
-                  <a:pt x="11618" y="805"/>
-                </a:lnTo>
-                <a:lnTo>
-                  <a:pt x="11983" y="975"/>
-                </a:lnTo>
-                <a:lnTo>
-                  <a:pt x="12324" y="1170"/>
-                </a:lnTo>
-                <a:lnTo>
-                  <a:pt x="12641" y="1389"/>
-                </a:lnTo>
-                <a:lnTo>
-                  <a:pt x="12957" y="1608"/>
-                </a:lnTo>
-                <a:lnTo>
-                  <a:pt x="13274" y="1852"/>
-                </a:lnTo>
-                <a:lnTo>
-                  <a:pt x="13566" y="2120"/>
-                </a:lnTo>
-                <a:lnTo>
-                  <a:pt x="13834" y="2388"/>
-                </a:lnTo>
-                <a:lnTo>
-                  <a:pt x="14126" y="2656"/>
-                </a:lnTo>
-                <a:lnTo>
-                  <a:pt x="14370" y="2948"/>
-                </a:lnTo>
-                <a:lnTo>
-                  <a:pt x="14613" y="3264"/>
-                </a:lnTo>
-                <a:lnTo>
-                  <a:pt x="14832" y="3581"/>
-                </a:lnTo>
-                <a:lnTo>
-                  <a:pt x="15052" y="3898"/>
-                </a:lnTo>
-                <a:lnTo>
-                  <a:pt x="15247" y="4239"/>
-                </a:lnTo>
-                <a:lnTo>
-                  <a:pt x="15417" y="4604"/>
-                </a:lnTo>
-                <a:lnTo>
-                  <a:pt x="15587" y="4945"/>
-                </a:lnTo>
-                <a:lnTo>
-                  <a:pt x="15734" y="5335"/>
-                </a:lnTo>
-                <a:lnTo>
-                  <a:pt x="15855" y="5700"/>
-                </a:lnTo>
-                <a:lnTo>
-                  <a:pt x="15977" y="6090"/>
-                </a:lnTo>
-                <a:lnTo>
-                  <a:pt x="16050" y="6479"/>
-                </a:lnTo>
-                <a:lnTo>
-                  <a:pt x="16123" y="6869"/>
-                </a:lnTo>
-                <a:lnTo>
-                  <a:pt x="16172" y="7283"/>
-                </a:lnTo>
-                <a:lnTo>
-                  <a:pt x="16221" y="7697"/>
-                </a:lnTo>
-                <a:lnTo>
-                  <a:pt x="16221" y="8111"/>
-                </a:lnTo>
-                <a:lnTo>
-                  <a:pt x="16221" y="8111"/>
-                </a:lnTo>
-                <a:lnTo>
-                  <a:pt x="16221" y="8525"/>
-                </a:lnTo>
-                <a:lnTo>
-                  <a:pt x="16172" y="8939"/>
-                </a:lnTo>
-                <a:lnTo>
-                  <a:pt x="16123" y="9353"/>
-                </a:lnTo>
-                <a:lnTo>
-                  <a:pt x="16050" y="9743"/>
-                </a:lnTo>
-                <a:lnTo>
-                  <a:pt x="15977" y="10133"/>
-                </a:lnTo>
-                <a:lnTo>
-                  <a:pt x="15855" y="10522"/>
-                </a:lnTo>
-                <a:lnTo>
-                  <a:pt x="15734" y="10888"/>
-                </a:lnTo>
-                <a:lnTo>
-                  <a:pt x="15587" y="11277"/>
-                </a:lnTo>
-                <a:lnTo>
-                  <a:pt x="15417" y="11618"/>
-                </a:lnTo>
-                <a:lnTo>
-                  <a:pt x="15247" y="11984"/>
-                </a:lnTo>
-                <a:lnTo>
-                  <a:pt x="15052" y="12324"/>
-                </a:lnTo>
-                <a:lnTo>
-                  <a:pt x="14832" y="12641"/>
-                </a:lnTo>
-                <a:lnTo>
-                  <a:pt x="14613" y="12958"/>
-                </a:lnTo>
-                <a:lnTo>
-                  <a:pt x="14370" y="13274"/>
-                </a:lnTo>
-                <a:lnTo>
-                  <a:pt x="14126" y="13567"/>
-                </a:lnTo>
-                <a:lnTo>
-                  <a:pt x="13834" y="13835"/>
-                </a:lnTo>
-                <a:lnTo>
-                  <a:pt x="13566" y="14102"/>
-                </a:lnTo>
-                <a:lnTo>
-                  <a:pt x="13274" y="14370"/>
-                </a:lnTo>
-                <a:lnTo>
-                  <a:pt x="12957" y="14614"/>
-                </a:lnTo>
-                <a:lnTo>
-                  <a:pt x="12641" y="14833"/>
-                </a:lnTo>
-                <a:lnTo>
-                  <a:pt x="12324" y="15052"/>
-                </a:lnTo>
-                <a:lnTo>
-                  <a:pt x="11983" y="15247"/>
-                </a:lnTo>
-                <a:lnTo>
-                  <a:pt x="11618" y="15418"/>
-                </a:lnTo>
-                <a:lnTo>
-                  <a:pt x="11277" y="15588"/>
-                </a:lnTo>
-                <a:lnTo>
-                  <a:pt x="10911" y="15734"/>
-                </a:lnTo>
-                <a:lnTo>
-                  <a:pt x="10522" y="15856"/>
-                </a:lnTo>
-                <a:lnTo>
-                  <a:pt x="10132" y="15978"/>
-                </a:lnTo>
-                <a:lnTo>
-                  <a:pt x="9742" y="16051"/>
-                </a:lnTo>
-                <a:lnTo>
-                  <a:pt x="9353" y="16124"/>
-                </a:lnTo>
-                <a:lnTo>
-                  <a:pt x="8939" y="16173"/>
-                </a:lnTo>
-                <a:lnTo>
-                  <a:pt x="8525" y="16221"/>
-                </a:lnTo>
-                <a:lnTo>
-                  <a:pt x="8111" y="16221"/>
-                </a:lnTo>
-                <a:lnTo>
-                  <a:pt x="8111" y="16221"/>
-                </a:lnTo>
-                <a:lnTo>
-                  <a:pt x="7696" y="16221"/>
-                </a:lnTo>
-                <a:lnTo>
-                  <a:pt x="7282" y="16173"/>
-                </a:lnTo>
-                <a:lnTo>
-                  <a:pt x="6868" y="16124"/>
-                </a:lnTo>
-                <a:lnTo>
-                  <a:pt x="6479" y="16051"/>
-                </a:lnTo>
-                <a:lnTo>
-                  <a:pt x="6089" y="15978"/>
-                </a:lnTo>
-                <a:lnTo>
-                  <a:pt x="5699" y="15856"/>
-                </a:lnTo>
-                <a:lnTo>
-                  <a:pt x="5334" y="15734"/>
-                </a:lnTo>
-                <a:lnTo>
-                  <a:pt x="4944" y="15588"/>
-                </a:lnTo>
-                <a:lnTo>
-                  <a:pt x="4603" y="15418"/>
-                </a:lnTo>
-                <a:lnTo>
-                  <a:pt x="4238" y="15247"/>
-                </a:lnTo>
-                <a:lnTo>
-                  <a:pt x="3897" y="15052"/>
-                </a:lnTo>
-                <a:lnTo>
-                  <a:pt x="3581" y="14833"/>
-                </a:lnTo>
-                <a:lnTo>
-                  <a:pt x="3264" y="14614"/>
-                </a:lnTo>
-                <a:lnTo>
-                  <a:pt x="2947" y="14370"/>
-                </a:lnTo>
-                <a:lnTo>
-                  <a:pt x="2655" y="14102"/>
-                </a:lnTo>
-                <a:lnTo>
-                  <a:pt x="2387" y="13835"/>
-                </a:lnTo>
-                <a:lnTo>
-                  <a:pt x="2119" y="13567"/>
-                </a:lnTo>
-                <a:lnTo>
-                  <a:pt x="1851" y="13274"/>
-                </a:lnTo>
-                <a:lnTo>
-                  <a:pt x="1608" y="12958"/>
-                </a:lnTo>
-                <a:lnTo>
-                  <a:pt x="1389" y="12641"/>
-                </a:lnTo>
-                <a:lnTo>
-                  <a:pt x="1169" y="12324"/>
-                </a:lnTo>
-                <a:lnTo>
-                  <a:pt x="975" y="11984"/>
-                </a:lnTo>
-                <a:lnTo>
-                  <a:pt x="804" y="11618"/>
-                </a:lnTo>
-                <a:lnTo>
-                  <a:pt x="634" y="11277"/>
-                </a:lnTo>
-                <a:lnTo>
-                  <a:pt x="487" y="10888"/>
-                </a:lnTo>
-                <a:lnTo>
-                  <a:pt x="366" y="10522"/>
-                </a:lnTo>
-                <a:lnTo>
-                  <a:pt x="244" y="10133"/>
-                </a:lnTo>
-                <a:lnTo>
-                  <a:pt x="171" y="9743"/>
-                </a:lnTo>
-                <a:lnTo>
-                  <a:pt x="98" y="9353"/>
-                </a:lnTo>
-                <a:lnTo>
-                  <a:pt x="49" y="8939"/>
-                </a:lnTo>
-                <a:lnTo>
-                  <a:pt x="0" y="8525"/>
-                </a:lnTo>
-                <a:lnTo>
-                  <a:pt x="0" y="8111"/>
-                </a:lnTo>
-                <a:lnTo>
-                  <a:pt x="0" y="8111"/>
-                </a:lnTo>
-                <a:close/>
-                <a:moveTo>
-                  <a:pt x="7234" y="11180"/>
-                </a:moveTo>
-                <a:lnTo>
-                  <a:pt x="7234" y="11180"/>
-                </a:lnTo>
-                <a:lnTo>
-                  <a:pt x="7282" y="11180"/>
-                </a:lnTo>
-                <a:lnTo>
-                  <a:pt x="7282" y="11180"/>
-                </a:lnTo>
-                <a:lnTo>
-                  <a:pt x="7453" y="11155"/>
-                </a:lnTo>
-                <a:lnTo>
-                  <a:pt x="7623" y="11082"/>
-                </a:lnTo>
-                <a:lnTo>
-                  <a:pt x="7794" y="10985"/>
-                </a:lnTo>
-                <a:lnTo>
-                  <a:pt x="7916" y="10863"/>
-                </a:lnTo>
-                <a:lnTo>
-                  <a:pt x="12007" y="6747"/>
-                </a:lnTo>
-                <a:lnTo>
-                  <a:pt x="12007" y="6747"/>
-                </a:lnTo>
-                <a:lnTo>
-                  <a:pt x="12105" y="6625"/>
-                </a:lnTo>
-                <a:lnTo>
-                  <a:pt x="12153" y="6504"/>
-                </a:lnTo>
-                <a:lnTo>
-                  <a:pt x="12202" y="6358"/>
-                </a:lnTo>
-                <a:lnTo>
-                  <a:pt x="12202" y="6211"/>
-                </a:lnTo>
-                <a:lnTo>
-                  <a:pt x="12202" y="6211"/>
-                </a:lnTo>
-                <a:lnTo>
-                  <a:pt x="12178" y="6017"/>
-                </a:lnTo>
-                <a:lnTo>
-                  <a:pt x="12129" y="5822"/>
-                </a:lnTo>
-                <a:lnTo>
-                  <a:pt x="12032" y="5676"/>
-                </a:lnTo>
-                <a:lnTo>
-                  <a:pt x="11886" y="5529"/>
-                </a:lnTo>
-                <a:lnTo>
-                  <a:pt x="11886" y="5529"/>
-                </a:lnTo>
-                <a:lnTo>
-                  <a:pt x="11764" y="5432"/>
-                </a:lnTo>
-                <a:lnTo>
-                  <a:pt x="11618" y="5383"/>
-                </a:lnTo>
-                <a:lnTo>
-                  <a:pt x="11472" y="5335"/>
-                </a:lnTo>
-                <a:lnTo>
-                  <a:pt x="11325" y="5335"/>
-                </a:lnTo>
-                <a:lnTo>
-                  <a:pt x="11325" y="5335"/>
-                </a:lnTo>
-                <a:lnTo>
-                  <a:pt x="11131" y="5359"/>
-                </a:lnTo>
-                <a:lnTo>
-                  <a:pt x="10960" y="5408"/>
-                </a:lnTo>
-                <a:lnTo>
-                  <a:pt x="10790" y="5505"/>
-                </a:lnTo>
-                <a:lnTo>
-                  <a:pt x="10643" y="5651"/>
-                </a:lnTo>
-                <a:lnTo>
-                  <a:pt x="7161" y="8988"/>
-                </a:lnTo>
-                <a:lnTo>
-                  <a:pt x="5797" y="7648"/>
-                </a:lnTo>
-                <a:lnTo>
-                  <a:pt x="5797" y="7648"/>
-                </a:lnTo>
-                <a:lnTo>
-                  <a:pt x="5675" y="7527"/>
-                </a:lnTo>
-                <a:lnTo>
-                  <a:pt x="5505" y="7454"/>
-                </a:lnTo>
-                <a:lnTo>
-                  <a:pt x="5358" y="7405"/>
-                </a:lnTo>
-                <a:lnTo>
-                  <a:pt x="5188" y="7380"/>
-                </a:lnTo>
-                <a:lnTo>
-                  <a:pt x="5188" y="7380"/>
-                </a:lnTo>
-                <a:lnTo>
-                  <a:pt x="5017" y="7405"/>
-                </a:lnTo>
-                <a:lnTo>
-                  <a:pt x="4847" y="7454"/>
-                </a:lnTo>
-                <a:lnTo>
-                  <a:pt x="4701" y="7527"/>
-                </a:lnTo>
-                <a:lnTo>
-                  <a:pt x="4555" y="7648"/>
-                </a:lnTo>
-                <a:lnTo>
-                  <a:pt x="4555" y="7648"/>
-                </a:lnTo>
-                <a:lnTo>
-                  <a:pt x="4457" y="7770"/>
-                </a:lnTo>
-                <a:lnTo>
-                  <a:pt x="4360" y="7916"/>
-                </a:lnTo>
-                <a:lnTo>
-                  <a:pt x="4311" y="8087"/>
-                </a:lnTo>
-                <a:lnTo>
-                  <a:pt x="4311" y="8257"/>
-                </a:lnTo>
-                <a:lnTo>
-                  <a:pt x="4311" y="8257"/>
-                </a:lnTo>
-                <a:lnTo>
-                  <a:pt x="4311" y="8428"/>
-                </a:lnTo>
-                <a:lnTo>
-                  <a:pt x="4360" y="8598"/>
-                </a:lnTo>
-                <a:lnTo>
-                  <a:pt x="4457" y="8744"/>
-                </a:lnTo>
-                <a:lnTo>
-                  <a:pt x="4555" y="8890"/>
-                </a:lnTo>
-                <a:lnTo>
-                  <a:pt x="6601" y="10936"/>
-                </a:lnTo>
-                <a:lnTo>
-                  <a:pt x="6601" y="10936"/>
-                </a:lnTo>
-                <a:lnTo>
-                  <a:pt x="6747" y="11034"/>
-                </a:lnTo>
-                <a:lnTo>
-                  <a:pt x="6893" y="11131"/>
-                </a:lnTo>
-                <a:lnTo>
-                  <a:pt x="7063" y="11180"/>
-                </a:lnTo>
-                <a:lnTo>
-                  <a:pt x="7234" y="11180"/>
-                </a:lnTo>
-                <a:lnTo>
-                  <a:pt x="7234" y="11180"/>
-                </a:lnTo>
-                <a:close/>
-              </a:path>
-            </a:pathLst>
-          </a:custGeom>
-          <a:ln>
-            <a:headEnd type="none" w="med" len="med"/>
-            <a:tailEnd type="none" w="med" len="med"/>
-          </a:ln>
-        </p:spPr>
-        <p:style>
-          <a:lnRef idx="2">
-            <a:schemeClr val="accent3"/>
-          </a:lnRef>
-          <a:fillRef idx="1">
-            <a:schemeClr val="lt1"/>
-          </a:fillRef>
-          <a:effectRef idx="0">
-            <a:schemeClr val="accent3"/>
-          </a:effectRef>
-          <a:fontRef idx="minor">
-            <a:schemeClr val="dk1"/>
-          </a:fontRef>
-        </p:style>
-        <p:txBody>
-          <a:bodyPr lIns="91425" tIns="91425" rIns="91425" bIns="91425" anchor="ctr" anchorCtr="0">
-            <a:noAutofit/>
-          </a:bodyPr>
-          <a:lstStyle/>
-          <a:p>
-            <a:pPr lvl="0">
-              <a:spcBef>
-                <a:spcPts val="0"/>
-              </a:spcBef>
-              <a:buNone/>
-            </a:pPr>
-            <a:endParaRPr/>
+            <a:endParaRPr lang="en" sz="1200" dirty="0">
+              <a:ea typeface="Lora"/>
+              <a:cs typeface="Lora"/>
+              <a:sym typeface="Lora"/>
+            </a:endParaRPr>
           </a:p>
         </p:txBody>
       </p:sp>
       <p:cxnSp>
         <p:nvCxnSpPr>
-          <p:cNvPr id="9" name="Straight Connector 8"/>
+          <p:cNvPr id="72" name="Connecteur en angle 71"/>
           <p:cNvCxnSpPr>
-            <a:stCxn id="3" idx="2"/>
-            <a:endCxn id="4" idx="0"/>
+            <a:stCxn id="4" idx="2"/>
+            <a:endCxn id="99" idx="1"/>
           </p:cNvCxnSpPr>
           <p:nvPr/>
         </p:nvCxnSpPr>
         <p:spPr>
-          <a:xfrm flipH="1">
-            <a:off x="962390" y="2715766"/>
-            <a:ext cx="1" cy="576064"/>
+          <a:xfrm rot="16200000" flipH="1">
+            <a:off x="4353270" y="2445387"/>
+            <a:ext cx="242900" cy="3807993"/>
           </a:xfrm>
-          <a:prstGeom prst="line">
+          <a:prstGeom prst="bentConnector2">
             <a:avLst/>
           </a:prstGeom>
+          <a:ln>
+            <a:tailEnd type="arrow"/>
+          </a:ln>
+        </p:spPr>
+        <p:style>
+          <a:lnRef idx="1">
+            <a:schemeClr val="dk1"/>
+          </a:lnRef>
+          <a:fillRef idx="0">
+            <a:schemeClr val="dk1"/>
+          </a:fillRef>
+          <a:effectRef idx="0">
+            <a:schemeClr val="dk1"/>
+          </a:effectRef>
+          <a:fontRef idx="minor">
+            <a:schemeClr val="tx1"/>
+          </a:fontRef>
+        </p:style>
+      </p:cxnSp>
+      <p:cxnSp>
+        <p:nvCxnSpPr>
+          <p:cNvPr id="74" name="Connecteur en angle 73"/>
+          <p:cNvCxnSpPr>
+            <a:stCxn id="4" idx="0"/>
+            <a:endCxn id="52" idx="1"/>
+          </p:cNvCxnSpPr>
+          <p:nvPr/>
+        </p:nvCxnSpPr>
+        <p:spPr>
+          <a:xfrm rot="5400000" flipH="1" flipV="1">
+            <a:off x="2981187" y="2389735"/>
+            <a:ext cx="250762" cy="1071689"/>
+          </a:xfrm>
+          <a:prstGeom prst="bentConnector2">
+            <a:avLst/>
+          </a:prstGeom>
+          <a:ln>
+            <a:tailEnd type="arrow"/>
+          </a:ln>
         </p:spPr>
         <p:style>
           <a:lnRef idx="1">
@@ -19719,1328 +19324,24 @@
       </p:cxnSp>
       <p:sp>
         <p:nvSpPr>
-          <p:cNvPr id="44" name="Flowchart: Process 43"/>
+          <p:cNvPr id="98" name="Flowchart: Process 2"/>
           <p:cNvSpPr/>
           <p:nvPr/>
         </p:nvSpPr>
         <p:spPr>
           <a:xfrm>
-            <a:off x="3635896" y="1923678"/>
-            <a:ext cx="1008112" cy="864096"/>
+            <a:off x="6396898" y="3067976"/>
+            <a:ext cx="999679" cy="810345"/>
           </a:xfrm>
           <a:prstGeom prst="flowChartProcess">
             <a:avLst/>
           </a:prstGeom>
-        </p:spPr>
-        <p:style>
-          <a:lnRef idx="2">
-            <a:schemeClr val="dk1"/>
-          </a:lnRef>
-          <a:fillRef idx="1">
-            <a:schemeClr val="lt1"/>
-          </a:fillRef>
-          <a:effectRef idx="0">
-            <a:schemeClr val="dk1"/>
-          </a:effectRef>
-          <a:fontRef idx="minor">
-            <a:schemeClr val="dk1"/>
-          </a:fontRef>
-        </p:style>
-        <p:txBody>
-          <a:bodyPr rtlCol="0" anchor="ctr"/>
-          <a:lstStyle/>
-          <a:p>
-            <a:pPr lvl="0" algn="ctr"/>
-            <a:r>
-              <a:rPr lang="en" sz="1200" dirty="0" smtClean="0">
-                <a:ea typeface="Lora"/>
-                <a:cs typeface="Lora"/>
-                <a:sym typeface="Lora"/>
-              </a:rPr>
-              <a:t>Le caractère tapé est le bon ?</a:t>
-            </a:r>
-            <a:endParaRPr lang="en" sz="1200" b="1" dirty="0">
-              <a:ea typeface="Lora"/>
-              <a:cs typeface="Lora"/>
-              <a:sym typeface="Lora"/>
-            </a:endParaRPr>
-          </a:p>
-        </p:txBody>
-      </p:sp>
-      <p:cxnSp>
-        <p:nvCxnSpPr>
-          <p:cNvPr id="45" name="Straight Connector 44"/>
-          <p:cNvCxnSpPr>
-            <a:stCxn id="3" idx="3"/>
-            <a:endCxn id="44" idx="1"/>
-          </p:cNvCxnSpPr>
-          <p:nvPr/>
-        </p:nvCxnSpPr>
-        <p:spPr>
-          <a:xfrm>
-            <a:off x="1466447" y="2355726"/>
-            <a:ext cx="2169449" cy="0"/>
-          </a:xfrm>
-          <a:prstGeom prst="line">
-            <a:avLst/>
-          </a:prstGeom>
-        </p:spPr>
-        <p:style>
-          <a:lnRef idx="1">
-            <a:schemeClr val="dk1"/>
-          </a:lnRef>
-          <a:fillRef idx="0">
-            <a:schemeClr val="dk1"/>
-          </a:fillRef>
-          <a:effectRef idx="0">
-            <a:schemeClr val="dk1"/>
-          </a:effectRef>
-          <a:fontRef idx="minor">
-            <a:schemeClr val="tx1"/>
-          </a:fontRef>
-        </p:style>
-      </p:cxnSp>
-      <p:sp>
-        <p:nvSpPr>
-          <p:cNvPr id="46" name="Shape 647"/>
-          <p:cNvSpPr/>
-          <p:nvPr/>
-        </p:nvSpPr>
-        <p:spPr>
-          <a:xfrm>
-            <a:off x="2445130" y="2048950"/>
-            <a:ext cx="212081" cy="216024"/>
-          </a:xfrm>
-          <a:custGeom>
-            <a:avLst/>
-            <a:gdLst/>
-            <a:ahLst/>
-            <a:cxnLst/>
-            <a:rect l="0" t="0" r="0" b="0"/>
-            <a:pathLst>
-              <a:path w="16367" h="16368" fill="none" extrusionOk="0">
-                <a:moveTo>
-                  <a:pt x="16074" y="4385"/>
-                </a:moveTo>
-                <a:lnTo>
-                  <a:pt x="11983" y="293"/>
-                </a:lnTo>
-                <a:lnTo>
-                  <a:pt x="11983" y="293"/>
-                </a:lnTo>
-                <a:lnTo>
-                  <a:pt x="11812" y="171"/>
-                </a:lnTo>
-                <a:lnTo>
-                  <a:pt x="11642" y="74"/>
-                </a:lnTo>
-                <a:lnTo>
-                  <a:pt x="11447" y="25"/>
-                </a:lnTo>
-                <a:lnTo>
-                  <a:pt x="11252" y="1"/>
-                </a:lnTo>
-                <a:lnTo>
-                  <a:pt x="5115" y="1"/>
-                </a:lnTo>
-                <a:lnTo>
-                  <a:pt x="5115" y="1"/>
-                </a:lnTo>
-                <a:lnTo>
-                  <a:pt x="4920" y="25"/>
-                </a:lnTo>
-                <a:lnTo>
-                  <a:pt x="4725" y="74"/>
-                </a:lnTo>
-                <a:lnTo>
-                  <a:pt x="4554" y="171"/>
-                </a:lnTo>
-                <a:lnTo>
-                  <a:pt x="4384" y="293"/>
-                </a:lnTo>
-                <a:lnTo>
-                  <a:pt x="292" y="4385"/>
-                </a:lnTo>
-                <a:lnTo>
-                  <a:pt x="292" y="4385"/>
-                </a:lnTo>
-                <a:lnTo>
-                  <a:pt x="171" y="4555"/>
-                </a:lnTo>
-                <a:lnTo>
-                  <a:pt x="73" y="4726"/>
-                </a:lnTo>
-                <a:lnTo>
-                  <a:pt x="24" y="4921"/>
-                </a:lnTo>
-                <a:lnTo>
-                  <a:pt x="0" y="5115"/>
-                </a:lnTo>
-                <a:lnTo>
-                  <a:pt x="0" y="11253"/>
-                </a:lnTo>
-                <a:lnTo>
-                  <a:pt x="0" y="11253"/>
-                </a:lnTo>
-                <a:lnTo>
-                  <a:pt x="24" y="11448"/>
-                </a:lnTo>
-                <a:lnTo>
-                  <a:pt x="73" y="11642"/>
-                </a:lnTo>
-                <a:lnTo>
-                  <a:pt x="171" y="11813"/>
-                </a:lnTo>
-                <a:lnTo>
-                  <a:pt x="292" y="11983"/>
-                </a:lnTo>
-                <a:lnTo>
-                  <a:pt x="4384" y="16075"/>
-                </a:lnTo>
-                <a:lnTo>
-                  <a:pt x="4384" y="16075"/>
-                </a:lnTo>
-                <a:lnTo>
-                  <a:pt x="4554" y="16197"/>
-                </a:lnTo>
-                <a:lnTo>
-                  <a:pt x="4725" y="16294"/>
-                </a:lnTo>
-                <a:lnTo>
-                  <a:pt x="4920" y="16343"/>
-                </a:lnTo>
-                <a:lnTo>
-                  <a:pt x="5115" y="16367"/>
-                </a:lnTo>
-                <a:lnTo>
-                  <a:pt x="11252" y="16367"/>
-                </a:lnTo>
-                <a:lnTo>
-                  <a:pt x="11252" y="16367"/>
-                </a:lnTo>
-                <a:lnTo>
-                  <a:pt x="11447" y="16343"/>
-                </a:lnTo>
-                <a:lnTo>
-                  <a:pt x="11642" y="16294"/>
-                </a:lnTo>
-                <a:lnTo>
-                  <a:pt x="11812" y="16197"/>
-                </a:lnTo>
-                <a:lnTo>
-                  <a:pt x="11983" y="16075"/>
-                </a:lnTo>
-                <a:lnTo>
-                  <a:pt x="16074" y="11983"/>
-                </a:lnTo>
-                <a:lnTo>
-                  <a:pt x="16074" y="11983"/>
-                </a:lnTo>
-                <a:lnTo>
-                  <a:pt x="16196" y="11813"/>
-                </a:lnTo>
-                <a:lnTo>
-                  <a:pt x="16294" y="11642"/>
-                </a:lnTo>
-                <a:lnTo>
-                  <a:pt x="16342" y="11448"/>
-                </a:lnTo>
-                <a:lnTo>
-                  <a:pt x="16367" y="11253"/>
-                </a:lnTo>
-                <a:lnTo>
-                  <a:pt x="16367" y="5115"/>
-                </a:lnTo>
-                <a:lnTo>
-                  <a:pt x="16367" y="5115"/>
-                </a:lnTo>
-                <a:lnTo>
-                  <a:pt x="16342" y="4921"/>
-                </a:lnTo>
-                <a:lnTo>
-                  <a:pt x="16294" y="4726"/>
-                </a:lnTo>
-                <a:lnTo>
-                  <a:pt x="16196" y="4555"/>
-                </a:lnTo>
-                <a:lnTo>
-                  <a:pt x="16074" y="4385"/>
-                </a:lnTo>
-                <a:lnTo>
-                  <a:pt x="16074" y="4385"/>
-                </a:lnTo>
-                <a:close/>
-                <a:moveTo>
-                  <a:pt x="9864" y="8452"/>
-                </a:moveTo>
-                <a:lnTo>
-                  <a:pt x="11203" y="9792"/>
-                </a:lnTo>
-                <a:lnTo>
-                  <a:pt x="11203" y="9792"/>
-                </a:lnTo>
-                <a:lnTo>
-                  <a:pt x="11252" y="9840"/>
-                </a:lnTo>
-                <a:lnTo>
-                  <a:pt x="11276" y="9913"/>
-                </a:lnTo>
-                <a:lnTo>
-                  <a:pt x="11301" y="10059"/>
-                </a:lnTo>
-                <a:lnTo>
-                  <a:pt x="11276" y="10206"/>
-                </a:lnTo>
-                <a:lnTo>
-                  <a:pt x="11252" y="10279"/>
-                </a:lnTo>
-                <a:lnTo>
-                  <a:pt x="11203" y="10327"/>
-                </a:lnTo>
-                <a:lnTo>
-                  <a:pt x="10327" y="11204"/>
-                </a:lnTo>
-                <a:lnTo>
-                  <a:pt x="10327" y="11204"/>
-                </a:lnTo>
-                <a:lnTo>
-                  <a:pt x="10278" y="11253"/>
-                </a:lnTo>
-                <a:lnTo>
-                  <a:pt x="10205" y="11277"/>
-                </a:lnTo>
-                <a:lnTo>
-                  <a:pt x="10059" y="11302"/>
-                </a:lnTo>
-                <a:lnTo>
-                  <a:pt x="9913" y="11277"/>
-                </a:lnTo>
-                <a:lnTo>
-                  <a:pt x="9840" y="11253"/>
-                </a:lnTo>
-                <a:lnTo>
-                  <a:pt x="9791" y="11204"/>
-                </a:lnTo>
-                <a:lnTo>
-                  <a:pt x="8451" y="9865"/>
-                </a:lnTo>
-                <a:lnTo>
-                  <a:pt x="8451" y="9865"/>
-                </a:lnTo>
-                <a:lnTo>
-                  <a:pt x="8403" y="9816"/>
-                </a:lnTo>
-                <a:lnTo>
-                  <a:pt x="8330" y="9792"/>
-                </a:lnTo>
-                <a:lnTo>
-                  <a:pt x="8183" y="9767"/>
-                </a:lnTo>
-                <a:lnTo>
-                  <a:pt x="8037" y="9792"/>
-                </a:lnTo>
-                <a:lnTo>
-                  <a:pt x="7964" y="9816"/>
-                </a:lnTo>
-                <a:lnTo>
-                  <a:pt x="7915" y="9865"/>
-                </a:lnTo>
-                <a:lnTo>
-                  <a:pt x="6576" y="11204"/>
-                </a:lnTo>
-                <a:lnTo>
-                  <a:pt x="6576" y="11204"/>
-                </a:lnTo>
-                <a:lnTo>
-                  <a:pt x="6527" y="11253"/>
-                </a:lnTo>
-                <a:lnTo>
-                  <a:pt x="6454" y="11277"/>
-                </a:lnTo>
-                <a:lnTo>
-                  <a:pt x="6308" y="11302"/>
-                </a:lnTo>
-                <a:lnTo>
-                  <a:pt x="6162" y="11277"/>
-                </a:lnTo>
-                <a:lnTo>
-                  <a:pt x="6089" y="11253"/>
-                </a:lnTo>
-                <a:lnTo>
-                  <a:pt x="6040" y="11204"/>
-                </a:lnTo>
-                <a:lnTo>
-                  <a:pt x="5163" y="10327"/>
-                </a:lnTo>
-                <a:lnTo>
-                  <a:pt x="5163" y="10327"/>
-                </a:lnTo>
-                <a:lnTo>
-                  <a:pt x="5115" y="10279"/>
-                </a:lnTo>
-                <a:lnTo>
-                  <a:pt x="5090" y="10206"/>
-                </a:lnTo>
-                <a:lnTo>
-                  <a:pt x="5066" y="10059"/>
-                </a:lnTo>
-                <a:lnTo>
-                  <a:pt x="5090" y="9913"/>
-                </a:lnTo>
-                <a:lnTo>
-                  <a:pt x="5115" y="9840"/>
-                </a:lnTo>
-                <a:lnTo>
-                  <a:pt x="5163" y="9792"/>
-                </a:lnTo>
-                <a:lnTo>
-                  <a:pt x="6503" y="8452"/>
-                </a:lnTo>
-                <a:lnTo>
-                  <a:pt x="6503" y="8452"/>
-                </a:lnTo>
-                <a:lnTo>
-                  <a:pt x="6552" y="8403"/>
-                </a:lnTo>
-                <a:lnTo>
-                  <a:pt x="6576" y="8330"/>
-                </a:lnTo>
-                <a:lnTo>
-                  <a:pt x="6600" y="8184"/>
-                </a:lnTo>
-                <a:lnTo>
-                  <a:pt x="6576" y="8038"/>
-                </a:lnTo>
-                <a:lnTo>
-                  <a:pt x="6552" y="7965"/>
-                </a:lnTo>
-                <a:lnTo>
-                  <a:pt x="6503" y="7916"/>
-                </a:lnTo>
-                <a:lnTo>
-                  <a:pt x="5163" y="6577"/>
-                </a:lnTo>
-                <a:lnTo>
-                  <a:pt x="5163" y="6577"/>
-                </a:lnTo>
-                <a:lnTo>
-                  <a:pt x="5115" y="6528"/>
-                </a:lnTo>
-                <a:lnTo>
-                  <a:pt x="5090" y="6455"/>
-                </a:lnTo>
-                <a:lnTo>
-                  <a:pt x="5066" y="6309"/>
-                </a:lnTo>
-                <a:lnTo>
-                  <a:pt x="5090" y="6163"/>
-                </a:lnTo>
-                <a:lnTo>
-                  <a:pt x="5115" y="6090"/>
-                </a:lnTo>
-                <a:lnTo>
-                  <a:pt x="5163" y="6041"/>
-                </a:lnTo>
-                <a:lnTo>
-                  <a:pt x="6040" y="5164"/>
-                </a:lnTo>
-                <a:lnTo>
-                  <a:pt x="6040" y="5164"/>
-                </a:lnTo>
-                <a:lnTo>
-                  <a:pt x="6089" y="5115"/>
-                </a:lnTo>
-                <a:lnTo>
-                  <a:pt x="6162" y="5091"/>
-                </a:lnTo>
-                <a:lnTo>
-                  <a:pt x="6308" y="5067"/>
-                </a:lnTo>
-                <a:lnTo>
-                  <a:pt x="6454" y="5091"/>
-                </a:lnTo>
-                <a:lnTo>
-                  <a:pt x="6527" y="5115"/>
-                </a:lnTo>
-                <a:lnTo>
-                  <a:pt x="6576" y="5164"/>
-                </a:lnTo>
-                <a:lnTo>
-                  <a:pt x="7915" y="6504"/>
-                </a:lnTo>
-                <a:lnTo>
-                  <a:pt x="7915" y="6504"/>
-                </a:lnTo>
-                <a:lnTo>
-                  <a:pt x="7964" y="6552"/>
-                </a:lnTo>
-                <a:lnTo>
-                  <a:pt x="8037" y="6577"/>
-                </a:lnTo>
-                <a:lnTo>
-                  <a:pt x="8183" y="6601"/>
-                </a:lnTo>
-                <a:lnTo>
-                  <a:pt x="8330" y="6577"/>
-                </a:lnTo>
-                <a:lnTo>
-                  <a:pt x="8403" y="6552"/>
-                </a:lnTo>
-                <a:lnTo>
-                  <a:pt x="8451" y="6504"/>
-                </a:lnTo>
-                <a:lnTo>
-                  <a:pt x="9791" y="5164"/>
-                </a:lnTo>
-                <a:lnTo>
-                  <a:pt x="9791" y="5164"/>
-                </a:lnTo>
-                <a:lnTo>
-                  <a:pt x="9840" y="5115"/>
-                </a:lnTo>
-                <a:lnTo>
-                  <a:pt x="9913" y="5091"/>
-                </a:lnTo>
-                <a:lnTo>
-                  <a:pt x="10059" y="5067"/>
-                </a:lnTo>
-                <a:lnTo>
-                  <a:pt x="10205" y="5091"/>
-                </a:lnTo>
-                <a:lnTo>
-                  <a:pt x="10278" y="5115"/>
-                </a:lnTo>
-                <a:lnTo>
-                  <a:pt x="10327" y="5164"/>
-                </a:lnTo>
-                <a:lnTo>
-                  <a:pt x="11203" y="6041"/>
-                </a:lnTo>
-                <a:lnTo>
-                  <a:pt x="11203" y="6041"/>
-                </a:lnTo>
-                <a:lnTo>
-                  <a:pt x="11252" y="6090"/>
-                </a:lnTo>
-                <a:lnTo>
-                  <a:pt x="11276" y="6163"/>
-                </a:lnTo>
-                <a:lnTo>
-                  <a:pt x="11301" y="6309"/>
-                </a:lnTo>
-                <a:lnTo>
-                  <a:pt x="11276" y="6455"/>
-                </a:lnTo>
-                <a:lnTo>
-                  <a:pt x="11252" y="6528"/>
-                </a:lnTo>
-                <a:lnTo>
-                  <a:pt x="11203" y="6577"/>
-                </a:lnTo>
-                <a:lnTo>
-                  <a:pt x="9864" y="7916"/>
-                </a:lnTo>
-                <a:lnTo>
-                  <a:pt x="9864" y="7916"/>
-                </a:lnTo>
-                <a:lnTo>
-                  <a:pt x="9815" y="7965"/>
-                </a:lnTo>
-                <a:lnTo>
-                  <a:pt x="9791" y="8038"/>
-                </a:lnTo>
-                <a:lnTo>
-                  <a:pt x="9766" y="8184"/>
-                </a:lnTo>
-                <a:lnTo>
-                  <a:pt x="9791" y="8330"/>
-                </a:lnTo>
-                <a:lnTo>
-                  <a:pt x="9815" y="8403"/>
-                </a:lnTo>
-                <a:lnTo>
-                  <a:pt x="9864" y="8452"/>
-                </a:lnTo>
-                <a:lnTo>
-                  <a:pt x="9864" y="8452"/>
-                </a:lnTo>
-                <a:close/>
-              </a:path>
-            </a:pathLst>
-          </a:custGeom>
           <a:solidFill>
-            <a:schemeClr val="bg1"/>
+            <a:schemeClr val="bg2">
+              <a:lumMod val="20000"/>
+              <a:lumOff val="80000"/>
+            </a:schemeClr>
           </a:solidFill>
-          <a:ln>
-            <a:headEnd type="none" w="med" len="med"/>
-            <a:tailEnd type="none" w="med" len="med"/>
-          </a:ln>
-        </p:spPr>
-        <p:style>
-          <a:lnRef idx="2">
-            <a:schemeClr val="accent6"/>
-          </a:lnRef>
-          <a:fillRef idx="1">
-            <a:schemeClr val="lt1"/>
-          </a:fillRef>
-          <a:effectRef idx="0">
-            <a:schemeClr val="accent6"/>
-          </a:effectRef>
-          <a:fontRef idx="minor">
-            <a:schemeClr val="dk1"/>
-          </a:fontRef>
-        </p:style>
-        <p:txBody>
-          <a:bodyPr lIns="91425" tIns="91425" rIns="91425" bIns="91425" anchor="ctr" anchorCtr="0">
-            <a:noAutofit/>
-          </a:bodyPr>
-          <a:lstStyle/>
-          <a:p>
-            <a:pPr lvl="0">
-              <a:spcBef>
-                <a:spcPts val="0"/>
-              </a:spcBef>
-              <a:buNone/>
-            </a:pPr>
-            <a:endParaRPr/>
-          </a:p>
-        </p:txBody>
-      </p:sp>
-      <p:sp>
-        <p:nvSpPr>
-          <p:cNvPr id="47" name="Flowchart: Decision 46"/>
-          <p:cNvSpPr/>
-          <p:nvPr/>
-        </p:nvSpPr>
-        <p:spPr>
-          <a:xfrm>
-            <a:off x="3347381" y="3291830"/>
-            <a:ext cx="1585142" cy="1332042"/>
-          </a:xfrm>
-          <a:prstGeom prst="flowChartDecision">
-            <a:avLst/>
-          </a:prstGeom>
-        </p:spPr>
-        <p:style>
-          <a:lnRef idx="2">
-            <a:schemeClr val="dk1"/>
-          </a:lnRef>
-          <a:fillRef idx="1">
-            <a:schemeClr val="lt1"/>
-          </a:fillRef>
-          <a:effectRef idx="0">
-            <a:schemeClr val="dk1"/>
-          </a:effectRef>
-          <a:fontRef idx="minor">
-            <a:schemeClr val="dk1"/>
-          </a:fontRef>
-        </p:style>
-        <p:txBody>
-          <a:bodyPr rtlCol="0" anchor="ctr"/>
-          <a:lstStyle/>
-          <a:p>
-            <a:pPr lvl="0" algn="ctr"/>
-            <a:r>
-              <a:rPr lang="en" sz="1200" dirty="0" smtClean="0">
-                <a:ea typeface="Lora"/>
-                <a:cs typeface="Lora"/>
-                <a:sym typeface="Lora"/>
-              </a:rPr>
-              <a:t>Affiche </a:t>
-            </a:r>
-            <a:r>
-              <a:rPr lang="en" sz="1200" dirty="0">
-                <a:ea typeface="Lora"/>
-                <a:cs typeface="Lora"/>
-                <a:sym typeface="Lora"/>
-              </a:rPr>
-              <a:t>le code ascii au bout de 3 essais </a:t>
-            </a:r>
-          </a:p>
-        </p:txBody>
-      </p:sp>
-      <p:cxnSp>
-        <p:nvCxnSpPr>
-          <p:cNvPr id="48" name="Straight Connector 47"/>
-          <p:cNvCxnSpPr>
-            <a:stCxn id="47" idx="0"/>
-            <a:endCxn id="44" idx="2"/>
-          </p:cNvCxnSpPr>
-          <p:nvPr/>
-        </p:nvCxnSpPr>
-        <p:spPr>
-          <a:xfrm flipV="1">
-            <a:off x="4139952" y="2787774"/>
-            <a:ext cx="0" cy="504056"/>
-          </a:xfrm>
-          <a:prstGeom prst="line">
-            <a:avLst/>
-          </a:prstGeom>
-        </p:spPr>
-        <p:style>
-          <a:lnRef idx="1">
-            <a:schemeClr val="dk1"/>
-          </a:lnRef>
-          <a:fillRef idx="0">
-            <a:schemeClr val="dk1"/>
-          </a:fillRef>
-          <a:effectRef idx="0">
-            <a:schemeClr val="dk1"/>
-          </a:effectRef>
-          <a:fontRef idx="minor">
-            <a:schemeClr val="tx1"/>
-          </a:fontRef>
-        </p:style>
-      </p:cxnSp>
-      <p:sp>
-        <p:nvSpPr>
-          <p:cNvPr id="49" name="Shape 645"/>
-          <p:cNvSpPr/>
-          <p:nvPr/>
-        </p:nvSpPr>
-        <p:spPr>
-          <a:xfrm>
-            <a:off x="3846264" y="2931460"/>
-            <a:ext cx="212081" cy="216683"/>
-          </a:xfrm>
-          <a:custGeom>
-            <a:avLst/>
-            <a:gdLst/>
-            <a:ahLst/>
-            <a:cxnLst/>
-            <a:rect l="0" t="0" r="0" b="0"/>
-            <a:pathLst>
-              <a:path w="16221" h="16222" fill="none" extrusionOk="0">
-                <a:moveTo>
-                  <a:pt x="0" y="8111"/>
-                </a:moveTo>
-                <a:lnTo>
-                  <a:pt x="0" y="8111"/>
-                </a:lnTo>
-                <a:lnTo>
-                  <a:pt x="0" y="7697"/>
-                </a:lnTo>
-                <a:lnTo>
-                  <a:pt x="49" y="7283"/>
-                </a:lnTo>
-                <a:lnTo>
-                  <a:pt x="98" y="6869"/>
-                </a:lnTo>
-                <a:lnTo>
-                  <a:pt x="171" y="6479"/>
-                </a:lnTo>
-                <a:lnTo>
-                  <a:pt x="244" y="6090"/>
-                </a:lnTo>
-                <a:lnTo>
-                  <a:pt x="366" y="5700"/>
-                </a:lnTo>
-                <a:lnTo>
-                  <a:pt x="487" y="5335"/>
-                </a:lnTo>
-                <a:lnTo>
-                  <a:pt x="634" y="4945"/>
-                </a:lnTo>
-                <a:lnTo>
-                  <a:pt x="804" y="4604"/>
-                </a:lnTo>
-                <a:lnTo>
-                  <a:pt x="975" y="4239"/>
-                </a:lnTo>
-                <a:lnTo>
-                  <a:pt x="1169" y="3898"/>
-                </a:lnTo>
-                <a:lnTo>
-                  <a:pt x="1389" y="3581"/>
-                </a:lnTo>
-                <a:lnTo>
-                  <a:pt x="1608" y="3264"/>
-                </a:lnTo>
-                <a:lnTo>
-                  <a:pt x="1851" y="2948"/>
-                </a:lnTo>
-                <a:lnTo>
-                  <a:pt x="2119" y="2656"/>
-                </a:lnTo>
-                <a:lnTo>
-                  <a:pt x="2387" y="2388"/>
-                </a:lnTo>
-                <a:lnTo>
-                  <a:pt x="2655" y="2120"/>
-                </a:lnTo>
-                <a:lnTo>
-                  <a:pt x="2947" y="1852"/>
-                </a:lnTo>
-                <a:lnTo>
-                  <a:pt x="3264" y="1608"/>
-                </a:lnTo>
-                <a:lnTo>
-                  <a:pt x="3581" y="1389"/>
-                </a:lnTo>
-                <a:lnTo>
-                  <a:pt x="3897" y="1170"/>
-                </a:lnTo>
-                <a:lnTo>
-                  <a:pt x="4238" y="975"/>
-                </a:lnTo>
-                <a:lnTo>
-                  <a:pt x="4603" y="805"/>
-                </a:lnTo>
-                <a:lnTo>
-                  <a:pt x="4944" y="634"/>
-                </a:lnTo>
-                <a:lnTo>
-                  <a:pt x="5334" y="488"/>
-                </a:lnTo>
-                <a:lnTo>
-                  <a:pt x="5699" y="366"/>
-                </a:lnTo>
-                <a:lnTo>
-                  <a:pt x="6089" y="244"/>
-                </a:lnTo>
-                <a:lnTo>
-                  <a:pt x="6479" y="171"/>
-                </a:lnTo>
-                <a:lnTo>
-                  <a:pt x="6868" y="98"/>
-                </a:lnTo>
-                <a:lnTo>
-                  <a:pt x="7282" y="50"/>
-                </a:lnTo>
-                <a:lnTo>
-                  <a:pt x="7696" y="1"/>
-                </a:lnTo>
-                <a:lnTo>
-                  <a:pt x="8111" y="1"/>
-                </a:lnTo>
-                <a:lnTo>
-                  <a:pt x="8111" y="1"/>
-                </a:lnTo>
-                <a:lnTo>
-                  <a:pt x="8525" y="1"/>
-                </a:lnTo>
-                <a:lnTo>
-                  <a:pt x="8939" y="50"/>
-                </a:lnTo>
-                <a:lnTo>
-                  <a:pt x="9353" y="98"/>
-                </a:lnTo>
-                <a:lnTo>
-                  <a:pt x="9742" y="171"/>
-                </a:lnTo>
-                <a:lnTo>
-                  <a:pt x="10132" y="244"/>
-                </a:lnTo>
-                <a:lnTo>
-                  <a:pt x="10522" y="366"/>
-                </a:lnTo>
-                <a:lnTo>
-                  <a:pt x="10911" y="488"/>
-                </a:lnTo>
-                <a:lnTo>
-                  <a:pt x="11277" y="634"/>
-                </a:lnTo>
-                <a:lnTo>
-                  <a:pt x="11618" y="805"/>
-                </a:lnTo>
-                <a:lnTo>
-                  <a:pt x="11983" y="975"/>
-                </a:lnTo>
-                <a:lnTo>
-                  <a:pt x="12324" y="1170"/>
-                </a:lnTo>
-                <a:lnTo>
-                  <a:pt x="12641" y="1389"/>
-                </a:lnTo>
-                <a:lnTo>
-                  <a:pt x="12957" y="1608"/>
-                </a:lnTo>
-                <a:lnTo>
-                  <a:pt x="13274" y="1852"/>
-                </a:lnTo>
-                <a:lnTo>
-                  <a:pt x="13566" y="2120"/>
-                </a:lnTo>
-                <a:lnTo>
-                  <a:pt x="13834" y="2388"/>
-                </a:lnTo>
-                <a:lnTo>
-                  <a:pt x="14126" y="2656"/>
-                </a:lnTo>
-                <a:lnTo>
-                  <a:pt x="14370" y="2948"/>
-                </a:lnTo>
-                <a:lnTo>
-                  <a:pt x="14613" y="3264"/>
-                </a:lnTo>
-                <a:lnTo>
-                  <a:pt x="14832" y="3581"/>
-                </a:lnTo>
-                <a:lnTo>
-                  <a:pt x="15052" y="3898"/>
-                </a:lnTo>
-                <a:lnTo>
-                  <a:pt x="15247" y="4239"/>
-                </a:lnTo>
-                <a:lnTo>
-                  <a:pt x="15417" y="4604"/>
-                </a:lnTo>
-                <a:lnTo>
-                  <a:pt x="15587" y="4945"/>
-                </a:lnTo>
-                <a:lnTo>
-                  <a:pt x="15734" y="5335"/>
-                </a:lnTo>
-                <a:lnTo>
-                  <a:pt x="15855" y="5700"/>
-                </a:lnTo>
-                <a:lnTo>
-                  <a:pt x="15977" y="6090"/>
-                </a:lnTo>
-                <a:lnTo>
-                  <a:pt x="16050" y="6479"/>
-                </a:lnTo>
-                <a:lnTo>
-                  <a:pt x="16123" y="6869"/>
-                </a:lnTo>
-                <a:lnTo>
-                  <a:pt x="16172" y="7283"/>
-                </a:lnTo>
-                <a:lnTo>
-                  <a:pt x="16221" y="7697"/>
-                </a:lnTo>
-                <a:lnTo>
-                  <a:pt x="16221" y="8111"/>
-                </a:lnTo>
-                <a:lnTo>
-                  <a:pt x="16221" y="8111"/>
-                </a:lnTo>
-                <a:lnTo>
-                  <a:pt x="16221" y="8525"/>
-                </a:lnTo>
-                <a:lnTo>
-                  <a:pt x="16172" y="8939"/>
-                </a:lnTo>
-                <a:lnTo>
-                  <a:pt x="16123" y="9353"/>
-                </a:lnTo>
-                <a:lnTo>
-                  <a:pt x="16050" y="9743"/>
-                </a:lnTo>
-                <a:lnTo>
-                  <a:pt x="15977" y="10133"/>
-                </a:lnTo>
-                <a:lnTo>
-                  <a:pt x="15855" y="10522"/>
-                </a:lnTo>
-                <a:lnTo>
-                  <a:pt x="15734" y="10888"/>
-                </a:lnTo>
-                <a:lnTo>
-                  <a:pt x="15587" y="11277"/>
-                </a:lnTo>
-                <a:lnTo>
-                  <a:pt x="15417" y="11618"/>
-                </a:lnTo>
-                <a:lnTo>
-                  <a:pt x="15247" y="11984"/>
-                </a:lnTo>
-                <a:lnTo>
-                  <a:pt x="15052" y="12324"/>
-                </a:lnTo>
-                <a:lnTo>
-                  <a:pt x="14832" y="12641"/>
-                </a:lnTo>
-                <a:lnTo>
-                  <a:pt x="14613" y="12958"/>
-                </a:lnTo>
-                <a:lnTo>
-                  <a:pt x="14370" y="13274"/>
-                </a:lnTo>
-                <a:lnTo>
-                  <a:pt x="14126" y="13567"/>
-                </a:lnTo>
-                <a:lnTo>
-                  <a:pt x="13834" y="13835"/>
-                </a:lnTo>
-                <a:lnTo>
-                  <a:pt x="13566" y="14102"/>
-                </a:lnTo>
-                <a:lnTo>
-                  <a:pt x="13274" y="14370"/>
-                </a:lnTo>
-                <a:lnTo>
-                  <a:pt x="12957" y="14614"/>
-                </a:lnTo>
-                <a:lnTo>
-                  <a:pt x="12641" y="14833"/>
-                </a:lnTo>
-                <a:lnTo>
-                  <a:pt x="12324" y="15052"/>
-                </a:lnTo>
-                <a:lnTo>
-                  <a:pt x="11983" y="15247"/>
-                </a:lnTo>
-                <a:lnTo>
-                  <a:pt x="11618" y="15418"/>
-                </a:lnTo>
-                <a:lnTo>
-                  <a:pt x="11277" y="15588"/>
-                </a:lnTo>
-                <a:lnTo>
-                  <a:pt x="10911" y="15734"/>
-                </a:lnTo>
-                <a:lnTo>
-                  <a:pt x="10522" y="15856"/>
-                </a:lnTo>
-                <a:lnTo>
-                  <a:pt x="10132" y="15978"/>
-                </a:lnTo>
-                <a:lnTo>
-                  <a:pt x="9742" y="16051"/>
-                </a:lnTo>
-                <a:lnTo>
-                  <a:pt x="9353" y="16124"/>
-                </a:lnTo>
-                <a:lnTo>
-                  <a:pt x="8939" y="16173"/>
-                </a:lnTo>
-                <a:lnTo>
-                  <a:pt x="8525" y="16221"/>
-                </a:lnTo>
-                <a:lnTo>
-                  <a:pt x="8111" y="16221"/>
-                </a:lnTo>
-                <a:lnTo>
-                  <a:pt x="8111" y="16221"/>
-                </a:lnTo>
-                <a:lnTo>
-                  <a:pt x="7696" y="16221"/>
-                </a:lnTo>
-                <a:lnTo>
-                  <a:pt x="7282" y="16173"/>
-                </a:lnTo>
-                <a:lnTo>
-                  <a:pt x="6868" y="16124"/>
-                </a:lnTo>
-                <a:lnTo>
-                  <a:pt x="6479" y="16051"/>
-                </a:lnTo>
-                <a:lnTo>
-                  <a:pt x="6089" y="15978"/>
-                </a:lnTo>
-                <a:lnTo>
-                  <a:pt x="5699" y="15856"/>
-                </a:lnTo>
-                <a:lnTo>
-                  <a:pt x="5334" y="15734"/>
-                </a:lnTo>
-                <a:lnTo>
-                  <a:pt x="4944" y="15588"/>
-                </a:lnTo>
-                <a:lnTo>
-                  <a:pt x="4603" y="15418"/>
-                </a:lnTo>
-                <a:lnTo>
-                  <a:pt x="4238" y="15247"/>
-                </a:lnTo>
-                <a:lnTo>
-                  <a:pt x="3897" y="15052"/>
-                </a:lnTo>
-                <a:lnTo>
-                  <a:pt x="3581" y="14833"/>
-                </a:lnTo>
-                <a:lnTo>
-                  <a:pt x="3264" y="14614"/>
-                </a:lnTo>
-                <a:lnTo>
-                  <a:pt x="2947" y="14370"/>
-                </a:lnTo>
-                <a:lnTo>
-                  <a:pt x="2655" y="14102"/>
-                </a:lnTo>
-                <a:lnTo>
-                  <a:pt x="2387" y="13835"/>
-                </a:lnTo>
-                <a:lnTo>
-                  <a:pt x="2119" y="13567"/>
-                </a:lnTo>
-                <a:lnTo>
-                  <a:pt x="1851" y="13274"/>
-                </a:lnTo>
-                <a:lnTo>
-                  <a:pt x="1608" y="12958"/>
-                </a:lnTo>
-                <a:lnTo>
-                  <a:pt x="1389" y="12641"/>
-                </a:lnTo>
-                <a:lnTo>
-                  <a:pt x="1169" y="12324"/>
-                </a:lnTo>
-                <a:lnTo>
-                  <a:pt x="975" y="11984"/>
-                </a:lnTo>
-                <a:lnTo>
-                  <a:pt x="804" y="11618"/>
-                </a:lnTo>
-                <a:lnTo>
-                  <a:pt x="634" y="11277"/>
-                </a:lnTo>
-                <a:lnTo>
-                  <a:pt x="487" y="10888"/>
-                </a:lnTo>
-                <a:lnTo>
-                  <a:pt x="366" y="10522"/>
-                </a:lnTo>
-                <a:lnTo>
-                  <a:pt x="244" y="10133"/>
-                </a:lnTo>
-                <a:lnTo>
-                  <a:pt x="171" y="9743"/>
-                </a:lnTo>
-                <a:lnTo>
-                  <a:pt x="98" y="9353"/>
-                </a:lnTo>
-                <a:lnTo>
-                  <a:pt x="49" y="8939"/>
-                </a:lnTo>
-                <a:lnTo>
-                  <a:pt x="0" y="8525"/>
-                </a:lnTo>
-                <a:lnTo>
-                  <a:pt x="0" y="8111"/>
-                </a:lnTo>
-                <a:lnTo>
-                  <a:pt x="0" y="8111"/>
-                </a:lnTo>
-                <a:close/>
-                <a:moveTo>
-                  <a:pt x="7234" y="11180"/>
-                </a:moveTo>
-                <a:lnTo>
-                  <a:pt x="7234" y="11180"/>
-                </a:lnTo>
-                <a:lnTo>
-                  <a:pt x="7282" y="11180"/>
-                </a:lnTo>
-                <a:lnTo>
-                  <a:pt x="7282" y="11180"/>
-                </a:lnTo>
-                <a:lnTo>
-                  <a:pt x="7453" y="11155"/>
-                </a:lnTo>
-                <a:lnTo>
-                  <a:pt x="7623" y="11082"/>
-                </a:lnTo>
-                <a:lnTo>
-                  <a:pt x="7794" y="10985"/>
-                </a:lnTo>
-                <a:lnTo>
-                  <a:pt x="7916" y="10863"/>
-                </a:lnTo>
-                <a:lnTo>
-                  <a:pt x="12007" y="6747"/>
-                </a:lnTo>
-                <a:lnTo>
-                  <a:pt x="12007" y="6747"/>
-                </a:lnTo>
-                <a:lnTo>
-                  <a:pt x="12105" y="6625"/>
-                </a:lnTo>
-                <a:lnTo>
-                  <a:pt x="12153" y="6504"/>
-                </a:lnTo>
-                <a:lnTo>
-                  <a:pt x="12202" y="6358"/>
-                </a:lnTo>
-                <a:lnTo>
-                  <a:pt x="12202" y="6211"/>
-                </a:lnTo>
-                <a:lnTo>
-                  <a:pt x="12202" y="6211"/>
-                </a:lnTo>
-                <a:lnTo>
-                  <a:pt x="12178" y="6017"/>
-                </a:lnTo>
-                <a:lnTo>
-                  <a:pt x="12129" y="5822"/>
-                </a:lnTo>
-                <a:lnTo>
-                  <a:pt x="12032" y="5676"/>
-                </a:lnTo>
-                <a:lnTo>
-                  <a:pt x="11886" y="5529"/>
-                </a:lnTo>
-                <a:lnTo>
-                  <a:pt x="11886" y="5529"/>
-                </a:lnTo>
-                <a:lnTo>
-                  <a:pt x="11764" y="5432"/>
-                </a:lnTo>
-                <a:lnTo>
-                  <a:pt x="11618" y="5383"/>
-                </a:lnTo>
-                <a:lnTo>
-                  <a:pt x="11472" y="5335"/>
-                </a:lnTo>
-                <a:lnTo>
-                  <a:pt x="11325" y="5335"/>
-                </a:lnTo>
-                <a:lnTo>
-                  <a:pt x="11325" y="5335"/>
-                </a:lnTo>
-                <a:lnTo>
-                  <a:pt x="11131" y="5359"/>
-                </a:lnTo>
-                <a:lnTo>
-                  <a:pt x="10960" y="5408"/>
-                </a:lnTo>
-                <a:lnTo>
-                  <a:pt x="10790" y="5505"/>
-                </a:lnTo>
-                <a:lnTo>
-                  <a:pt x="10643" y="5651"/>
-                </a:lnTo>
-                <a:lnTo>
-                  <a:pt x="7161" y="8988"/>
-                </a:lnTo>
-                <a:lnTo>
-                  <a:pt x="5797" y="7648"/>
-                </a:lnTo>
-                <a:lnTo>
-                  <a:pt x="5797" y="7648"/>
-                </a:lnTo>
-                <a:lnTo>
-                  <a:pt x="5675" y="7527"/>
-                </a:lnTo>
-                <a:lnTo>
-                  <a:pt x="5505" y="7454"/>
-                </a:lnTo>
-                <a:lnTo>
-                  <a:pt x="5358" y="7405"/>
-                </a:lnTo>
-                <a:lnTo>
-                  <a:pt x="5188" y="7380"/>
-                </a:lnTo>
-                <a:lnTo>
-                  <a:pt x="5188" y="7380"/>
-                </a:lnTo>
-                <a:lnTo>
-                  <a:pt x="5017" y="7405"/>
-                </a:lnTo>
-                <a:lnTo>
-                  <a:pt x="4847" y="7454"/>
-                </a:lnTo>
-                <a:lnTo>
-                  <a:pt x="4701" y="7527"/>
-                </a:lnTo>
-                <a:lnTo>
-                  <a:pt x="4555" y="7648"/>
-                </a:lnTo>
-                <a:lnTo>
-                  <a:pt x="4555" y="7648"/>
-                </a:lnTo>
-                <a:lnTo>
-                  <a:pt x="4457" y="7770"/>
-                </a:lnTo>
-                <a:lnTo>
-                  <a:pt x="4360" y="7916"/>
-                </a:lnTo>
-                <a:lnTo>
-                  <a:pt x="4311" y="8087"/>
-                </a:lnTo>
-                <a:lnTo>
-                  <a:pt x="4311" y="8257"/>
-                </a:lnTo>
-                <a:lnTo>
-                  <a:pt x="4311" y="8257"/>
-                </a:lnTo>
-                <a:lnTo>
-                  <a:pt x="4311" y="8428"/>
-                </a:lnTo>
-                <a:lnTo>
-                  <a:pt x="4360" y="8598"/>
-                </a:lnTo>
-                <a:lnTo>
-                  <a:pt x="4457" y="8744"/>
-                </a:lnTo>
-                <a:lnTo>
-                  <a:pt x="4555" y="8890"/>
-                </a:lnTo>
-                <a:lnTo>
-                  <a:pt x="6601" y="10936"/>
-                </a:lnTo>
-                <a:lnTo>
-                  <a:pt x="6601" y="10936"/>
-                </a:lnTo>
-                <a:lnTo>
-                  <a:pt x="6747" y="11034"/>
-                </a:lnTo>
-                <a:lnTo>
-                  <a:pt x="6893" y="11131"/>
-                </a:lnTo>
-                <a:lnTo>
-                  <a:pt x="7063" y="11180"/>
-                </a:lnTo>
-                <a:lnTo>
-                  <a:pt x="7234" y="11180"/>
-                </a:lnTo>
-                <a:lnTo>
-                  <a:pt x="7234" y="11180"/>
-                </a:lnTo>
-                <a:close/>
-              </a:path>
-            </a:pathLst>
-          </a:custGeom>
-          <a:ln>
-            <a:headEnd type="none" w="med" len="med"/>
-            <a:tailEnd type="none" w="med" len="med"/>
-          </a:ln>
-        </p:spPr>
-        <p:style>
-          <a:lnRef idx="2">
-            <a:schemeClr val="accent3"/>
-          </a:lnRef>
-          <a:fillRef idx="1">
-            <a:schemeClr val="lt1"/>
-          </a:fillRef>
-          <a:effectRef idx="0">
-            <a:schemeClr val="accent3"/>
-          </a:effectRef>
-          <a:fontRef idx="minor">
-            <a:schemeClr val="dk1"/>
-          </a:fontRef>
-        </p:style>
-        <p:txBody>
-          <a:bodyPr lIns="91425" tIns="91425" rIns="91425" bIns="91425" anchor="ctr" anchorCtr="0">
-            <a:noAutofit/>
-          </a:bodyPr>
-          <a:lstStyle/>
-          <a:p>
-            <a:pPr lvl="0">
-              <a:spcBef>
-                <a:spcPts val="0"/>
-              </a:spcBef>
-              <a:buNone/>
-            </a:pPr>
-            <a:endParaRPr/>
-          </a:p>
-        </p:txBody>
-      </p:sp>
-      <p:sp>
-        <p:nvSpPr>
-          <p:cNvPr id="50" name="Flowchart: Decision 49"/>
-          <p:cNvSpPr/>
-          <p:nvPr/>
-        </p:nvSpPr>
-        <p:spPr>
-          <a:xfrm>
-            <a:off x="6948264" y="1797388"/>
-            <a:ext cx="2016224" cy="1098068"/>
-          </a:xfrm>
-          <a:prstGeom prst="flowChartDecision">
-            <a:avLst/>
-          </a:prstGeom>
         </p:spPr>
         <p:style>
           <a:lnRef idx="2">
@@ -21069,26 +19370,118 @@
               </a:rPr>
               <a:t>Avance la progression du travail</a:t>
             </a:r>
+            <a:endParaRPr lang="en" sz="1200" dirty="0">
+              <a:ea typeface="Lora"/>
+              <a:cs typeface="Lora"/>
+              <a:sym typeface="Lora"/>
+            </a:endParaRPr>
+          </a:p>
+        </p:txBody>
+      </p:sp>
+      <p:sp>
+        <p:nvSpPr>
+          <p:cNvPr id="99" name="Flowchart: Process 2"/>
+          <p:cNvSpPr/>
+          <p:nvPr/>
+        </p:nvSpPr>
+        <p:spPr>
+          <a:xfrm>
+            <a:off x="6378717" y="4065661"/>
+            <a:ext cx="1008112" cy="810345"/>
+          </a:xfrm>
+          <a:prstGeom prst="flowChartProcess">
+            <a:avLst/>
+          </a:prstGeom>
+          <a:solidFill>
+            <a:schemeClr val="bg2">
+              <a:lumMod val="20000"/>
+              <a:lumOff val="80000"/>
+            </a:schemeClr>
+          </a:solidFill>
+        </p:spPr>
+        <p:style>
+          <a:lnRef idx="2">
+            <a:schemeClr val="dk1"/>
+          </a:lnRef>
+          <a:fillRef idx="1">
+            <a:schemeClr val="lt1"/>
+          </a:fillRef>
+          <a:effectRef idx="0">
+            <a:schemeClr val="dk1"/>
+          </a:effectRef>
+          <a:fontRef idx="minor">
+            <a:schemeClr val="dk1"/>
+          </a:fontRef>
+        </p:style>
+        <p:txBody>
+          <a:bodyPr rtlCol="0" anchor="ctr"/>
+          <a:lstStyle/>
+          <a:p>
+            <a:pPr algn="ctr"/>
+            <a:r>
+              <a:rPr lang="fr-CH" sz="1200" dirty="0"/>
+              <a:t>Affiche que le travail est terminé</a:t>
+            </a:r>
+            <a:endParaRPr lang="fr-CH" sz="1200" dirty="0"/>
           </a:p>
         </p:txBody>
       </p:sp>
       <p:cxnSp>
         <p:nvCxnSpPr>
-          <p:cNvPr id="55" name="Straight Connector 54"/>
+          <p:cNvPr id="104" name="Connecteur en angle 103"/>
           <p:cNvCxnSpPr>
-            <a:stCxn id="50" idx="1"/>
-            <a:endCxn id="44" idx="3"/>
+            <a:stCxn id="52" idx="2"/>
+            <a:endCxn id="98" idx="1"/>
           </p:cNvCxnSpPr>
           <p:nvPr/>
         </p:nvCxnSpPr>
         <p:spPr>
-          <a:xfrm flipH="1">
-            <a:off x="4644008" y="2346422"/>
-            <a:ext cx="2304256" cy="9304"/>
+          <a:xfrm rot="16200000" flipH="1">
+            <a:off x="5391591" y="2467841"/>
+            <a:ext cx="84463" cy="1926151"/>
           </a:xfrm>
-          <a:prstGeom prst="line">
+          <a:prstGeom prst="bentConnector2">
             <a:avLst/>
           </a:prstGeom>
+          <a:ln>
+            <a:tailEnd type="arrow"/>
+          </a:ln>
+        </p:spPr>
+        <p:style>
+          <a:lnRef idx="1">
+            <a:schemeClr val="dk1"/>
+          </a:lnRef>
+          <a:fillRef idx="0">
+            <a:schemeClr val="dk1"/>
+          </a:fillRef>
+          <a:effectRef idx="0">
+            <a:schemeClr val="dk1"/>
+          </a:effectRef>
+          <a:fontRef idx="minor">
+            <a:schemeClr val="tx1"/>
+          </a:fontRef>
+        </p:style>
+      </p:cxnSp>
+      <p:cxnSp>
+        <p:nvCxnSpPr>
+          <p:cNvPr id="106" name="Connecteur en angle 105"/>
+          <p:cNvCxnSpPr>
+            <a:stCxn id="52" idx="0"/>
+            <a:endCxn id="53" idx="1"/>
+          </p:cNvCxnSpPr>
+          <p:nvPr/>
+        </p:nvCxnSpPr>
+        <p:spPr>
+          <a:xfrm rot="5400000" flipH="1" flipV="1">
+            <a:off x="5380165" y="1203410"/>
+            <a:ext cx="98883" cy="1917718"/>
+          </a:xfrm>
+          <a:prstGeom prst="bentConnector2">
+            <a:avLst/>
+          </a:prstGeom>
+          <a:ln>
+            <a:tailEnd type="arrow"/>
+          </a:ln>
         </p:spPr>
         <p:style>
           <a:lnRef idx="1">
@@ -21107,507 +19500,153 @@
       </p:cxnSp>
       <p:sp>
         <p:nvSpPr>
-          <p:cNvPr id="59" name="Shape 647"/>
-          <p:cNvSpPr/>
+          <p:cNvPr id="118" name="ZoneTexte 117"/>
+          <p:cNvSpPr txBox="1"/>
           <p:nvPr/>
         </p:nvSpPr>
         <p:spPr>
           <a:xfrm>
-            <a:off x="5690095" y="2048950"/>
-            <a:ext cx="212081" cy="216024"/>
+            <a:off x="2268396" y="4443958"/>
+            <a:ext cx="614271" cy="307777"/>
           </a:xfrm>
-          <a:custGeom>
+          <a:prstGeom prst="rect">
             <a:avLst/>
-            <a:gdLst/>
-            <a:ahLst/>
-            <a:cxnLst/>
-            <a:rect l="0" t="0" r="0" b="0"/>
-            <a:pathLst>
-              <a:path w="16367" h="16368" fill="none" extrusionOk="0">
-                <a:moveTo>
-                  <a:pt x="16074" y="4385"/>
-                </a:moveTo>
-                <a:lnTo>
-                  <a:pt x="11983" y="293"/>
-                </a:lnTo>
-                <a:lnTo>
-                  <a:pt x="11983" y="293"/>
-                </a:lnTo>
-                <a:lnTo>
-                  <a:pt x="11812" y="171"/>
-                </a:lnTo>
-                <a:lnTo>
-                  <a:pt x="11642" y="74"/>
-                </a:lnTo>
-                <a:lnTo>
-                  <a:pt x="11447" y="25"/>
-                </a:lnTo>
-                <a:lnTo>
-                  <a:pt x="11252" y="1"/>
-                </a:lnTo>
-                <a:lnTo>
-                  <a:pt x="5115" y="1"/>
-                </a:lnTo>
-                <a:lnTo>
-                  <a:pt x="5115" y="1"/>
-                </a:lnTo>
-                <a:lnTo>
-                  <a:pt x="4920" y="25"/>
-                </a:lnTo>
-                <a:lnTo>
-                  <a:pt x="4725" y="74"/>
-                </a:lnTo>
-                <a:lnTo>
-                  <a:pt x="4554" y="171"/>
-                </a:lnTo>
-                <a:lnTo>
-                  <a:pt x="4384" y="293"/>
-                </a:lnTo>
-                <a:lnTo>
-                  <a:pt x="292" y="4385"/>
-                </a:lnTo>
-                <a:lnTo>
-                  <a:pt x="292" y="4385"/>
-                </a:lnTo>
-                <a:lnTo>
-                  <a:pt x="171" y="4555"/>
-                </a:lnTo>
-                <a:lnTo>
-                  <a:pt x="73" y="4726"/>
-                </a:lnTo>
-                <a:lnTo>
-                  <a:pt x="24" y="4921"/>
-                </a:lnTo>
-                <a:lnTo>
-                  <a:pt x="0" y="5115"/>
-                </a:lnTo>
-                <a:lnTo>
-                  <a:pt x="0" y="11253"/>
-                </a:lnTo>
-                <a:lnTo>
-                  <a:pt x="0" y="11253"/>
-                </a:lnTo>
-                <a:lnTo>
-                  <a:pt x="24" y="11448"/>
-                </a:lnTo>
-                <a:lnTo>
-                  <a:pt x="73" y="11642"/>
-                </a:lnTo>
-                <a:lnTo>
-                  <a:pt x="171" y="11813"/>
-                </a:lnTo>
-                <a:lnTo>
-                  <a:pt x="292" y="11983"/>
-                </a:lnTo>
-                <a:lnTo>
-                  <a:pt x="4384" y="16075"/>
-                </a:lnTo>
-                <a:lnTo>
-                  <a:pt x="4384" y="16075"/>
-                </a:lnTo>
-                <a:lnTo>
-                  <a:pt x="4554" y="16197"/>
-                </a:lnTo>
-                <a:lnTo>
-                  <a:pt x="4725" y="16294"/>
-                </a:lnTo>
-                <a:lnTo>
-                  <a:pt x="4920" y="16343"/>
-                </a:lnTo>
-                <a:lnTo>
-                  <a:pt x="5115" y="16367"/>
-                </a:lnTo>
-                <a:lnTo>
-                  <a:pt x="11252" y="16367"/>
-                </a:lnTo>
-                <a:lnTo>
-                  <a:pt x="11252" y="16367"/>
-                </a:lnTo>
-                <a:lnTo>
-                  <a:pt x="11447" y="16343"/>
-                </a:lnTo>
-                <a:lnTo>
-                  <a:pt x="11642" y="16294"/>
-                </a:lnTo>
-                <a:lnTo>
-                  <a:pt x="11812" y="16197"/>
-                </a:lnTo>
-                <a:lnTo>
-                  <a:pt x="11983" y="16075"/>
-                </a:lnTo>
-                <a:lnTo>
-                  <a:pt x="16074" y="11983"/>
-                </a:lnTo>
-                <a:lnTo>
-                  <a:pt x="16074" y="11983"/>
-                </a:lnTo>
-                <a:lnTo>
-                  <a:pt x="16196" y="11813"/>
-                </a:lnTo>
-                <a:lnTo>
-                  <a:pt x="16294" y="11642"/>
-                </a:lnTo>
-                <a:lnTo>
-                  <a:pt x="16342" y="11448"/>
-                </a:lnTo>
-                <a:lnTo>
-                  <a:pt x="16367" y="11253"/>
-                </a:lnTo>
-                <a:lnTo>
-                  <a:pt x="16367" y="5115"/>
-                </a:lnTo>
-                <a:lnTo>
-                  <a:pt x="16367" y="5115"/>
-                </a:lnTo>
-                <a:lnTo>
-                  <a:pt x="16342" y="4921"/>
-                </a:lnTo>
-                <a:lnTo>
-                  <a:pt x="16294" y="4726"/>
-                </a:lnTo>
-                <a:lnTo>
-                  <a:pt x="16196" y="4555"/>
-                </a:lnTo>
-                <a:lnTo>
-                  <a:pt x="16074" y="4385"/>
-                </a:lnTo>
-                <a:lnTo>
-                  <a:pt x="16074" y="4385"/>
-                </a:lnTo>
-                <a:close/>
-                <a:moveTo>
-                  <a:pt x="9864" y="8452"/>
-                </a:moveTo>
-                <a:lnTo>
-                  <a:pt x="11203" y="9792"/>
-                </a:lnTo>
-                <a:lnTo>
-                  <a:pt x="11203" y="9792"/>
-                </a:lnTo>
-                <a:lnTo>
-                  <a:pt x="11252" y="9840"/>
-                </a:lnTo>
-                <a:lnTo>
-                  <a:pt x="11276" y="9913"/>
-                </a:lnTo>
-                <a:lnTo>
-                  <a:pt x="11301" y="10059"/>
-                </a:lnTo>
-                <a:lnTo>
-                  <a:pt x="11276" y="10206"/>
-                </a:lnTo>
-                <a:lnTo>
-                  <a:pt x="11252" y="10279"/>
-                </a:lnTo>
-                <a:lnTo>
-                  <a:pt x="11203" y="10327"/>
-                </a:lnTo>
-                <a:lnTo>
-                  <a:pt x="10327" y="11204"/>
-                </a:lnTo>
-                <a:lnTo>
-                  <a:pt x="10327" y="11204"/>
-                </a:lnTo>
-                <a:lnTo>
-                  <a:pt x="10278" y="11253"/>
-                </a:lnTo>
-                <a:lnTo>
-                  <a:pt x="10205" y="11277"/>
-                </a:lnTo>
-                <a:lnTo>
-                  <a:pt x="10059" y="11302"/>
-                </a:lnTo>
-                <a:lnTo>
-                  <a:pt x="9913" y="11277"/>
-                </a:lnTo>
-                <a:lnTo>
-                  <a:pt x="9840" y="11253"/>
-                </a:lnTo>
-                <a:lnTo>
-                  <a:pt x="9791" y="11204"/>
-                </a:lnTo>
-                <a:lnTo>
-                  <a:pt x="8451" y="9865"/>
-                </a:lnTo>
-                <a:lnTo>
-                  <a:pt x="8451" y="9865"/>
-                </a:lnTo>
-                <a:lnTo>
-                  <a:pt x="8403" y="9816"/>
-                </a:lnTo>
-                <a:lnTo>
-                  <a:pt x="8330" y="9792"/>
-                </a:lnTo>
-                <a:lnTo>
-                  <a:pt x="8183" y="9767"/>
-                </a:lnTo>
-                <a:lnTo>
-                  <a:pt x="8037" y="9792"/>
-                </a:lnTo>
-                <a:lnTo>
-                  <a:pt x="7964" y="9816"/>
-                </a:lnTo>
-                <a:lnTo>
-                  <a:pt x="7915" y="9865"/>
-                </a:lnTo>
-                <a:lnTo>
-                  <a:pt x="6576" y="11204"/>
-                </a:lnTo>
-                <a:lnTo>
-                  <a:pt x="6576" y="11204"/>
-                </a:lnTo>
-                <a:lnTo>
-                  <a:pt x="6527" y="11253"/>
-                </a:lnTo>
-                <a:lnTo>
-                  <a:pt x="6454" y="11277"/>
-                </a:lnTo>
-                <a:lnTo>
-                  <a:pt x="6308" y="11302"/>
-                </a:lnTo>
-                <a:lnTo>
-                  <a:pt x="6162" y="11277"/>
-                </a:lnTo>
-                <a:lnTo>
-                  <a:pt x="6089" y="11253"/>
-                </a:lnTo>
-                <a:lnTo>
-                  <a:pt x="6040" y="11204"/>
-                </a:lnTo>
-                <a:lnTo>
-                  <a:pt x="5163" y="10327"/>
-                </a:lnTo>
-                <a:lnTo>
-                  <a:pt x="5163" y="10327"/>
-                </a:lnTo>
-                <a:lnTo>
-                  <a:pt x="5115" y="10279"/>
-                </a:lnTo>
-                <a:lnTo>
-                  <a:pt x="5090" y="10206"/>
-                </a:lnTo>
-                <a:lnTo>
-                  <a:pt x="5066" y="10059"/>
-                </a:lnTo>
-                <a:lnTo>
-                  <a:pt x="5090" y="9913"/>
-                </a:lnTo>
-                <a:lnTo>
-                  <a:pt x="5115" y="9840"/>
-                </a:lnTo>
-                <a:lnTo>
-                  <a:pt x="5163" y="9792"/>
-                </a:lnTo>
-                <a:lnTo>
-                  <a:pt x="6503" y="8452"/>
-                </a:lnTo>
-                <a:lnTo>
-                  <a:pt x="6503" y="8452"/>
-                </a:lnTo>
-                <a:lnTo>
-                  <a:pt x="6552" y="8403"/>
-                </a:lnTo>
-                <a:lnTo>
-                  <a:pt x="6576" y="8330"/>
-                </a:lnTo>
-                <a:lnTo>
-                  <a:pt x="6600" y="8184"/>
-                </a:lnTo>
-                <a:lnTo>
-                  <a:pt x="6576" y="8038"/>
-                </a:lnTo>
-                <a:lnTo>
-                  <a:pt x="6552" y="7965"/>
-                </a:lnTo>
-                <a:lnTo>
-                  <a:pt x="6503" y="7916"/>
-                </a:lnTo>
-                <a:lnTo>
-                  <a:pt x="5163" y="6577"/>
-                </a:lnTo>
-                <a:lnTo>
-                  <a:pt x="5163" y="6577"/>
-                </a:lnTo>
-                <a:lnTo>
-                  <a:pt x="5115" y="6528"/>
-                </a:lnTo>
-                <a:lnTo>
-                  <a:pt x="5090" y="6455"/>
-                </a:lnTo>
-                <a:lnTo>
-                  <a:pt x="5066" y="6309"/>
-                </a:lnTo>
-                <a:lnTo>
-                  <a:pt x="5090" y="6163"/>
-                </a:lnTo>
-                <a:lnTo>
-                  <a:pt x="5115" y="6090"/>
-                </a:lnTo>
-                <a:lnTo>
-                  <a:pt x="5163" y="6041"/>
-                </a:lnTo>
-                <a:lnTo>
-                  <a:pt x="6040" y="5164"/>
-                </a:lnTo>
-                <a:lnTo>
-                  <a:pt x="6040" y="5164"/>
-                </a:lnTo>
-                <a:lnTo>
-                  <a:pt x="6089" y="5115"/>
-                </a:lnTo>
-                <a:lnTo>
-                  <a:pt x="6162" y="5091"/>
-                </a:lnTo>
-                <a:lnTo>
-                  <a:pt x="6308" y="5067"/>
-                </a:lnTo>
-                <a:lnTo>
-                  <a:pt x="6454" y="5091"/>
-                </a:lnTo>
-                <a:lnTo>
-                  <a:pt x="6527" y="5115"/>
-                </a:lnTo>
-                <a:lnTo>
-                  <a:pt x="6576" y="5164"/>
-                </a:lnTo>
-                <a:lnTo>
-                  <a:pt x="7915" y="6504"/>
-                </a:lnTo>
-                <a:lnTo>
-                  <a:pt x="7915" y="6504"/>
-                </a:lnTo>
-                <a:lnTo>
-                  <a:pt x="7964" y="6552"/>
-                </a:lnTo>
-                <a:lnTo>
-                  <a:pt x="8037" y="6577"/>
-                </a:lnTo>
-                <a:lnTo>
-                  <a:pt x="8183" y="6601"/>
-                </a:lnTo>
-                <a:lnTo>
-                  <a:pt x="8330" y="6577"/>
-                </a:lnTo>
-                <a:lnTo>
-                  <a:pt x="8403" y="6552"/>
-                </a:lnTo>
-                <a:lnTo>
-                  <a:pt x="8451" y="6504"/>
-                </a:lnTo>
-                <a:lnTo>
-                  <a:pt x="9791" y="5164"/>
-                </a:lnTo>
-                <a:lnTo>
-                  <a:pt x="9791" y="5164"/>
-                </a:lnTo>
-                <a:lnTo>
-                  <a:pt x="9840" y="5115"/>
-                </a:lnTo>
-                <a:lnTo>
-                  <a:pt x="9913" y="5091"/>
-                </a:lnTo>
-                <a:lnTo>
-                  <a:pt x="10059" y="5067"/>
-                </a:lnTo>
-                <a:lnTo>
-                  <a:pt x="10205" y="5091"/>
-                </a:lnTo>
-                <a:lnTo>
-                  <a:pt x="10278" y="5115"/>
-                </a:lnTo>
-                <a:lnTo>
-                  <a:pt x="10327" y="5164"/>
-                </a:lnTo>
-                <a:lnTo>
-                  <a:pt x="11203" y="6041"/>
-                </a:lnTo>
-                <a:lnTo>
-                  <a:pt x="11203" y="6041"/>
-                </a:lnTo>
-                <a:lnTo>
-                  <a:pt x="11252" y="6090"/>
-                </a:lnTo>
-                <a:lnTo>
-                  <a:pt x="11276" y="6163"/>
-                </a:lnTo>
-                <a:lnTo>
-                  <a:pt x="11301" y="6309"/>
-                </a:lnTo>
-                <a:lnTo>
-                  <a:pt x="11276" y="6455"/>
-                </a:lnTo>
-                <a:lnTo>
-                  <a:pt x="11252" y="6528"/>
-                </a:lnTo>
-                <a:lnTo>
-                  <a:pt x="11203" y="6577"/>
-                </a:lnTo>
-                <a:lnTo>
-                  <a:pt x="9864" y="7916"/>
-                </a:lnTo>
-                <a:lnTo>
-                  <a:pt x="9864" y="7916"/>
-                </a:lnTo>
-                <a:lnTo>
-                  <a:pt x="9815" y="7965"/>
-                </a:lnTo>
-                <a:lnTo>
-                  <a:pt x="9791" y="8038"/>
-                </a:lnTo>
-                <a:lnTo>
-                  <a:pt x="9766" y="8184"/>
-                </a:lnTo>
-                <a:lnTo>
-                  <a:pt x="9791" y="8330"/>
-                </a:lnTo>
-                <a:lnTo>
-                  <a:pt x="9815" y="8403"/>
-                </a:lnTo>
-                <a:lnTo>
-                  <a:pt x="9864" y="8452"/>
-                </a:lnTo>
-                <a:lnTo>
-                  <a:pt x="9864" y="8452"/>
-                </a:lnTo>
-                <a:close/>
-              </a:path>
-            </a:pathLst>
-          </a:custGeom>
-          <a:solidFill>
-            <a:schemeClr val="bg1"/>
-          </a:solidFill>
-          <a:ln>
-            <a:headEnd type="none" w="med" len="med"/>
-            <a:tailEnd type="none" w="med" len="med"/>
-          </a:ln>
+          </a:prstGeom>
+          <a:noFill/>
         </p:spPr>
-        <p:style>
-          <a:lnRef idx="2">
-            <a:schemeClr val="accent6"/>
-          </a:lnRef>
-          <a:fillRef idx="1">
-            <a:schemeClr val="lt1"/>
-          </a:fillRef>
-          <a:effectRef idx="0">
-            <a:schemeClr val="accent6"/>
-          </a:effectRef>
-          <a:fontRef idx="minor">
-            <a:schemeClr val="dk1"/>
-          </a:fontRef>
-        </p:style>
         <p:txBody>
-          <a:bodyPr lIns="91425" tIns="91425" rIns="91425" bIns="91425" anchor="ctr" anchorCtr="0">
-            <a:noAutofit/>
+          <a:bodyPr wrap="none" rtlCol="0">
+            <a:spAutoFit/>
           </a:bodyPr>
           <a:lstStyle/>
           <a:p>
-            <a:pPr lvl="0">
-              <a:spcBef>
-                <a:spcPts val="0"/>
-              </a:spcBef>
-              <a:buNone/>
-            </a:pPr>
-            <a:endParaRPr/>
+            <a:r>
+              <a:rPr lang="fr-CH" b="1" dirty="0" smtClean="0">
+                <a:solidFill>
+                  <a:srgbClr val="00B050"/>
+                </a:solidFill>
+              </a:rPr>
+              <a:t>VRAI</a:t>
+            </a:r>
+            <a:endParaRPr lang="fr-CH" b="1" dirty="0">
+              <a:solidFill>
+                <a:srgbClr val="00B050"/>
+              </a:solidFill>
+            </a:endParaRPr>
+          </a:p>
+        </p:txBody>
+      </p:sp>
+      <p:sp>
+        <p:nvSpPr>
+          <p:cNvPr id="121" name="ZoneTexte 120"/>
+          <p:cNvSpPr txBox="1"/>
+          <p:nvPr/>
+        </p:nvSpPr>
+        <p:spPr>
+          <a:xfrm>
+            <a:off x="2268397" y="2499742"/>
+            <a:ext cx="673582" cy="307777"/>
+          </a:xfrm>
+          <a:prstGeom prst="rect">
+            <a:avLst/>
+          </a:prstGeom>
+          <a:noFill/>
+        </p:spPr>
+        <p:txBody>
+          <a:bodyPr wrap="none" rtlCol="0">
+            <a:spAutoFit/>
+          </a:bodyPr>
+          <a:lstStyle/>
+          <a:p>
+            <a:r>
+              <a:rPr lang="fr-CH" b="1" dirty="0" smtClean="0">
+                <a:solidFill>
+                  <a:srgbClr val="FF0000"/>
+                </a:solidFill>
+              </a:rPr>
+              <a:t>FAUX</a:t>
+            </a:r>
+            <a:endParaRPr lang="fr-CH" b="1" dirty="0">
+              <a:solidFill>
+                <a:srgbClr val="FF0000"/>
+              </a:solidFill>
+            </a:endParaRPr>
+          </a:p>
+        </p:txBody>
+      </p:sp>
+      <p:sp>
+        <p:nvSpPr>
+          <p:cNvPr id="123" name="ZoneTexte 122"/>
+          <p:cNvSpPr txBox="1"/>
+          <p:nvPr/>
+        </p:nvSpPr>
+        <p:spPr>
+          <a:xfrm>
+            <a:off x="4168420" y="3485558"/>
+            <a:ext cx="614271" cy="307777"/>
+          </a:xfrm>
+          <a:prstGeom prst="rect">
+            <a:avLst/>
+          </a:prstGeom>
+          <a:noFill/>
+        </p:spPr>
+        <p:txBody>
+          <a:bodyPr wrap="none" rtlCol="0">
+            <a:spAutoFit/>
+          </a:bodyPr>
+          <a:lstStyle/>
+          <a:p>
+            <a:r>
+              <a:rPr lang="fr-CH" b="1" dirty="0" smtClean="0">
+                <a:solidFill>
+                  <a:srgbClr val="00B050"/>
+                </a:solidFill>
+              </a:rPr>
+              <a:t>VRAI</a:t>
+            </a:r>
+            <a:endParaRPr lang="fr-CH" b="1" dirty="0">
+              <a:solidFill>
+                <a:srgbClr val="00B050"/>
+              </a:solidFill>
+            </a:endParaRPr>
+          </a:p>
+        </p:txBody>
+      </p:sp>
+      <p:sp>
+        <p:nvSpPr>
+          <p:cNvPr id="124" name="ZoneTexte 123"/>
+          <p:cNvSpPr txBox="1"/>
+          <p:nvPr/>
+        </p:nvSpPr>
+        <p:spPr>
+          <a:xfrm>
+            <a:off x="4142738" y="1798107"/>
+            <a:ext cx="673582" cy="307777"/>
+          </a:xfrm>
+          <a:prstGeom prst="rect">
+            <a:avLst/>
+          </a:prstGeom>
+          <a:noFill/>
+        </p:spPr>
+        <p:txBody>
+          <a:bodyPr wrap="none" rtlCol="0">
+            <a:spAutoFit/>
+          </a:bodyPr>
+          <a:lstStyle/>
+          <a:p>
+            <a:r>
+              <a:rPr lang="fr-CH" b="1" dirty="0" smtClean="0">
+                <a:solidFill>
+                  <a:srgbClr val="FF0000"/>
+                </a:solidFill>
+              </a:rPr>
+              <a:t>FAUX</a:t>
+            </a:r>
+            <a:endParaRPr lang="fr-CH" b="1" dirty="0">
+              <a:solidFill>
+                <a:srgbClr val="FF0000"/>
+              </a:solidFill>
+            </a:endParaRPr>
           </a:p>
         </p:txBody>
       </p:sp>
@@ -21662,6 +19701,137 @@
       </p:grpSpPr>
       <p:sp>
         <p:nvSpPr>
+          <p:cNvPr id="2" name="Titre 1"/>
+          <p:cNvSpPr>
+            <a:spLocks noGrp="1"/>
+          </p:cNvSpPr>
+          <p:nvPr>
+            <p:ph type="title"/>
+          </p:nvPr>
+        </p:nvSpPr>
+        <p:spPr>
+          <a:xfrm>
+            <a:off x="1381250" y="922668"/>
+            <a:ext cx="6935166" cy="435599"/>
+          </a:xfrm>
+        </p:spPr>
+        <p:txBody>
+          <a:bodyPr/>
+          <a:lstStyle/>
+          <a:p>
+            <a:r>
+              <a:rPr lang="en" dirty="0"/>
+              <a:t>Analyse organique </a:t>
+            </a:r>
+            <a:r>
+              <a:rPr lang="fr-CH" dirty="0"/>
+              <a:t>– </a:t>
+            </a:r>
+            <a:r>
+              <a:rPr lang="en" dirty="0" smtClean="0">
+                <a:highlight>
+                  <a:srgbClr val="FFCD00"/>
+                </a:highlight>
+              </a:rPr>
+              <a:t>Sécurité</a:t>
+            </a:r>
+            <a:endParaRPr lang="fr-CH" dirty="0"/>
+          </a:p>
+        </p:txBody>
+      </p:sp>
+      <p:sp>
+        <p:nvSpPr>
+          <p:cNvPr id="3" name="Espace réservé du texte 2"/>
+          <p:cNvSpPr>
+            <a:spLocks noGrp="1"/>
+          </p:cNvSpPr>
+          <p:nvPr>
+            <p:ph type="body" idx="1"/>
+          </p:nvPr>
+        </p:nvSpPr>
+        <p:spPr>
+          <a:xfrm>
+            <a:off x="1381250" y="1618700"/>
+            <a:ext cx="6575126" cy="3231000"/>
+          </a:xfrm>
+        </p:spPr>
+        <p:txBody>
+          <a:bodyPr/>
+          <a:lstStyle/>
+          <a:p>
+            <a:pPr>
+              <a:buNone/>
+            </a:pPr>
+            <a:endParaRPr lang="fr-CH" dirty="0">
+              <a:latin typeface="+mn-lt"/>
+            </a:endParaRPr>
+          </a:p>
+          <a:p>
+            <a:pPr marL="342900" indent="-342900"/>
+            <a:r>
+              <a:rPr lang="fr-CH" b="1" dirty="0" smtClean="0">
+                <a:latin typeface="+mn-lt"/>
+              </a:rPr>
+              <a:t>Problème : </a:t>
+            </a:r>
+            <a:r>
+              <a:rPr lang="fr-CH" dirty="0" smtClean="0">
+                <a:latin typeface="+mn-lt"/>
+              </a:rPr>
+              <a:t>Données ne doivent pas être modifiée</a:t>
+            </a:r>
+          </a:p>
+          <a:p>
+            <a:pPr marL="342900" indent="-342900"/>
+            <a:endParaRPr lang="fr-CH" dirty="0">
+              <a:latin typeface="+mn-lt"/>
+            </a:endParaRPr>
+          </a:p>
+          <a:p>
+            <a:pPr>
+              <a:buNone/>
+            </a:pPr>
+            <a:endParaRPr lang="fr-CH" dirty="0">
+              <a:latin typeface="+mn-lt"/>
+            </a:endParaRPr>
+          </a:p>
+          <a:p>
+            <a:pPr marL="342900" indent="-342900"/>
+            <a:endParaRPr lang="fr-CH" dirty="0" smtClean="0">
+              <a:latin typeface="+mn-lt"/>
+            </a:endParaRPr>
+          </a:p>
+          <a:p>
+            <a:pPr marL="342900" indent="-342900"/>
+            <a:endParaRPr lang="fr-CH" dirty="0" smtClean="0">
+              <a:latin typeface="+mn-lt"/>
+            </a:endParaRPr>
+          </a:p>
+          <a:p>
+            <a:pPr marL="342900" indent="-342900"/>
+            <a:endParaRPr lang="fr-CH" dirty="0">
+              <a:latin typeface="+mn-lt"/>
+            </a:endParaRPr>
+          </a:p>
+          <a:p>
+            <a:pPr marL="342900" indent="-342900"/>
+            <a:r>
+              <a:rPr lang="fr-CH" b="1" dirty="0" smtClean="0">
+                <a:latin typeface="+mn-lt"/>
+              </a:rPr>
+              <a:t>Solution : </a:t>
+            </a:r>
+            <a:r>
+              <a:rPr lang="fr-CH" dirty="0" smtClean="0">
+                <a:latin typeface="+mn-lt"/>
+              </a:rPr>
+              <a:t>Clé de validation</a:t>
+            </a:r>
+          </a:p>
+        </p:txBody>
+      </p:sp>
+      <p:sp>
+        <p:nvSpPr>
           <p:cNvPr id="5" name="Espace réservé du numéro de diapositive 4"/>
           <p:cNvSpPr>
             <a:spLocks noGrp="1"/>
@@ -21670,12 +19840,7 @@
             <p:ph type="sldNum" sz="quarter" idx="4"/>
           </p:nvPr>
         </p:nvSpPr>
-        <p:spPr>
-          <a:xfrm>
-            <a:off x="6553200" y="4767263"/>
-            <a:ext cx="2133600" cy="274637"/>
-          </a:xfrm>
-        </p:spPr>
+        <p:spPr/>
         <p:txBody>
           <a:bodyPr/>
           <a:lstStyle/>
@@ -21688,132 +19853,9 @@
           </a:p>
         </p:txBody>
       </p:sp>
-      <p:sp>
-        <p:nvSpPr>
-          <p:cNvPr id="52" name="Shape 141"/>
-          <p:cNvSpPr txBox="1">
-            <a:spLocks noGrp="1"/>
-          </p:cNvSpPr>
-          <p:nvPr>
-            <p:ph type="body" idx="1"/>
-          </p:nvPr>
-        </p:nvSpPr>
-        <p:spPr>
-          <a:xfrm>
-            <a:off x="899592" y="1347614"/>
-            <a:ext cx="7416824" cy="720080"/>
-          </a:xfrm>
-          <a:prstGeom prst="rect">
-            <a:avLst/>
-          </a:prstGeom>
-        </p:spPr>
-        <p:txBody>
-          <a:bodyPr lIns="91425" tIns="91425" rIns="91425" bIns="91425" anchor="t" anchorCtr="0">
-            <a:noAutofit/>
-          </a:bodyPr>
-          <a:lstStyle/>
-          <a:p>
-            <a:pPr lvl="0" algn="ctr">
-              <a:buNone/>
-            </a:pPr>
-            <a:r>
-              <a:rPr lang="fr-CH" dirty="0">
-                <a:latin typeface="Arial"/>
-              </a:rPr>
-              <a:t>É</a:t>
-            </a:r>
-            <a:r>
-              <a:rPr lang="en" dirty="0">
-                <a:latin typeface="Arial"/>
-              </a:rPr>
-              <a:t>vénement “rbxCopieTexte</a:t>
-            </a:r>
-            <a:r>
-              <a:rPr lang="en" dirty="0">
-                <a:latin typeface="Arial"/>
-                <a:ea typeface="NSimSun" panose="02010609030101010101" pitchFamily="49" charset="-122"/>
-              </a:rPr>
-              <a:t>_KeyPress”</a:t>
-            </a:r>
-            <a:endParaRPr lang="en" dirty="0">
-              <a:latin typeface="Arial"/>
-            </a:endParaRPr>
-          </a:p>
-          <a:p>
-            <a:pPr lvl="0">
-              <a:buNone/>
-            </a:pPr>
-            <a:endParaRPr lang="en" sz="1800" dirty="0" smtClean="0">
-              <a:latin typeface="Arial"/>
-              <a:cs typeface="Arial"/>
-            </a:endParaRPr>
-          </a:p>
-          <a:p>
-            <a:pPr lvl="0">
-              <a:buNone/>
-            </a:pPr>
-            <a:r>
-              <a:rPr lang="en" sz="1800" dirty="0" smtClean="0">
-                <a:latin typeface="Arial"/>
-                <a:cs typeface="Arial"/>
-              </a:rPr>
-              <a:t>Vérifie </a:t>
-            </a:r>
-            <a:r>
-              <a:rPr lang="en" sz="1800" dirty="0">
-                <a:latin typeface="Arial"/>
-                <a:cs typeface="Arial"/>
-              </a:rPr>
-              <a:t>si le caractère tapé </a:t>
-            </a:r>
-            <a:r>
-              <a:rPr lang="en" sz="1800" b="1" dirty="0">
-                <a:latin typeface="Arial"/>
-                <a:cs typeface="Arial"/>
-              </a:rPr>
-              <a:t>n’est pas le bon</a:t>
-            </a:r>
-            <a:endParaRPr lang="en" sz="1200" b="1" dirty="0">
-              <a:latin typeface="Arial"/>
-              <a:cs typeface="Arial"/>
-              <a:sym typeface="Arial"/>
-            </a:endParaRPr>
-          </a:p>
-          <a:p>
-            <a:pPr>
-              <a:buNone/>
-            </a:pPr>
-            <a:endParaRPr lang="en" dirty="0" smtClean="0"/>
-          </a:p>
-          <a:p>
-            <a:pPr>
-              <a:buNone/>
-            </a:pPr>
-            <a:endParaRPr lang="en" dirty="0" smtClean="0"/>
-          </a:p>
-          <a:p>
-            <a:pPr>
-              <a:buNone/>
-            </a:pPr>
-            <a:endParaRPr lang="en" dirty="0" smtClean="0"/>
-          </a:p>
-          <a:p>
-            <a:pPr>
-              <a:buNone/>
-            </a:pPr>
-            <a:endParaRPr lang="en" dirty="0" smtClean="0"/>
-          </a:p>
-          <a:p>
-            <a:pPr>
-              <a:buNone/>
-            </a:pPr>
-            <a:endParaRPr lang="en" dirty="0" smtClean="0"/>
-          </a:p>
-        </p:txBody>
-      </p:sp>
       <p:grpSp>
         <p:nvGrpSpPr>
-          <p:cNvPr id="54" name="Shape 144"/>
+          <p:cNvPr id="6" name="Shape 144"/>
           <p:cNvGrpSpPr/>
           <p:nvPr/>
         </p:nvGrpSpPr>
@@ -21827,7 +19869,7 @@
         </p:grpSpPr>
         <p:sp>
           <p:nvSpPr>
-            <p:cNvPr id="55" name="Shape 145"/>
+            <p:cNvPr id="7" name="Shape 145"/>
             <p:cNvSpPr/>
             <p:nvPr/>
           </p:nvSpPr>
@@ -21895,7 +19937,7 @@
         </p:sp>
         <p:sp>
           <p:nvSpPr>
-            <p:cNvPr id="56" name="Shape 146"/>
+            <p:cNvPr id="8" name="Shape 146"/>
             <p:cNvSpPr/>
             <p:nvPr/>
           </p:nvSpPr>
@@ -22086,7 +20128,7 @@
         </p:sp>
         <p:sp>
           <p:nvSpPr>
-            <p:cNvPr id="57" name="Shape 147"/>
+            <p:cNvPr id="9" name="Shape 147"/>
             <p:cNvSpPr/>
             <p:nvPr/>
           </p:nvSpPr>
@@ -22315,7 +20357,7 @@
         </p:sp>
         <p:sp>
           <p:nvSpPr>
-            <p:cNvPr id="58" name="Shape 148"/>
+            <p:cNvPr id="10" name="Shape 148"/>
             <p:cNvSpPr/>
             <p:nvPr/>
           </p:nvSpPr>
@@ -22369,128 +20411,16 @@
           </p:txBody>
         </p:sp>
       </p:grpSp>
-      <p:pic>
-        <p:nvPicPr>
-          <p:cNvPr id="60" name="Picture 4"/>
-          <p:cNvPicPr>
-            <a:picLocks noChangeAspect="1" noChangeArrowheads="1"/>
-          </p:cNvPicPr>
-          <p:nvPr/>
-        </p:nvPicPr>
-        <p:blipFill>
-          <a:blip r:embed="rId2">
-            <a:extLst>
-              <a:ext uri="{28A0092B-C50C-407E-A947-70E740481C1C}">
-                <a14:useLocalDpi xmlns:a14="http://schemas.microsoft.com/office/drawing/2010/main" val="0"/>
-              </a:ext>
-            </a:extLst>
-          </a:blip>
-          <a:srcRect/>
-          <a:stretch>
-            <a:fillRect/>
-          </a:stretch>
-        </p:blipFill>
-        <p:spPr bwMode="auto">
-          <a:xfrm>
-            <a:off x="1022449" y="2355726"/>
-            <a:ext cx="7099102" cy="1517305"/>
-          </a:xfrm>
-          <a:prstGeom prst="rect">
-            <a:avLst/>
-          </a:prstGeom>
-          <a:ln w="38100" cap="sq">
-            <a:solidFill>
-              <a:srgbClr val="000000"/>
-            </a:solidFill>
-            <a:prstDash val="solid"/>
-            <a:miter lim="800000"/>
-          </a:ln>
-          <a:effectLst>
-            <a:outerShdw blurRad="50800" dist="38100" dir="2700000" algn="tl" rotWithShape="0">
-              <a:srgbClr val="000000">
-                <a:alpha val="43000"/>
-              </a:srgbClr>
-            </a:outerShdw>
-          </a:effectLst>
-          <a:extLst>
-            <a:ext uri="{909E8E84-426E-40DD-AFC4-6F175D3DCCD1}">
-              <a14:hiddenFill xmlns:a14="http://schemas.microsoft.com/office/drawing/2010/main">
-                <a:solidFill>
-                  <a:schemeClr val="accent1"/>
-                </a:solidFill>
-              </a14:hiddenFill>
-            </a:ext>
-          </a:extLst>
-        </p:spPr>
-      </p:pic>
-      <p:sp>
-        <p:nvSpPr>
-          <p:cNvPr id="15" name="Shape 142"/>
-          <p:cNvSpPr txBox="1">
-            <a:spLocks noGrp="1"/>
-          </p:cNvSpPr>
-          <p:nvPr>
-            <p:ph type="title"/>
-          </p:nvPr>
-        </p:nvSpPr>
-        <p:spPr>
-          <a:xfrm>
-            <a:off x="1381249" y="922668"/>
-            <a:ext cx="6782815" cy="435599"/>
-          </a:xfrm>
-          <a:prstGeom prst="rect">
-            <a:avLst/>
-          </a:prstGeom>
-        </p:spPr>
-        <p:txBody>
-          <a:bodyPr lIns="91425" tIns="91425" rIns="91425" bIns="91425" anchor="ctr" anchorCtr="0">
-            <a:noAutofit/>
-          </a:bodyPr>
-          <a:lstStyle/>
-          <a:p>
-            <a:pPr lvl="0"/>
-            <a:r>
-              <a:rPr lang="en" dirty="0" smtClean="0"/>
-              <a:t>Analyse organique </a:t>
-            </a:r>
-            <a:r>
-              <a:rPr lang="fr-CH" dirty="0" smtClean="0"/>
-              <a:t>– </a:t>
-            </a:r>
-            <a:r>
-              <a:rPr lang="en" dirty="0" smtClean="0">
-                <a:highlight>
-                  <a:srgbClr val="FFCD00"/>
-                </a:highlight>
-              </a:rPr>
-              <a:t>L’utilisateur recopie le texte</a:t>
-            </a:r>
-            <a:endParaRPr lang="en" dirty="0"/>
-          </a:p>
-        </p:txBody>
-      </p:sp>
     </p:spTree>
     <p:extLst>
       <p:ext uri="{BB962C8B-B14F-4D97-AF65-F5344CB8AC3E}">
-        <p14:creationId xmlns:p14="http://schemas.microsoft.com/office/powerpoint/2010/main" val="2408758353"/>
+        <p14:creationId xmlns:p14="http://schemas.microsoft.com/office/powerpoint/2010/main" val="1421634409"/>
       </p:ext>
     </p:extLst>
   </p:cSld>
   <p:clrMapOvr>
     <a:masterClrMapping/>
   </p:clrMapOvr>
-  <mc:AlternateContent xmlns:mc="http://schemas.openxmlformats.org/markup-compatibility/2006" xmlns:p14="http://schemas.microsoft.com/office/powerpoint/2010/main">
-    <mc:Choice Requires="p14">
-      <p:transition p14:dur="100">
-        <p:cut/>
-      </p:transition>
-    </mc:Choice>
-    <mc:Fallback xmlns="">
-      <p:transition>
-        <p:cut/>
-      </p:transition>
-    </mc:Fallback>
-  </mc:AlternateContent>
   <p:timing>
     <p:tnLst>
       <p:par>
@@ -22503,9 +20433,6 @@
                     <p:cTn id="3" fill="hold">
                       <p:stCondLst>
                         <p:cond delay="indefinite"/>
-                        <p:cond evt="onBegin" delay="0">
-                          <p:tn val="2"/>
-                        </p:cond>
                       </p:stCondLst>
                       <p:childTnLst>
                         <p:par>
@@ -22515,7 +20442,7 @@
                             </p:stCondLst>
                             <p:childTnLst>
                               <p:par>
-                                <p:cTn id="5" presetID="1" presetClass="entr" presetSubtype="0" fill="hold" nodeType="withEffect">
+                                <p:cTn id="5" presetID="1" presetClass="entr" presetSubtype="0" fill="hold" nodeType="clickEffect">
                                   <p:stCondLst>
                                     <p:cond delay="0"/>
                                   </p:stCondLst>
@@ -22528,7 +20455,60 @@
                                           </p:stCondLst>
                                         </p:cTn>
                                         <p:tgtEl>
-                                          <p:spTgt spid="60"/>
+                                          <p:spTgt spid="3">
+                                            <p:txEl>
+                                              <p:pRg st="1" end="1"/>
+                                            </p:txEl>
+                                          </p:spTgt>
+                                        </p:tgtEl>
+                                        <p:attrNameLst>
+                                          <p:attrName>style.visibility</p:attrName>
+                                        </p:attrNameLst>
+                                      </p:cBhvr>
+                                      <p:to>
+                                        <p:strVal val="visible"/>
+                                      </p:to>
+                                    </p:set>
+                                  </p:childTnLst>
+                                </p:cTn>
+                              </p:par>
+                            </p:childTnLst>
+                          </p:cTn>
+                        </p:par>
+                      </p:childTnLst>
+                    </p:cTn>
+                  </p:par>
+                  <p:par>
+                    <p:cTn id="7" fill="hold">
+                      <p:stCondLst>
+                        <p:cond delay="indefinite"/>
+                      </p:stCondLst>
+                      <p:childTnLst>
+                        <p:par>
+                          <p:cTn id="8" fill="hold">
+                            <p:stCondLst>
+                              <p:cond delay="0"/>
+                            </p:stCondLst>
+                            <p:childTnLst>
+                              <p:par>
+                                <p:cTn id="9" presetID="1" presetClass="entr" presetSubtype="0" fill="hold" nodeType="clickEffect">
+                                  <p:stCondLst>
+                                    <p:cond delay="0"/>
+                                  </p:stCondLst>
+                                  <p:childTnLst>
+                                    <p:set>
+                                      <p:cBhvr>
+                                        <p:cTn id="10" dur="1" fill="hold">
+                                          <p:stCondLst>
+                                            <p:cond delay="0"/>
+                                          </p:stCondLst>
+                                        </p:cTn>
+                                        <p:tgtEl>
+                                          <p:spTgt spid="3">
+                                            <p:txEl>
+                                              <p:pRg st="7" end="7"/>
+                                            </p:txEl>
+                                          </p:spTgt>
                                         </p:tgtEl>
                                         <p:attrNameLst>
                                           <p:attrName>style.visibility</p:attrName>
@@ -22617,123 +20597,9 @@
           </a:p>
         </p:txBody>
       </p:sp>
-      <p:sp>
-        <p:nvSpPr>
-          <p:cNvPr id="52" name="Shape 141"/>
-          <p:cNvSpPr txBox="1">
-            <a:spLocks noGrp="1"/>
-          </p:cNvSpPr>
-          <p:nvPr>
-            <p:ph type="body" idx="1"/>
-          </p:nvPr>
-        </p:nvSpPr>
-        <p:spPr>
-          <a:xfrm>
-            <a:off x="899592" y="1347614"/>
-            <a:ext cx="7416824" cy="720080"/>
-          </a:xfrm>
-          <a:prstGeom prst="rect">
-            <a:avLst/>
-          </a:prstGeom>
-        </p:spPr>
-        <p:txBody>
-          <a:bodyPr lIns="91425" tIns="91425" rIns="91425" bIns="91425" anchor="t" anchorCtr="0">
-            <a:noAutofit/>
-          </a:bodyPr>
-          <a:lstStyle/>
-          <a:p>
-            <a:pPr lvl="0" algn="ctr">
-              <a:buNone/>
-            </a:pPr>
-            <a:r>
-              <a:rPr lang="fr-CH" dirty="0">
-                <a:latin typeface="Arial"/>
-              </a:rPr>
-              <a:t>É</a:t>
-            </a:r>
-            <a:r>
-              <a:rPr lang="en" dirty="0">
-                <a:latin typeface="Arial"/>
-              </a:rPr>
-              <a:t>vénement “rbxCopieTexte</a:t>
-            </a:r>
-            <a:r>
-              <a:rPr lang="en" dirty="0">
-                <a:latin typeface="Arial"/>
-                <a:ea typeface="NSimSun" panose="02010609030101010101" pitchFamily="49" charset="-122"/>
-              </a:rPr>
-              <a:t>_KeyPress</a:t>
-            </a:r>
-            <a:r>
-              <a:rPr lang="en" dirty="0" smtClean="0">
-                <a:latin typeface="Arial"/>
-                <a:ea typeface="NSimSun" panose="02010609030101010101" pitchFamily="49" charset="-122"/>
-              </a:rPr>
-              <a:t>”</a:t>
-            </a:r>
-          </a:p>
-          <a:p>
-            <a:pPr lvl="0" algn="ctr">
-              <a:buNone/>
-            </a:pPr>
-            <a:endParaRPr lang="en" dirty="0" smtClean="0">
-              <a:latin typeface="Arial"/>
-            </a:endParaRPr>
-          </a:p>
-          <a:p>
-            <a:pPr lvl="0" algn="ctr">
-              <a:buNone/>
-            </a:pPr>
-            <a:endParaRPr lang="en" dirty="0">
-              <a:latin typeface="Arial"/>
-            </a:endParaRPr>
-          </a:p>
-          <a:p>
-            <a:pPr>
-              <a:buNone/>
-            </a:pPr>
-            <a:r>
-              <a:rPr lang="en" sz="1800" dirty="0" smtClean="0">
-                <a:latin typeface="+mn-lt"/>
-              </a:rPr>
-              <a:t>Vérifie si le travail est terminé</a:t>
-            </a:r>
-          </a:p>
-          <a:p>
-            <a:pPr>
-              <a:buNone/>
-            </a:pPr>
-            <a:endParaRPr lang="en" dirty="0" smtClean="0"/>
-          </a:p>
-          <a:p>
-            <a:pPr>
-              <a:buNone/>
-            </a:pPr>
-            <a:endParaRPr lang="en" dirty="0" smtClean="0"/>
-          </a:p>
-          <a:p>
-            <a:pPr>
-              <a:buNone/>
-            </a:pPr>
-            <a:endParaRPr lang="en" dirty="0" smtClean="0"/>
-          </a:p>
-          <a:p>
-            <a:pPr>
-              <a:buNone/>
-            </a:pPr>
-            <a:endParaRPr lang="en" dirty="0" smtClean="0"/>
-          </a:p>
-          <a:p>
-            <a:pPr>
-              <a:buNone/>
-            </a:pPr>
-            <a:endParaRPr lang="en" dirty="0" smtClean="0"/>
-          </a:p>
-        </p:txBody>
-      </p:sp>
       <p:grpSp>
         <p:nvGrpSpPr>
-          <p:cNvPr id="54" name="Shape 144"/>
+          <p:cNvPr id="9" name="Shape 144"/>
           <p:cNvGrpSpPr/>
           <p:nvPr/>
         </p:nvGrpSpPr>
@@ -22747,7 +20613,7 @@
         </p:grpSpPr>
         <p:sp>
           <p:nvSpPr>
-            <p:cNvPr id="55" name="Shape 145"/>
+            <p:cNvPr id="10" name="Shape 145"/>
             <p:cNvSpPr/>
             <p:nvPr/>
           </p:nvSpPr>
@@ -22815,7 +20681,7 @@
         </p:sp>
         <p:sp>
           <p:nvSpPr>
-            <p:cNvPr id="56" name="Shape 146"/>
+            <p:cNvPr id="11" name="Shape 146"/>
             <p:cNvSpPr/>
             <p:nvPr/>
           </p:nvSpPr>
@@ -23006,7 +20872,7 @@
         </p:sp>
         <p:sp>
           <p:nvSpPr>
-            <p:cNvPr id="57" name="Shape 147"/>
+            <p:cNvPr id="12" name="Shape 147"/>
             <p:cNvSpPr/>
             <p:nvPr/>
           </p:nvSpPr>
@@ -23235,7 +21101,7 @@
         </p:sp>
         <p:sp>
           <p:nvSpPr>
-            <p:cNvPr id="58" name="Shape 148"/>
+            <p:cNvPr id="13" name="Shape 148"/>
             <p:cNvSpPr/>
             <p:nvPr/>
           </p:nvSpPr>
@@ -23289,63 +21155,78 @@
           </p:txBody>
         </p:sp>
       </p:grpSp>
-      <p:pic>
-        <p:nvPicPr>
-          <p:cNvPr id="59" name="Picture 3"/>
-          <p:cNvPicPr>
-            <a:picLocks noChangeAspect="1" noChangeArrowheads="1"/>
-          </p:cNvPicPr>
-          <p:nvPr/>
-        </p:nvPicPr>
-        <p:blipFill>
-          <a:blip r:embed="rId2">
-            <a:extLst>
-              <a:ext uri="{28A0092B-C50C-407E-A947-70E740481C1C}">
-                <a14:useLocalDpi xmlns:a14="http://schemas.microsoft.com/office/drawing/2010/main" val="0"/>
-              </a:ext>
-            </a:extLst>
-          </a:blip>
-          <a:srcRect/>
-          <a:stretch>
-            <a:fillRect/>
-          </a:stretch>
-        </p:blipFill>
-        <p:spPr bwMode="auto">
+      <p:sp>
+        <p:nvSpPr>
+          <p:cNvPr id="15" name="Shape 141"/>
+          <p:cNvSpPr txBox="1">
+            <a:spLocks noGrp="1"/>
+          </p:cNvSpPr>
+          <p:nvPr>
+            <p:ph type="body" idx="1"/>
+          </p:nvPr>
+        </p:nvSpPr>
+        <p:spPr>
           <a:xfrm>
-            <a:off x="362520" y="2711052"/>
-            <a:ext cx="8457952" cy="940818"/>
+            <a:off x="899592" y="1347614"/>
+            <a:ext cx="7416824" cy="504056"/>
           </a:xfrm>
           <a:prstGeom prst="rect">
             <a:avLst/>
           </a:prstGeom>
-          <a:ln w="38100" cap="sq">
-            <a:solidFill>
-              <a:srgbClr val="000000"/>
-            </a:solidFill>
-            <a:prstDash val="solid"/>
-            <a:miter lim="800000"/>
-          </a:ln>
-          <a:effectLst>
-            <a:outerShdw blurRad="50800" dist="38100" dir="2700000" algn="tl" rotWithShape="0">
-              <a:srgbClr val="000000">
-                <a:alpha val="43000"/>
-              </a:srgbClr>
-            </a:outerShdw>
-          </a:effectLst>
-          <a:extLst>
-            <a:ext uri="{909E8E84-426E-40DD-AFC4-6F175D3DCCD1}">
-              <a14:hiddenFill xmlns:a14="http://schemas.microsoft.com/office/drawing/2010/main">
-                <a:solidFill>
-                  <a:schemeClr val="accent1"/>
-                </a:solidFill>
-              </a14:hiddenFill>
-            </a:ext>
-          </a:extLst>
         </p:spPr>
-      </p:pic>
+        <p:txBody>
+          <a:bodyPr lIns="91425" tIns="91425" rIns="91425" bIns="91425" anchor="t" anchorCtr="0">
+            <a:noAutofit/>
+          </a:bodyPr>
+          <a:lstStyle/>
+          <a:p>
+            <a:pPr lvl="0" algn="ctr">
+              <a:buNone/>
+            </a:pPr>
+            <a:r>
+              <a:rPr lang="fr-CH" dirty="0" smtClean="0">
+                <a:latin typeface="Arial"/>
+              </a:rPr>
+              <a:t>Méthode</a:t>
+            </a:r>
+            <a:r>
+              <a:rPr lang="en" dirty="0" smtClean="0">
+                <a:latin typeface="Arial"/>
+              </a:rPr>
+              <a:t> “CryptageTravail()</a:t>
+            </a:r>
+            <a:r>
+              <a:rPr lang="en" dirty="0" smtClean="0">
+                <a:latin typeface="Arial"/>
+                <a:ea typeface="NSimSun" panose="02010609030101010101" pitchFamily="49" charset="-122"/>
+              </a:rPr>
+              <a:t>”</a:t>
+            </a:r>
+            <a:endParaRPr lang="en" dirty="0">
+              <a:latin typeface="Arial"/>
+              <a:ea typeface="NSimSun" panose="02010609030101010101" pitchFamily="49" charset="-122"/>
+            </a:endParaRPr>
+          </a:p>
+          <a:p>
+            <a:pPr lvl="0" algn="ctr">
+              <a:buNone/>
+            </a:pPr>
+            <a:r>
+              <a:rPr lang="fr-CH" dirty="0" smtClean="0">
+                <a:latin typeface="Arial"/>
+              </a:rPr>
+              <a:t> </a:t>
+            </a:r>
+            <a:endParaRPr lang="en" dirty="0" smtClean="0">
+              <a:latin typeface="Arial"/>
+              <a:ea typeface="NSimSun" panose="02010609030101010101" pitchFamily="49" charset="-122"/>
+            </a:endParaRPr>
+          </a:p>
+        </p:txBody>
+      </p:sp>
       <p:sp>
         <p:nvSpPr>
-          <p:cNvPr id="15" name="Shape 142"/>
+          <p:cNvPr id="14" name="Shape 142"/>
           <p:cNvSpPr txBox="1">
             <a:spLocks noGrp="1"/>
           </p:cNvSpPr>
@@ -23383,16 +21264,73 @@
                   <a:srgbClr val="FFCD00"/>
                 </a:highlight>
               </a:rPr>
-              <a:t>L’utilisateur recopie le texte</a:t>
+              <a:t>Création </a:t>
+            </a:r>
+            <a:r>
+              <a:rPr lang="en" dirty="0" smtClean="0">
+                <a:highlight>
+                  <a:srgbClr val="FFCD00"/>
+                </a:highlight>
+              </a:rPr>
+              <a:t>d’une </a:t>
+            </a:r>
+            <a:r>
+              <a:rPr lang="en" dirty="0" smtClean="0">
+                <a:highlight>
+                  <a:srgbClr val="FFCD00"/>
+                </a:highlight>
+              </a:rPr>
+              <a:t>clé de validation</a:t>
             </a:r>
             <a:endParaRPr lang="en" dirty="0"/>
           </a:p>
         </p:txBody>
       </p:sp>
+      <p:pic>
+        <p:nvPicPr>
+          <p:cNvPr id="17" name="Picture 2" descr="C:\Users\NAEFV_INFO\Desktop\PrésentationTPI\TPI\Présentation\Shémas\ShemaCryptageEmbrouille0.png"/>
+          <p:cNvPicPr>
+            <a:picLocks noChangeAspect="1" noChangeArrowheads="1"/>
+          </p:cNvPicPr>
+          <p:nvPr/>
+        </p:nvPicPr>
+        <p:blipFill>
+          <a:blip r:embed="rId2">
+            <a:extLst>
+              <a:ext uri="{28A0092B-C50C-407E-A947-70E740481C1C}">
+                <a14:useLocalDpi xmlns:a14="http://schemas.microsoft.com/office/drawing/2010/main" val="0"/>
+              </a:ext>
+            </a:extLst>
+          </a:blip>
+          <a:srcRect/>
+          <a:stretch>
+            <a:fillRect/>
+          </a:stretch>
+        </p:blipFill>
+        <p:spPr bwMode="auto">
+          <a:xfrm>
+            <a:off x="3799284" y="2014488"/>
+            <a:ext cx="4229100" cy="2628900"/>
+          </a:xfrm>
+          <a:prstGeom prst="rect">
+            <a:avLst/>
+          </a:prstGeom>
+          <a:noFill/>
+          <a:extLst>
+            <a:ext uri="{909E8E84-426E-40DD-AFC4-6F175D3DCCD1}">
+              <a14:hiddenFill xmlns:a14="http://schemas.microsoft.com/office/drawing/2010/main">
+                <a:solidFill>
+                  <a:srgbClr val="FFFFFF"/>
+                </a:solidFill>
+              </a14:hiddenFill>
+            </a:ext>
+          </a:extLst>
+        </p:spPr>
+      </p:pic>
     </p:spTree>
     <p:extLst>
       <p:ext uri="{BB962C8B-B14F-4D97-AF65-F5344CB8AC3E}">
-        <p14:creationId xmlns:p14="http://schemas.microsoft.com/office/powerpoint/2010/main" val="311183300"/>
+        <p14:creationId xmlns:p14="http://schemas.microsoft.com/office/powerpoint/2010/main" val="3532440939"/>
       </p:ext>
     </p:extLst>
   </p:cSld>
@@ -23466,60 +21404,6 @@
           </a:p>
         </p:txBody>
       </p:sp>
-      <p:pic>
-        <p:nvPicPr>
-          <p:cNvPr id="8" name="Picture 2"/>
-          <p:cNvPicPr>
-            <a:picLocks noChangeAspect="1" noChangeArrowheads="1"/>
-          </p:cNvPicPr>
-          <p:nvPr/>
-        </p:nvPicPr>
-        <p:blipFill>
-          <a:blip r:embed="rId2">
-            <a:extLst>
-              <a:ext uri="{28A0092B-C50C-407E-A947-70E740481C1C}">
-                <a14:useLocalDpi xmlns:a14="http://schemas.microsoft.com/office/drawing/2010/main" val="0"/>
-              </a:ext>
-            </a:extLst>
-          </a:blip>
-          <a:srcRect/>
-          <a:stretch>
-            <a:fillRect/>
-          </a:stretch>
-        </p:blipFill>
-        <p:spPr bwMode="auto">
-          <a:xfrm>
-            <a:off x="1763688" y="2668929"/>
-            <a:ext cx="5616624" cy="1054949"/>
-          </a:xfrm>
-          <a:prstGeom prst="rect">
-            <a:avLst/>
-          </a:prstGeom>
-          <a:ln w="38100" cap="sq">
-            <a:solidFill>
-              <a:srgbClr val="000000"/>
-            </a:solidFill>
-            <a:prstDash val="solid"/>
-            <a:miter lim="800000"/>
-          </a:ln>
-          <a:effectLst>
-            <a:outerShdw blurRad="50800" dist="38100" dir="2700000" algn="tl" rotWithShape="0">
-              <a:srgbClr val="000000">
-                <a:alpha val="43000"/>
-              </a:srgbClr>
-            </a:outerShdw>
-          </a:effectLst>
-          <a:extLst>
-            <a:ext uri="{909E8E84-426E-40DD-AFC4-6F175D3DCCD1}">
-              <a14:hiddenFill xmlns:a14="http://schemas.microsoft.com/office/drawing/2010/main">
-                <a:solidFill>
-                  <a:schemeClr val="accent1"/>
-                </a:solidFill>
-              </a14:hiddenFill>
-            </a:ext>
-          </a:extLst>
-        </p:spPr>
-      </p:pic>
       <p:grpSp>
         <p:nvGrpSpPr>
           <p:cNvPr id="9" name="Shape 144"/>
@@ -24091,7 +21975,7 @@
         <p:spPr>
           <a:xfrm>
             <a:off x="899592" y="1347614"/>
-            <a:ext cx="7416824" cy="720080"/>
+            <a:ext cx="7416824" cy="504056"/>
           </a:xfrm>
           <a:prstGeom prst="rect">
             <a:avLst/>
@@ -24107,94 +21991,49 @@
               <a:buNone/>
             </a:pPr>
             <a:r>
-              <a:rPr lang="fr-CH" dirty="0">
+              <a:rPr lang="fr-CH" dirty="0" smtClean="0">
                 <a:latin typeface="Arial"/>
               </a:rPr>
-              <a:t>É</a:t>
-            </a:r>
-            <a:r>
-              <a:rPr lang="en" dirty="0">
-                <a:latin typeface="Arial"/>
-              </a:rPr>
-              <a:t>vénement </a:t>
+              <a:t>Méthode</a:t>
             </a:r>
             <a:r>
               <a:rPr lang="en" dirty="0" smtClean="0">
                 <a:latin typeface="Arial"/>
               </a:rPr>
-              <a:t>“rbxCopieTexte</a:t>
+              <a:t> “CryptageTravail()</a:t>
             </a:r>
             <a:r>
               <a:rPr lang="en" dirty="0" smtClean="0">
                 <a:latin typeface="Arial"/>
                 <a:ea typeface="NSimSun" panose="02010609030101010101" pitchFamily="49" charset="-122"/>
               </a:rPr>
-              <a:t>_KeyPress”</a:t>
+              <a:t>”</a:t>
             </a:r>
+            <a:endParaRPr lang="en" dirty="0">
+              <a:latin typeface="Arial"/>
+              <a:ea typeface="NSimSun" panose="02010609030101010101" pitchFamily="49" charset="-122"/>
+            </a:endParaRPr>
           </a:p>
           <a:p>
             <a:pPr lvl="0" algn="ctr">
               <a:buNone/>
             </a:pPr>
-            <a:endParaRPr lang="en" sz="1800" dirty="0" smtClean="0">
-              <a:latin typeface="Arial"/>
-              <a:cs typeface="Arial"/>
-            </a:endParaRPr>
-          </a:p>
-          <a:p>
-            <a:pPr>
-              <a:buNone/>
-            </a:pPr>
             <a:r>
-              <a:rPr lang="en" sz="1800" dirty="0">
-                <a:latin typeface="+mn-lt"/>
+              <a:rPr lang="fr-CH" dirty="0" smtClean="0">
+                <a:latin typeface="Arial"/>
               </a:rPr>
-              <a:t>Si le travail </a:t>
-            </a:r>
-            <a:r>
-              <a:rPr lang="en" sz="1800" b="1" dirty="0">
-                <a:latin typeface="+mn-lt"/>
-              </a:rPr>
-              <a:t>n’est pas terminé </a:t>
-            </a:r>
-          </a:p>
-          <a:p>
-            <a:pPr>
-              <a:buNone/>
-            </a:pPr>
-            <a:r>
-              <a:rPr lang="fr-CH" sz="1800" b="1" dirty="0">
-                <a:latin typeface="+mn-lt"/>
-              </a:rPr>
-              <a:t>E</a:t>
-            </a:r>
-            <a:r>
-              <a:rPr lang="en" sz="1800" b="1" dirty="0">
-                <a:latin typeface="+mn-lt"/>
-              </a:rPr>
-              <a:t>T </a:t>
-            </a:r>
-            <a:r>
-              <a:rPr lang="en" sz="1800" dirty="0">
-                <a:latin typeface="+mn-lt"/>
-              </a:rPr>
-              <a:t>que le caractère tapé </a:t>
-            </a:r>
-            <a:r>
-              <a:rPr lang="en" sz="1800" b="1" dirty="0">
-                <a:latin typeface="+mn-lt"/>
-              </a:rPr>
-              <a:t>est le bon </a:t>
+              <a:t> </a:t>
             </a:r>
             <a:endParaRPr lang="en" dirty="0" smtClean="0">
-              <a:latin typeface="+mn-lt"/>
+              <a:latin typeface="Arial"/>
+              <a:ea typeface="NSimSun" panose="02010609030101010101" pitchFamily="49" charset="-122"/>
             </a:endParaRPr>
           </a:p>
         </p:txBody>
       </p:sp>
       <p:sp>
         <p:nvSpPr>
-          <p:cNvPr id="17" name="Shape 142"/>
+          <p:cNvPr id="14" name="Shape 142"/>
           <p:cNvSpPr txBox="1">
             <a:spLocks noGrp="1"/>
           </p:cNvSpPr>
@@ -24232,16 +22071,73 @@
                   <a:srgbClr val="FFCD00"/>
                 </a:highlight>
               </a:rPr>
-              <a:t>L’utilisateur recopie le texte</a:t>
+              <a:t>Création </a:t>
+            </a:r>
+            <a:r>
+              <a:rPr lang="en" dirty="0" smtClean="0">
+                <a:highlight>
+                  <a:srgbClr val="FFCD00"/>
+                </a:highlight>
+              </a:rPr>
+              <a:t>d’une </a:t>
+            </a:r>
+            <a:r>
+              <a:rPr lang="en" dirty="0" smtClean="0">
+                <a:highlight>
+                  <a:srgbClr val="FFCD00"/>
+                </a:highlight>
+              </a:rPr>
+              <a:t>clé de validation</a:t>
             </a:r>
             <a:endParaRPr lang="en" dirty="0"/>
           </a:p>
         </p:txBody>
       </p:sp>
+      <p:pic>
+        <p:nvPicPr>
+          <p:cNvPr id="3074" name="Picture 2" descr="C:\Users\NAEFV_INFO\Desktop\PrésentationTPI\TPI\Présentation\Shémas\ShemaCryptageEmbrouille1.png"/>
+          <p:cNvPicPr>
+            <a:picLocks noChangeAspect="1" noChangeArrowheads="1"/>
+          </p:cNvPicPr>
+          <p:nvPr/>
+        </p:nvPicPr>
+        <p:blipFill>
+          <a:blip r:embed="rId2">
+            <a:extLst>
+              <a:ext uri="{28A0092B-C50C-407E-A947-70E740481C1C}">
+                <a14:useLocalDpi xmlns:a14="http://schemas.microsoft.com/office/drawing/2010/main" val="0"/>
+              </a:ext>
+            </a:extLst>
+          </a:blip>
+          <a:srcRect/>
+          <a:stretch>
+            <a:fillRect/>
+          </a:stretch>
+        </p:blipFill>
+        <p:spPr bwMode="auto">
+          <a:xfrm>
+            <a:off x="1160859" y="2014488"/>
+            <a:ext cx="6867525" cy="2628900"/>
+          </a:xfrm>
+          <a:prstGeom prst="rect">
+            <a:avLst/>
+          </a:prstGeom>
+          <a:noFill/>
+          <a:extLst>
+            <a:ext uri="{909E8E84-426E-40DD-AFC4-6F175D3DCCD1}">
+              <a14:hiddenFill xmlns:a14="http://schemas.microsoft.com/office/drawing/2010/main">
+                <a:solidFill>
+                  <a:srgbClr val="FFFFFF"/>
+                </a:solidFill>
+              </a14:hiddenFill>
+            </a:ext>
+          </a:extLst>
+        </p:spPr>
+      </p:pic>
     </p:spTree>
     <p:extLst>
       <p:ext uri="{BB962C8B-B14F-4D97-AF65-F5344CB8AC3E}">
-        <p14:creationId xmlns:p14="http://schemas.microsoft.com/office/powerpoint/2010/main" val="2106668308"/>
+        <p14:creationId xmlns:p14="http://schemas.microsoft.com/office/powerpoint/2010/main" val="1350912476"/>
       </p:ext>
     </p:extLst>
   </p:cSld>
@@ -24429,7 +22325,13 @@
               <a:rPr lang="en" sz="1800" b="1" dirty="0" smtClean="0">
                 <a:latin typeface="+mn-lt"/>
               </a:rPr>
-              <a:t>Donnée par : </a:t>
+              <a:t>Donné </a:t>
+            </a:r>
+            <a:r>
+              <a:rPr lang="en" sz="1800" b="1" dirty="0" smtClean="0">
+                <a:latin typeface="+mn-lt"/>
+              </a:rPr>
+              <a:t>par : </a:t>
             </a:r>
             <a:r>
               <a:rPr lang="en" sz="1800" dirty="0" smtClean="0">
@@ -26199,47 +24101,6 @@
           </a:p>
         </p:txBody>
       </p:sp>
-      <p:pic>
-        <p:nvPicPr>
-          <p:cNvPr id="3075" name="Picture 3" descr="E:\Downloads\ShemaCryptageEmbrouille.png"/>
-          <p:cNvPicPr>
-            <a:picLocks noChangeAspect="1" noChangeArrowheads="1"/>
-          </p:cNvPicPr>
-          <p:nvPr/>
-        </p:nvPicPr>
-        <p:blipFill>
-          <a:blip r:embed="rId2">
-            <a:extLst>
-              <a:ext uri="{28A0092B-C50C-407E-A947-70E740481C1C}">
-                <a14:useLocalDpi xmlns:a14="http://schemas.microsoft.com/office/drawing/2010/main" val="0"/>
-              </a:ext>
-            </a:extLst>
-          </a:blip>
-          <a:srcRect/>
-          <a:stretch>
-            <a:fillRect/>
-          </a:stretch>
-        </p:blipFill>
-        <p:spPr bwMode="auto">
-          <a:xfrm>
-            <a:off x="900851" y="1633023"/>
-            <a:ext cx="7153275" cy="2914650"/>
-          </a:xfrm>
-          <a:prstGeom prst="rect">
-            <a:avLst/>
-          </a:prstGeom>
-          <a:noFill/>
-          <a:extLst>
-            <a:ext uri="{909E8E84-426E-40DD-AFC4-6F175D3DCCD1}">
-              <a14:hiddenFill xmlns:a14="http://schemas.microsoft.com/office/drawing/2010/main">
-                <a:solidFill>
-                  <a:srgbClr val="FFFFFF"/>
-                </a:solidFill>
-              </a14:hiddenFill>
-            </a:ext>
-          </a:extLst>
-        </p:spPr>
-      </p:pic>
       <p:sp>
         <p:nvSpPr>
           <p:cNvPr id="14" name="Shape 142"/>
@@ -26280,60 +24141,73 @@
                   <a:srgbClr val="FFCD00"/>
                 </a:highlight>
               </a:rPr>
-              <a:t>Création d’un clé de validation</a:t>
+              <a:t>Création </a:t>
+            </a:r>
+            <a:r>
+              <a:rPr lang="en" dirty="0" smtClean="0">
+                <a:highlight>
+                  <a:srgbClr val="FFCD00"/>
+                </a:highlight>
+              </a:rPr>
+              <a:t>d’une </a:t>
+            </a:r>
+            <a:r>
+              <a:rPr lang="en" dirty="0" smtClean="0">
+                <a:highlight>
+                  <a:srgbClr val="FFCD00"/>
+                </a:highlight>
+              </a:rPr>
+              <a:t>clé de validation</a:t>
             </a:r>
             <a:endParaRPr lang="en" dirty="0"/>
           </a:p>
         </p:txBody>
       </p:sp>
-      <p:sp>
-        <p:nvSpPr>
-          <p:cNvPr id="2" name="Rectangle 1"/>
-          <p:cNvSpPr/>
+      <p:pic>
+        <p:nvPicPr>
+          <p:cNvPr id="4098" name="Picture 2" descr="C:\Users\NAEFV_INFO\Desktop\PrésentationTPI\TPI\Présentation\Shémas\ShemaCryptageEmbrouille2.png"/>
+          <p:cNvPicPr>
+            <a:picLocks noChangeAspect="1" noChangeArrowheads="1"/>
+          </p:cNvPicPr>
           <p:nvPr/>
-        </p:nvSpPr>
-        <p:spPr>
+        </p:nvPicPr>
+        <p:blipFill>
+          <a:blip r:embed="rId2">
+            <a:extLst>
+              <a:ext uri="{28A0092B-C50C-407E-A947-70E740481C1C}">
+                <a14:useLocalDpi xmlns:a14="http://schemas.microsoft.com/office/drawing/2010/main" val="0"/>
+              </a:ext>
+            </a:extLst>
+          </a:blip>
+          <a:srcRect/>
+          <a:stretch>
+            <a:fillRect/>
+          </a:stretch>
+        </p:blipFill>
+        <p:spPr bwMode="auto">
           <a:xfrm>
-            <a:off x="5724128" y="4011910"/>
-            <a:ext cx="1944216" cy="360040"/>
+            <a:off x="1160859" y="2013128"/>
+            <a:ext cx="6867525" cy="2628900"/>
           </a:xfrm>
           <a:prstGeom prst="rect">
             <a:avLst/>
           </a:prstGeom>
           <a:noFill/>
-          <a:ln>
-            <a:solidFill>
-              <a:srgbClr val="FF0000"/>
-            </a:solidFill>
-          </a:ln>
+          <a:extLst>
+            <a:ext uri="{909E8E84-426E-40DD-AFC4-6F175D3DCCD1}">
+              <a14:hiddenFill xmlns:a14="http://schemas.microsoft.com/office/drawing/2010/main">
+                <a:solidFill>
+                  <a:srgbClr val="FFFFFF"/>
+                </a:solidFill>
+              </a14:hiddenFill>
+            </a:ext>
+          </a:extLst>
         </p:spPr>
-        <p:style>
-          <a:lnRef idx="2">
-            <a:schemeClr val="accent6"/>
-          </a:lnRef>
-          <a:fillRef idx="1">
-            <a:schemeClr val="lt1"/>
-          </a:fillRef>
-          <a:effectRef idx="0">
-            <a:schemeClr val="accent6"/>
-          </a:effectRef>
-          <a:fontRef idx="minor">
-            <a:schemeClr val="dk1"/>
-          </a:fontRef>
-        </p:style>
-        <p:txBody>
-          <a:bodyPr rtlCol="0" anchor="ctr"/>
-          <a:lstStyle/>
-          <a:p>
-            <a:pPr algn="ctr"/>
-            <a:endParaRPr lang="fr-CH"/>
-          </a:p>
-        </p:txBody>
-      </p:sp>
+      </p:pic>
     </p:spTree>
     <p:extLst>
       <p:ext uri="{BB962C8B-B14F-4D97-AF65-F5344CB8AC3E}">
-        <p14:creationId xmlns:p14="http://schemas.microsoft.com/office/powerpoint/2010/main" val="3532440939"/>
+        <p14:creationId xmlns:p14="http://schemas.microsoft.com/office/powerpoint/2010/main" val="1036745987"/>
       </p:ext>
     </p:extLst>
   </p:cSld>
@@ -26355,80 +24229,9 @@
   <p:timing>
     <p:tnLst>
       <p:par>
-        <p:cTn id="1" dur="indefinite" restart="never" nodeType="tmRoot">
-          <p:childTnLst>
-            <p:seq concurrent="1" nextAc="seek">
-              <p:cTn id="2" dur="indefinite" nodeType="mainSeq">
-                <p:childTnLst>
-                  <p:par>
-                    <p:cTn id="3" fill="hold">
-                      <p:stCondLst>
-                        <p:cond delay="indefinite"/>
-                      </p:stCondLst>
-                      <p:childTnLst>
-                        <p:par>
-                          <p:cTn id="4" fill="hold">
-                            <p:stCondLst>
-                              <p:cond delay="0"/>
-                            </p:stCondLst>
-                            <p:childTnLst>
-                              <p:par>
-                                <p:cTn id="5" presetID="1" presetClass="entr" presetSubtype="0" fill="hold" grpId="0" nodeType="clickEffect">
-                                  <p:stCondLst>
-                                    <p:cond delay="0"/>
-                                  </p:stCondLst>
-                                  <p:childTnLst>
-                                    <p:set>
-                                      <p:cBhvr>
-                                        <p:cTn id="6" dur="1" fill="hold">
-                                          <p:stCondLst>
-                                            <p:cond delay="0"/>
-                                          </p:stCondLst>
-                                        </p:cTn>
-                                        <p:tgtEl>
-                                          <p:spTgt spid="2"/>
-                                        </p:tgtEl>
-                                        <p:attrNameLst>
-                                          <p:attrName>style.visibility</p:attrName>
-                                        </p:attrNameLst>
-                                      </p:cBhvr>
-                                      <p:to>
-                                        <p:strVal val="visible"/>
-                                      </p:to>
-                                    </p:set>
-                                  </p:childTnLst>
-                                </p:cTn>
-                              </p:par>
-                            </p:childTnLst>
-                          </p:cTn>
-                        </p:par>
-                      </p:childTnLst>
-                    </p:cTn>
-                  </p:par>
-                </p:childTnLst>
-              </p:cTn>
-              <p:prevCondLst>
-                <p:cond evt="onPrev" delay="0">
-                  <p:tgtEl>
-                    <p:sldTgt/>
-                  </p:tgtEl>
-                </p:cond>
-              </p:prevCondLst>
-              <p:nextCondLst>
-                <p:cond evt="onNext" delay="0">
-                  <p:tgtEl>
-                    <p:sldTgt/>
-                  </p:tgtEl>
-                </p:cond>
-              </p:nextCondLst>
-            </p:seq>
-          </p:childTnLst>
-        </p:cTn>
+        <p:cTn id="1" dur="indefinite" restart="never" nodeType="tmRoot"/>
       </p:par>
     </p:tnLst>
-    <p:bldLst>
-      <p:bldP spid="2" grpId="0" animBg="1"/>
-    </p:bldLst>
   </p:timing>
 </p:sld>
 </file>
@@ -27145,7 +24948,23 @@
                   <a:srgbClr val="FFCD00"/>
                 </a:highlight>
               </a:rPr>
-              <a:t>Création d’un clé de validation</a:t>
+              <a:t>Création </a:t>
+            </a:r>
+            <a:r>
+              <a:rPr lang="en" dirty="0" smtClean="0">
+                <a:highlight>
+                  <a:srgbClr val="FFCD00"/>
+                </a:highlight>
+              </a:rPr>
+              <a:t>d’une </a:t>
+            </a:r>
+            <a:r>
+              <a:rPr lang="en" dirty="0" smtClean="0">
+                <a:highlight>
+                  <a:srgbClr val="FFCD00"/>
+                </a:highlight>
+              </a:rPr>
+              <a:t>clé de validation</a:t>
             </a:r>
             <a:endParaRPr lang="en" dirty="0"/>
           </a:p>
@@ -29159,2108 +26978,6 @@
           </a:p>
         </p:txBody>
       </p:sp>
-      <p:sp>
-        <p:nvSpPr>
-          <p:cNvPr id="14" name="Flowchart: Process 13"/>
-          <p:cNvSpPr/>
-          <p:nvPr/>
-        </p:nvSpPr>
-        <p:spPr>
-          <a:xfrm>
-            <a:off x="3635896" y="1851671"/>
-            <a:ext cx="1008112" cy="1305252"/>
-          </a:xfrm>
-          <a:prstGeom prst="flowChartProcess">
-            <a:avLst/>
-          </a:prstGeom>
-        </p:spPr>
-        <p:style>
-          <a:lnRef idx="2">
-            <a:schemeClr val="dk1"/>
-          </a:lnRef>
-          <a:fillRef idx="1">
-            <a:schemeClr val="lt1"/>
-          </a:fillRef>
-          <a:effectRef idx="0">
-            <a:schemeClr val="dk1"/>
-          </a:effectRef>
-          <a:fontRef idx="minor">
-            <a:schemeClr val="dk1"/>
-          </a:fontRef>
-        </p:style>
-        <p:txBody>
-          <a:bodyPr rtlCol="0" anchor="ctr"/>
-          <a:lstStyle/>
-          <a:p>
-            <a:pPr algn="ctr"/>
-            <a:r>
-              <a:rPr lang="fr-CH" sz="1200" dirty="0" smtClean="0"/>
-              <a:t>Les clés de vérification et de validation  sont identiques ?</a:t>
-            </a:r>
-            <a:endParaRPr lang="fr-CH" sz="1200" dirty="0"/>
-          </a:p>
-        </p:txBody>
-      </p:sp>
-      <p:sp>
-        <p:nvSpPr>
-          <p:cNvPr id="16" name="Flowchart: Decision 15"/>
-          <p:cNvSpPr/>
-          <p:nvPr/>
-        </p:nvSpPr>
-        <p:spPr>
-          <a:xfrm>
-            <a:off x="1392617" y="3146742"/>
-            <a:ext cx="1682109" cy="1332042"/>
-          </a:xfrm>
-          <a:prstGeom prst="flowChartDecision">
-            <a:avLst/>
-          </a:prstGeom>
-        </p:spPr>
-        <p:style>
-          <a:lnRef idx="2">
-            <a:schemeClr val="dk1"/>
-          </a:lnRef>
-          <a:fillRef idx="1">
-            <a:schemeClr val="lt1"/>
-          </a:fillRef>
-          <a:effectRef idx="0">
-            <a:schemeClr val="dk1"/>
-          </a:effectRef>
-          <a:fontRef idx="minor">
-            <a:schemeClr val="dk1"/>
-          </a:fontRef>
-        </p:style>
-        <p:txBody>
-          <a:bodyPr rtlCol="0" anchor="ctr"/>
-          <a:lstStyle/>
-          <a:p>
-            <a:pPr lvl="0" algn="ctr"/>
-            <a:r>
-              <a:rPr lang="en" sz="1200" dirty="0" smtClean="0">
-                <a:ea typeface="Lora"/>
-                <a:cs typeface="Lora"/>
-                <a:sym typeface="Lora"/>
-              </a:rPr>
-              <a:t>Retourne “Vrai”</a:t>
-            </a:r>
-            <a:endParaRPr lang="en" sz="1200" dirty="0">
-              <a:ea typeface="Lora"/>
-              <a:cs typeface="Lora"/>
-              <a:sym typeface="Lora"/>
-            </a:endParaRPr>
-          </a:p>
-        </p:txBody>
-      </p:sp>
-      <p:sp>
-        <p:nvSpPr>
-          <p:cNvPr id="18" name="Shape 645"/>
-          <p:cNvSpPr/>
-          <p:nvPr/>
-        </p:nvSpPr>
-        <p:spPr>
-          <a:xfrm>
-            <a:off x="2862646" y="2461431"/>
-            <a:ext cx="212081" cy="216683"/>
-          </a:xfrm>
-          <a:custGeom>
-            <a:avLst/>
-            <a:gdLst/>
-            <a:ahLst/>
-            <a:cxnLst/>
-            <a:rect l="0" t="0" r="0" b="0"/>
-            <a:pathLst>
-              <a:path w="16221" h="16222" fill="none" extrusionOk="0">
-                <a:moveTo>
-                  <a:pt x="0" y="8111"/>
-                </a:moveTo>
-                <a:lnTo>
-                  <a:pt x="0" y="8111"/>
-                </a:lnTo>
-                <a:lnTo>
-                  <a:pt x="0" y="7697"/>
-                </a:lnTo>
-                <a:lnTo>
-                  <a:pt x="49" y="7283"/>
-                </a:lnTo>
-                <a:lnTo>
-                  <a:pt x="98" y="6869"/>
-                </a:lnTo>
-                <a:lnTo>
-                  <a:pt x="171" y="6479"/>
-                </a:lnTo>
-                <a:lnTo>
-                  <a:pt x="244" y="6090"/>
-                </a:lnTo>
-                <a:lnTo>
-                  <a:pt x="366" y="5700"/>
-                </a:lnTo>
-                <a:lnTo>
-                  <a:pt x="487" y="5335"/>
-                </a:lnTo>
-                <a:lnTo>
-                  <a:pt x="634" y="4945"/>
-                </a:lnTo>
-                <a:lnTo>
-                  <a:pt x="804" y="4604"/>
-                </a:lnTo>
-                <a:lnTo>
-                  <a:pt x="975" y="4239"/>
-                </a:lnTo>
-                <a:lnTo>
-                  <a:pt x="1169" y="3898"/>
-                </a:lnTo>
-                <a:lnTo>
-                  <a:pt x="1389" y="3581"/>
-                </a:lnTo>
-                <a:lnTo>
-                  <a:pt x="1608" y="3264"/>
-                </a:lnTo>
-                <a:lnTo>
-                  <a:pt x="1851" y="2948"/>
-                </a:lnTo>
-                <a:lnTo>
-                  <a:pt x="2119" y="2656"/>
-                </a:lnTo>
-                <a:lnTo>
-                  <a:pt x="2387" y="2388"/>
-                </a:lnTo>
-                <a:lnTo>
-                  <a:pt x="2655" y="2120"/>
-                </a:lnTo>
-                <a:lnTo>
-                  <a:pt x="2947" y="1852"/>
-                </a:lnTo>
-                <a:lnTo>
-                  <a:pt x="3264" y="1608"/>
-                </a:lnTo>
-                <a:lnTo>
-                  <a:pt x="3581" y="1389"/>
-                </a:lnTo>
-                <a:lnTo>
-                  <a:pt x="3897" y="1170"/>
-                </a:lnTo>
-                <a:lnTo>
-                  <a:pt x="4238" y="975"/>
-                </a:lnTo>
-                <a:lnTo>
-                  <a:pt x="4603" y="805"/>
-                </a:lnTo>
-                <a:lnTo>
-                  <a:pt x="4944" y="634"/>
-                </a:lnTo>
-                <a:lnTo>
-                  <a:pt x="5334" y="488"/>
-                </a:lnTo>
-                <a:lnTo>
-                  <a:pt x="5699" y="366"/>
-                </a:lnTo>
-                <a:lnTo>
-                  <a:pt x="6089" y="244"/>
-                </a:lnTo>
-                <a:lnTo>
-                  <a:pt x="6479" y="171"/>
-                </a:lnTo>
-                <a:lnTo>
-                  <a:pt x="6868" y="98"/>
-                </a:lnTo>
-                <a:lnTo>
-                  <a:pt x="7282" y="50"/>
-                </a:lnTo>
-                <a:lnTo>
-                  <a:pt x="7696" y="1"/>
-                </a:lnTo>
-                <a:lnTo>
-                  <a:pt x="8111" y="1"/>
-                </a:lnTo>
-                <a:lnTo>
-                  <a:pt x="8111" y="1"/>
-                </a:lnTo>
-                <a:lnTo>
-                  <a:pt x="8525" y="1"/>
-                </a:lnTo>
-                <a:lnTo>
-                  <a:pt x="8939" y="50"/>
-                </a:lnTo>
-                <a:lnTo>
-                  <a:pt x="9353" y="98"/>
-                </a:lnTo>
-                <a:lnTo>
-                  <a:pt x="9742" y="171"/>
-                </a:lnTo>
-                <a:lnTo>
-                  <a:pt x="10132" y="244"/>
-                </a:lnTo>
-                <a:lnTo>
-                  <a:pt x="10522" y="366"/>
-                </a:lnTo>
-                <a:lnTo>
-                  <a:pt x="10911" y="488"/>
-                </a:lnTo>
-                <a:lnTo>
-                  <a:pt x="11277" y="634"/>
-                </a:lnTo>
-                <a:lnTo>
-                  <a:pt x="11618" y="805"/>
-                </a:lnTo>
-                <a:lnTo>
-                  <a:pt x="11983" y="975"/>
-                </a:lnTo>
-                <a:lnTo>
-                  <a:pt x="12324" y="1170"/>
-                </a:lnTo>
-                <a:lnTo>
-                  <a:pt x="12641" y="1389"/>
-                </a:lnTo>
-                <a:lnTo>
-                  <a:pt x="12957" y="1608"/>
-                </a:lnTo>
-                <a:lnTo>
-                  <a:pt x="13274" y="1852"/>
-                </a:lnTo>
-                <a:lnTo>
-                  <a:pt x="13566" y="2120"/>
-                </a:lnTo>
-                <a:lnTo>
-                  <a:pt x="13834" y="2388"/>
-                </a:lnTo>
-                <a:lnTo>
-                  <a:pt x="14126" y="2656"/>
-                </a:lnTo>
-                <a:lnTo>
-                  <a:pt x="14370" y="2948"/>
-                </a:lnTo>
-                <a:lnTo>
-                  <a:pt x="14613" y="3264"/>
-                </a:lnTo>
-                <a:lnTo>
-                  <a:pt x="14832" y="3581"/>
-                </a:lnTo>
-                <a:lnTo>
-                  <a:pt x="15052" y="3898"/>
-                </a:lnTo>
-                <a:lnTo>
-                  <a:pt x="15247" y="4239"/>
-                </a:lnTo>
-                <a:lnTo>
-                  <a:pt x="15417" y="4604"/>
-                </a:lnTo>
-                <a:lnTo>
-                  <a:pt x="15587" y="4945"/>
-                </a:lnTo>
-                <a:lnTo>
-                  <a:pt x="15734" y="5335"/>
-                </a:lnTo>
-                <a:lnTo>
-                  <a:pt x="15855" y="5700"/>
-                </a:lnTo>
-                <a:lnTo>
-                  <a:pt x="15977" y="6090"/>
-                </a:lnTo>
-                <a:lnTo>
-                  <a:pt x="16050" y="6479"/>
-                </a:lnTo>
-                <a:lnTo>
-                  <a:pt x="16123" y="6869"/>
-                </a:lnTo>
-                <a:lnTo>
-                  <a:pt x="16172" y="7283"/>
-                </a:lnTo>
-                <a:lnTo>
-                  <a:pt x="16221" y="7697"/>
-                </a:lnTo>
-                <a:lnTo>
-                  <a:pt x="16221" y="8111"/>
-                </a:lnTo>
-                <a:lnTo>
-                  <a:pt x="16221" y="8111"/>
-                </a:lnTo>
-                <a:lnTo>
-                  <a:pt x="16221" y="8525"/>
-                </a:lnTo>
-                <a:lnTo>
-                  <a:pt x="16172" y="8939"/>
-                </a:lnTo>
-                <a:lnTo>
-                  <a:pt x="16123" y="9353"/>
-                </a:lnTo>
-                <a:lnTo>
-                  <a:pt x="16050" y="9743"/>
-                </a:lnTo>
-                <a:lnTo>
-                  <a:pt x="15977" y="10133"/>
-                </a:lnTo>
-                <a:lnTo>
-                  <a:pt x="15855" y="10522"/>
-                </a:lnTo>
-                <a:lnTo>
-                  <a:pt x="15734" y="10888"/>
-                </a:lnTo>
-                <a:lnTo>
-                  <a:pt x="15587" y="11277"/>
-                </a:lnTo>
-                <a:lnTo>
-                  <a:pt x="15417" y="11618"/>
-                </a:lnTo>
-                <a:lnTo>
-                  <a:pt x="15247" y="11984"/>
-                </a:lnTo>
-                <a:lnTo>
-                  <a:pt x="15052" y="12324"/>
-                </a:lnTo>
-                <a:lnTo>
-                  <a:pt x="14832" y="12641"/>
-                </a:lnTo>
-                <a:lnTo>
-                  <a:pt x="14613" y="12958"/>
-                </a:lnTo>
-                <a:lnTo>
-                  <a:pt x="14370" y="13274"/>
-                </a:lnTo>
-                <a:lnTo>
-                  <a:pt x="14126" y="13567"/>
-                </a:lnTo>
-                <a:lnTo>
-                  <a:pt x="13834" y="13835"/>
-                </a:lnTo>
-                <a:lnTo>
-                  <a:pt x="13566" y="14102"/>
-                </a:lnTo>
-                <a:lnTo>
-                  <a:pt x="13274" y="14370"/>
-                </a:lnTo>
-                <a:lnTo>
-                  <a:pt x="12957" y="14614"/>
-                </a:lnTo>
-                <a:lnTo>
-                  <a:pt x="12641" y="14833"/>
-                </a:lnTo>
-                <a:lnTo>
-                  <a:pt x="12324" y="15052"/>
-                </a:lnTo>
-                <a:lnTo>
-                  <a:pt x="11983" y="15247"/>
-                </a:lnTo>
-                <a:lnTo>
-                  <a:pt x="11618" y="15418"/>
-                </a:lnTo>
-                <a:lnTo>
-                  <a:pt x="11277" y="15588"/>
-                </a:lnTo>
-                <a:lnTo>
-                  <a:pt x="10911" y="15734"/>
-                </a:lnTo>
-                <a:lnTo>
-                  <a:pt x="10522" y="15856"/>
-                </a:lnTo>
-                <a:lnTo>
-                  <a:pt x="10132" y="15978"/>
-                </a:lnTo>
-                <a:lnTo>
-                  <a:pt x="9742" y="16051"/>
-                </a:lnTo>
-                <a:lnTo>
-                  <a:pt x="9353" y="16124"/>
-                </a:lnTo>
-                <a:lnTo>
-                  <a:pt x="8939" y="16173"/>
-                </a:lnTo>
-                <a:lnTo>
-                  <a:pt x="8525" y="16221"/>
-                </a:lnTo>
-                <a:lnTo>
-                  <a:pt x="8111" y="16221"/>
-                </a:lnTo>
-                <a:lnTo>
-                  <a:pt x="8111" y="16221"/>
-                </a:lnTo>
-                <a:lnTo>
-                  <a:pt x="7696" y="16221"/>
-                </a:lnTo>
-                <a:lnTo>
-                  <a:pt x="7282" y="16173"/>
-                </a:lnTo>
-                <a:lnTo>
-                  <a:pt x="6868" y="16124"/>
-                </a:lnTo>
-                <a:lnTo>
-                  <a:pt x="6479" y="16051"/>
-                </a:lnTo>
-                <a:lnTo>
-                  <a:pt x="6089" y="15978"/>
-                </a:lnTo>
-                <a:lnTo>
-                  <a:pt x="5699" y="15856"/>
-                </a:lnTo>
-                <a:lnTo>
-                  <a:pt x="5334" y="15734"/>
-                </a:lnTo>
-                <a:lnTo>
-                  <a:pt x="4944" y="15588"/>
-                </a:lnTo>
-                <a:lnTo>
-                  <a:pt x="4603" y="15418"/>
-                </a:lnTo>
-                <a:lnTo>
-                  <a:pt x="4238" y="15247"/>
-                </a:lnTo>
-                <a:lnTo>
-                  <a:pt x="3897" y="15052"/>
-                </a:lnTo>
-                <a:lnTo>
-                  <a:pt x="3581" y="14833"/>
-                </a:lnTo>
-                <a:lnTo>
-                  <a:pt x="3264" y="14614"/>
-                </a:lnTo>
-                <a:lnTo>
-                  <a:pt x="2947" y="14370"/>
-                </a:lnTo>
-                <a:lnTo>
-                  <a:pt x="2655" y="14102"/>
-                </a:lnTo>
-                <a:lnTo>
-                  <a:pt x="2387" y="13835"/>
-                </a:lnTo>
-                <a:lnTo>
-                  <a:pt x="2119" y="13567"/>
-                </a:lnTo>
-                <a:lnTo>
-                  <a:pt x="1851" y="13274"/>
-                </a:lnTo>
-                <a:lnTo>
-                  <a:pt x="1608" y="12958"/>
-                </a:lnTo>
-                <a:lnTo>
-                  <a:pt x="1389" y="12641"/>
-                </a:lnTo>
-                <a:lnTo>
-                  <a:pt x="1169" y="12324"/>
-                </a:lnTo>
-                <a:lnTo>
-                  <a:pt x="975" y="11984"/>
-                </a:lnTo>
-                <a:lnTo>
-                  <a:pt x="804" y="11618"/>
-                </a:lnTo>
-                <a:lnTo>
-                  <a:pt x="634" y="11277"/>
-                </a:lnTo>
-                <a:lnTo>
-                  <a:pt x="487" y="10888"/>
-                </a:lnTo>
-                <a:lnTo>
-                  <a:pt x="366" y="10522"/>
-                </a:lnTo>
-                <a:lnTo>
-                  <a:pt x="244" y="10133"/>
-                </a:lnTo>
-                <a:lnTo>
-                  <a:pt x="171" y="9743"/>
-                </a:lnTo>
-                <a:lnTo>
-                  <a:pt x="98" y="9353"/>
-                </a:lnTo>
-                <a:lnTo>
-                  <a:pt x="49" y="8939"/>
-                </a:lnTo>
-                <a:lnTo>
-                  <a:pt x="0" y="8525"/>
-                </a:lnTo>
-                <a:lnTo>
-                  <a:pt x="0" y="8111"/>
-                </a:lnTo>
-                <a:lnTo>
-                  <a:pt x="0" y="8111"/>
-                </a:lnTo>
-                <a:close/>
-                <a:moveTo>
-                  <a:pt x="7234" y="11180"/>
-                </a:moveTo>
-                <a:lnTo>
-                  <a:pt x="7234" y="11180"/>
-                </a:lnTo>
-                <a:lnTo>
-                  <a:pt x="7282" y="11180"/>
-                </a:lnTo>
-                <a:lnTo>
-                  <a:pt x="7282" y="11180"/>
-                </a:lnTo>
-                <a:lnTo>
-                  <a:pt x="7453" y="11155"/>
-                </a:lnTo>
-                <a:lnTo>
-                  <a:pt x="7623" y="11082"/>
-                </a:lnTo>
-                <a:lnTo>
-                  <a:pt x="7794" y="10985"/>
-                </a:lnTo>
-                <a:lnTo>
-                  <a:pt x="7916" y="10863"/>
-                </a:lnTo>
-                <a:lnTo>
-                  <a:pt x="12007" y="6747"/>
-                </a:lnTo>
-                <a:lnTo>
-                  <a:pt x="12007" y="6747"/>
-                </a:lnTo>
-                <a:lnTo>
-                  <a:pt x="12105" y="6625"/>
-                </a:lnTo>
-                <a:lnTo>
-                  <a:pt x="12153" y="6504"/>
-                </a:lnTo>
-                <a:lnTo>
-                  <a:pt x="12202" y="6358"/>
-                </a:lnTo>
-                <a:lnTo>
-                  <a:pt x="12202" y="6211"/>
-                </a:lnTo>
-                <a:lnTo>
-                  <a:pt x="12202" y="6211"/>
-                </a:lnTo>
-                <a:lnTo>
-                  <a:pt x="12178" y="6017"/>
-                </a:lnTo>
-                <a:lnTo>
-                  <a:pt x="12129" y="5822"/>
-                </a:lnTo>
-                <a:lnTo>
-                  <a:pt x="12032" y="5676"/>
-                </a:lnTo>
-                <a:lnTo>
-                  <a:pt x="11886" y="5529"/>
-                </a:lnTo>
-                <a:lnTo>
-                  <a:pt x="11886" y="5529"/>
-                </a:lnTo>
-                <a:lnTo>
-                  <a:pt x="11764" y="5432"/>
-                </a:lnTo>
-                <a:lnTo>
-                  <a:pt x="11618" y="5383"/>
-                </a:lnTo>
-                <a:lnTo>
-                  <a:pt x="11472" y="5335"/>
-                </a:lnTo>
-                <a:lnTo>
-                  <a:pt x="11325" y="5335"/>
-                </a:lnTo>
-                <a:lnTo>
-                  <a:pt x="11325" y="5335"/>
-                </a:lnTo>
-                <a:lnTo>
-                  <a:pt x="11131" y="5359"/>
-                </a:lnTo>
-                <a:lnTo>
-                  <a:pt x="10960" y="5408"/>
-                </a:lnTo>
-                <a:lnTo>
-                  <a:pt x="10790" y="5505"/>
-                </a:lnTo>
-                <a:lnTo>
-                  <a:pt x="10643" y="5651"/>
-                </a:lnTo>
-                <a:lnTo>
-                  <a:pt x="7161" y="8988"/>
-                </a:lnTo>
-                <a:lnTo>
-                  <a:pt x="5797" y="7648"/>
-                </a:lnTo>
-                <a:lnTo>
-                  <a:pt x="5797" y="7648"/>
-                </a:lnTo>
-                <a:lnTo>
-                  <a:pt x="5675" y="7527"/>
-                </a:lnTo>
-                <a:lnTo>
-                  <a:pt x="5505" y="7454"/>
-                </a:lnTo>
-                <a:lnTo>
-                  <a:pt x="5358" y="7405"/>
-                </a:lnTo>
-                <a:lnTo>
-                  <a:pt x="5188" y="7380"/>
-                </a:lnTo>
-                <a:lnTo>
-                  <a:pt x="5188" y="7380"/>
-                </a:lnTo>
-                <a:lnTo>
-                  <a:pt x="5017" y="7405"/>
-                </a:lnTo>
-                <a:lnTo>
-                  <a:pt x="4847" y="7454"/>
-                </a:lnTo>
-                <a:lnTo>
-                  <a:pt x="4701" y="7527"/>
-                </a:lnTo>
-                <a:lnTo>
-                  <a:pt x="4555" y="7648"/>
-                </a:lnTo>
-                <a:lnTo>
-                  <a:pt x="4555" y="7648"/>
-                </a:lnTo>
-                <a:lnTo>
-                  <a:pt x="4457" y="7770"/>
-                </a:lnTo>
-                <a:lnTo>
-                  <a:pt x="4360" y="7916"/>
-                </a:lnTo>
-                <a:lnTo>
-                  <a:pt x="4311" y="8087"/>
-                </a:lnTo>
-                <a:lnTo>
-                  <a:pt x="4311" y="8257"/>
-                </a:lnTo>
-                <a:lnTo>
-                  <a:pt x="4311" y="8257"/>
-                </a:lnTo>
-                <a:lnTo>
-                  <a:pt x="4311" y="8428"/>
-                </a:lnTo>
-                <a:lnTo>
-                  <a:pt x="4360" y="8598"/>
-                </a:lnTo>
-                <a:lnTo>
-                  <a:pt x="4457" y="8744"/>
-                </a:lnTo>
-                <a:lnTo>
-                  <a:pt x="4555" y="8890"/>
-                </a:lnTo>
-                <a:lnTo>
-                  <a:pt x="6601" y="10936"/>
-                </a:lnTo>
-                <a:lnTo>
-                  <a:pt x="6601" y="10936"/>
-                </a:lnTo>
-                <a:lnTo>
-                  <a:pt x="6747" y="11034"/>
-                </a:lnTo>
-                <a:lnTo>
-                  <a:pt x="6893" y="11131"/>
-                </a:lnTo>
-                <a:lnTo>
-                  <a:pt x="7063" y="11180"/>
-                </a:lnTo>
-                <a:lnTo>
-                  <a:pt x="7234" y="11180"/>
-                </a:lnTo>
-                <a:lnTo>
-                  <a:pt x="7234" y="11180"/>
-                </a:lnTo>
-                <a:close/>
-              </a:path>
-            </a:pathLst>
-          </a:custGeom>
-          <a:ln>
-            <a:headEnd type="none" w="med" len="med"/>
-            <a:tailEnd type="none" w="med" len="med"/>
-          </a:ln>
-        </p:spPr>
-        <p:style>
-          <a:lnRef idx="2">
-            <a:schemeClr val="accent3"/>
-          </a:lnRef>
-          <a:fillRef idx="1">
-            <a:schemeClr val="lt1"/>
-          </a:fillRef>
-          <a:effectRef idx="0">
-            <a:schemeClr val="accent3"/>
-          </a:effectRef>
-          <a:fontRef idx="minor">
-            <a:schemeClr val="dk1"/>
-          </a:fontRef>
-        </p:style>
-        <p:txBody>
-          <a:bodyPr lIns="91425" tIns="91425" rIns="91425" bIns="91425" anchor="ctr" anchorCtr="0">
-            <a:noAutofit/>
-          </a:bodyPr>
-          <a:lstStyle/>
-          <a:p>
-            <a:pPr lvl="0">
-              <a:spcBef>
-                <a:spcPts val="0"/>
-              </a:spcBef>
-              <a:buNone/>
-            </a:pPr>
-            <a:endParaRPr/>
-          </a:p>
-        </p:txBody>
-      </p:sp>
-      <p:cxnSp>
-        <p:nvCxnSpPr>
-          <p:cNvPr id="19" name="Straight Connector 18"/>
-          <p:cNvCxnSpPr>
-            <a:stCxn id="14" idx="1"/>
-            <a:endCxn id="16" idx="0"/>
-          </p:cNvCxnSpPr>
-          <p:nvPr/>
-        </p:nvCxnSpPr>
-        <p:spPr>
-          <a:xfrm flipH="1">
-            <a:off x="2233672" y="2504297"/>
-            <a:ext cx="1402224" cy="642445"/>
-          </a:xfrm>
-          <a:prstGeom prst="line">
-            <a:avLst/>
-          </a:prstGeom>
-        </p:spPr>
-        <p:style>
-          <a:lnRef idx="1">
-            <a:schemeClr val="dk1"/>
-          </a:lnRef>
-          <a:fillRef idx="0">
-            <a:schemeClr val="dk1"/>
-          </a:fillRef>
-          <a:effectRef idx="0">
-            <a:schemeClr val="dk1"/>
-          </a:effectRef>
-          <a:fontRef idx="minor">
-            <a:schemeClr val="tx1"/>
-          </a:fontRef>
-        </p:style>
-      </p:cxnSp>
-      <p:sp>
-        <p:nvSpPr>
-          <p:cNvPr id="21" name="Shape 647"/>
-          <p:cNvSpPr/>
-          <p:nvPr/>
-        </p:nvSpPr>
-        <p:spPr>
-          <a:xfrm>
-            <a:off x="5259327" y="2570102"/>
-            <a:ext cx="212081" cy="216024"/>
-          </a:xfrm>
-          <a:custGeom>
-            <a:avLst/>
-            <a:gdLst/>
-            <a:ahLst/>
-            <a:cxnLst/>
-            <a:rect l="0" t="0" r="0" b="0"/>
-            <a:pathLst>
-              <a:path w="16367" h="16368" fill="none" extrusionOk="0">
-                <a:moveTo>
-                  <a:pt x="16074" y="4385"/>
-                </a:moveTo>
-                <a:lnTo>
-                  <a:pt x="11983" y="293"/>
-                </a:lnTo>
-                <a:lnTo>
-                  <a:pt x="11983" y="293"/>
-                </a:lnTo>
-                <a:lnTo>
-                  <a:pt x="11812" y="171"/>
-                </a:lnTo>
-                <a:lnTo>
-                  <a:pt x="11642" y="74"/>
-                </a:lnTo>
-                <a:lnTo>
-                  <a:pt x="11447" y="25"/>
-                </a:lnTo>
-                <a:lnTo>
-                  <a:pt x="11252" y="1"/>
-                </a:lnTo>
-                <a:lnTo>
-                  <a:pt x="5115" y="1"/>
-                </a:lnTo>
-                <a:lnTo>
-                  <a:pt x="5115" y="1"/>
-                </a:lnTo>
-                <a:lnTo>
-                  <a:pt x="4920" y="25"/>
-                </a:lnTo>
-                <a:lnTo>
-                  <a:pt x="4725" y="74"/>
-                </a:lnTo>
-                <a:lnTo>
-                  <a:pt x="4554" y="171"/>
-                </a:lnTo>
-                <a:lnTo>
-                  <a:pt x="4384" y="293"/>
-                </a:lnTo>
-                <a:lnTo>
-                  <a:pt x="292" y="4385"/>
-                </a:lnTo>
-                <a:lnTo>
-                  <a:pt x="292" y="4385"/>
-                </a:lnTo>
-                <a:lnTo>
-                  <a:pt x="171" y="4555"/>
-                </a:lnTo>
-                <a:lnTo>
-                  <a:pt x="73" y="4726"/>
-                </a:lnTo>
-                <a:lnTo>
-                  <a:pt x="24" y="4921"/>
-                </a:lnTo>
-                <a:lnTo>
-                  <a:pt x="0" y="5115"/>
-                </a:lnTo>
-                <a:lnTo>
-                  <a:pt x="0" y="11253"/>
-                </a:lnTo>
-                <a:lnTo>
-                  <a:pt x="0" y="11253"/>
-                </a:lnTo>
-                <a:lnTo>
-                  <a:pt x="24" y="11448"/>
-                </a:lnTo>
-                <a:lnTo>
-                  <a:pt x="73" y="11642"/>
-                </a:lnTo>
-                <a:lnTo>
-                  <a:pt x="171" y="11813"/>
-                </a:lnTo>
-                <a:lnTo>
-                  <a:pt x="292" y="11983"/>
-                </a:lnTo>
-                <a:lnTo>
-                  <a:pt x="4384" y="16075"/>
-                </a:lnTo>
-                <a:lnTo>
-                  <a:pt x="4384" y="16075"/>
-                </a:lnTo>
-                <a:lnTo>
-                  <a:pt x="4554" y="16197"/>
-                </a:lnTo>
-                <a:lnTo>
-                  <a:pt x="4725" y="16294"/>
-                </a:lnTo>
-                <a:lnTo>
-                  <a:pt x="4920" y="16343"/>
-                </a:lnTo>
-                <a:lnTo>
-                  <a:pt x="5115" y="16367"/>
-                </a:lnTo>
-                <a:lnTo>
-                  <a:pt x="11252" y="16367"/>
-                </a:lnTo>
-                <a:lnTo>
-                  <a:pt x="11252" y="16367"/>
-                </a:lnTo>
-                <a:lnTo>
-                  <a:pt x="11447" y="16343"/>
-                </a:lnTo>
-                <a:lnTo>
-                  <a:pt x="11642" y="16294"/>
-                </a:lnTo>
-                <a:lnTo>
-                  <a:pt x="11812" y="16197"/>
-                </a:lnTo>
-                <a:lnTo>
-                  <a:pt x="11983" y="16075"/>
-                </a:lnTo>
-                <a:lnTo>
-                  <a:pt x="16074" y="11983"/>
-                </a:lnTo>
-                <a:lnTo>
-                  <a:pt x="16074" y="11983"/>
-                </a:lnTo>
-                <a:lnTo>
-                  <a:pt x="16196" y="11813"/>
-                </a:lnTo>
-                <a:lnTo>
-                  <a:pt x="16294" y="11642"/>
-                </a:lnTo>
-                <a:lnTo>
-                  <a:pt x="16342" y="11448"/>
-                </a:lnTo>
-                <a:lnTo>
-                  <a:pt x="16367" y="11253"/>
-                </a:lnTo>
-                <a:lnTo>
-                  <a:pt x="16367" y="5115"/>
-                </a:lnTo>
-                <a:lnTo>
-                  <a:pt x="16367" y="5115"/>
-                </a:lnTo>
-                <a:lnTo>
-                  <a:pt x="16342" y="4921"/>
-                </a:lnTo>
-                <a:lnTo>
-                  <a:pt x="16294" y="4726"/>
-                </a:lnTo>
-                <a:lnTo>
-                  <a:pt x="16196" y="4555"/>
-                </a:lnTo>
-                <a:lnTo>
-                  <a:pt x="16074" y="4385"/>
-                </a:lnTo>
-                <a:lnTo>
-                  <a:pt x="16074" y="4385"/>
-                </a:lnTo>
-                <a:close/>
-                <a:moveTo>
-                  <a:pt x="9864" y="8452"/>
-                </a:moveTo>
-                <a:lnTo>
-                  <a:pt x="11203" y="9792"/>
-                </a:lnTo>
-                <a:lnTo>
-                  <a:pt x="11203" y="9792"/>
-                </a:lnTo>
-                <a:lnTo>
-                  <a:pt x="11252" y="9840"/>
-                </a:lnTo>
-                <a:lnTo>
-                  <a:pt x="11276" y="9913"/>
-                </a:lnTo>
-                <a:lnTo>
-                  <a:pt x="11301" y="10059"/>
-                </a:lnTo>
-                <a:lnTo>
-                  <a:pt x="11276" y="10206"/>
-                </a:lnTo>
-                <a:lnTo>
-                  <a:pt x="11252" y="10279"/>
-                </a:lnTo>
-                <a:lnTo>
-                  <a:pt x="11203" y="10327"/>
-                </a:lnTo>
-                <a:lnTo>
-                  <a:pt x="10327" y="11204"/>
-                </a:lnTo>
-                <a:lnTo>
-                  <a:pt x="10327" y="11204"/>
-                </a:lnTo>
-                <a:lnTo>
-                  <a:pt x="10278" y="11253"/>
-                </a:lnTo>
-                <a:lnTo>
-                  <a:pt x="10205" y="11277"/>
-                </a:lnTo>
-                <a:lnTo>
-                  <a:pt x="10059" y="11302"/>
-                </a:lnTo>
-                <a:lnTo>
-                  <a:pt x="9913" y="11277"/>
-                </a:lnTo>
-                <a:lnTo>
-                  <a:pt x="9840" y="11253"/>
-                </a:lnTo>
-                <a:lnTo>
-                  <a:pt x="9791" y="11204"/>
-                </a:lnTo>
-                <a:lnTo>
-                  <a:pt x="8451" y="9865"/>
-                </a:lnTo>
-                <a:lnTo>
-                  <a:pt x="8451" y="9865"/>
-                </a:lnTo>
-                <a:lnTo>
-                  <a:pt x="8403" y="9816"/>
-                </a:lnTo>
-                <a:lnTo>
-                  <a:pt x="8330" y="9792"/>
-                </a:lnTo>
-                <a:lnTo>
-                  <a:pt x="8183" y="9767"/>
-                </a:lnTo>
-                <a:lnTo>
-                  <a:pt x="8037" y="9792"/>
-                </a:lnTo>
-                <a:lnTo>
-                  <a:pt x="7964" y="9816"/>
-                </a:lnTo>
-                <a:lnTo>
-                  <a:pt x="7915" y="9865"/>
-                </a:lnTo>
-                <a:lnTo>
-                  <a:pt x="6576" y="11204"/>
-                </a:lnTo>
-                <a:lnTo>
-                  <a:pt x="6576" y="11204"/>
-                </a:lnTo>
-                <a:lnTo>
-                  <a:pt x="6527" y="11253"/>
-                </a:lnTo>
-                <a:lnTo>
-                  <a:pt x="6454" y="11277"/>
-                </a:lnTo>
-                <a:lnTo>
-                  <a:pt x="6308" y="11302"/>
-                </a:lnTo>
-                <a:lnTo>
-                  <a:pt x="6162" y="11277"/>
-                </a:lnTo>
-                <a:lnTo>
-                  <a:pt x="6089" y="11253"/>
-                </a:lnTo>
-                <a:lnTo>
-                  <a:pt x="6040" y="11204"/>
-                </a:lnTo>
-                <a:lnTo>
-                  <a:pt x="5163" y="10327"/>
-                </a:lnTo>
-                <a:lnTo>
-                  <a:pt x="5163" y="10327"/>
-                </a:lnTo>
-                <a:lnTo>
-                  <a:pt x="5115" y="10279"/>
-                </a:lnTo>
-                <a:lnTo>
-                  <a:pt x="5090" y="10206"/>
-                </a:lnTo>
-                <a:lnTo>
-                  <a:pt x="5066" y="10059"/>
-                </a:lnTo>
-                <a:lnTo>
-                  <a:pt x="5090" y="9913"/>
-                </a:lnTo>
-                <a:lnTo>
-                  <a:pt x="5115" y="9840"/>
-                </a:lnTo>
-                <a:lnTo>
-                  <a:pt x="5163" y="9792"/>
-                </a:lnTo>
-                <a:lnTo>
-                  <a:pt x="6503" y="8452"/>
-                </a:lnTo>
-                <a:lnTo>
-                  <a:pt x="6503" y="8452"/>
-                </a:lnTo>
-                <a:lnTo>
-                  <a:pt x="6552" y="8403"/>
-                </a:lnTo>
-                <a:lnTo>
-                  <a:pt x="6576" y="8330"/>
-                </a:lnTo>
-                <a:lnTo>
-                  <a:pt x="6600" y="8184"/>
-                </a:lnTo>
-                <a:lnTo>
-                  <a:pt x="6576" y="8038"/>
-                </a:lnTo>
-                <a:lnTo>
-                  <a:pt x="6552" y="7965"/>
-                </a:lnTo>
-                <a:lnTo>
-                  <a:pt x="6503" y="7916"/>
-                </a:lnTo>
-                <a:lnTo>
-                  <a:pt x="5163" y="6577"/>
-                </a:lnTo>
-                <a:lnTo>
-                  <a:pt x="5163" y="6577"/>
-                </a:lnTo>
-                <a:lnTo>
-                  <a:pt x="5115" y="6528"/>
-                </a:lnTo>
-                <a:lnTo>
-                  <a:pt x="5090" y="6455"/>
-                </a:lnTo>
-                <a:lnTo>
-                  <a:pt x="5066" y="6309"/>
-                </a:lnTo>
-                <a:lnTo>
-                  <a:pt x="5090" y="6163"/>
-                </a:lnTo>
-                <a:lnTo>
-                  <a:pt x="5115" y="6090"/>
-                </a:lnTo>
-                <a:lnTo>
-                  <a:pt x="5163" y="6041"/>
-                </a:lnTo>
-                <a:lnTo>
-                  <a:pt x="6040" y="5164"/>
-                </a:lnTo>
-                <a:lnTo>
-                  <a:pt x="6040" y="5164"/>
-                </a:lnTo>
-                <a:lnTo>
-                  <a:pt x="6089" y="5115"/>
-                </a:lnTo>
-                <a:lnTo>
-                  <a:pt x="6162" y="5091"/>
-                </a:lnTo>
-                <a:lnTo>
-                  <a:pt x="6308" y="5067"/>
-                </a:lnTo>
-                <a:lnTo>
-                  <a:pt x="6454" y="5091"/>
-                </a:lnTo>
-                <a:lnTo>
-                  <a:pt x="6527" y="5115"/>
-                </a:lnTo>
-                <a:lnTo>
-                  <a:pt x="6576" y="5164"/>
-                </a:lnTo>
-                <a:lnTo>
-                  <a:pt x="7915" y="6504"/>
-                </a:lnTo>
-                <a:lnTo>
-                  <a:pt x="7915" y="6504"/>
-                </a:lnTo>
-                <a:lnTo>
-                  <a:pt x="7964" y="6552"/>
-                </a:lnTo>
-                <a:lnTo>
-                  <a:pt x="8037" y="6577"/>
-                </a:lnTo>
-                <a:lnTo>
-                  <a:pt x="8183" y="6601"/>
-                </a:lnTo>
-                <a:lnTo>
-                  <a:pt x="8330" y="6577"/>
-                </a:lnTo>
-                <a:lnTo>
-                  <a:pt x="8403" y="6552"/>
-                </a:lnTo>
-                <a:lnTo>
-                  <a:pt x="8451" y="6504"/>
-                </a:lnTo>
-                <a:lnTo>
-                  <a:pt x="9791" y="5164"/>
-                </a:lnTo>
-                <a:lnTo>
-                  <a:pt x="9791" y="5164"/>
-                </a:lnTo>
-                <a:lnTo>
-                  <a:pt x="9840" y="5115"/>
-                </a:lnTo>
-                <a:lnTo>
-                  <a:pt x="9913" y="5091"/>
-                </a:lnTo>
-                <a:lnTo>
-                  <a:pt x="10059" y="5067"/>
-                </a:lnTo>
-                <a:lnTo>
-                  <a:pt x="10205" y="5091"/>
-                </a:lnTo>
-                <a:lnTo>
-                  <a:pt x="10278" y="5115"/>
-                </a:lnTo>
-                <a:lnTo>
-                  <a:pt x="10327" y="5164"/>
-                </a:lnTo>
-                <a:lnTo>
-                  <a:pt x="11203" y="6041"/>
-                </a:lnTo>
-                <a:lnTo>
-                  <a:pt x="11203" y="6041"/>
-                </a:lnTo>
-                <a:lnTo>
-                  <a:pt x="11252" y="6090"/>
-                </a:lnTo>
-                <a:lnTo>
-                  <a:pt x="11276" y="6163"/>
-                </a:lnTo>
-                <a:lnTo>
-                  <a:pt x="11301" y="6309"/>
-                </a:lnTo>
-                <a:lnTo>
-                  <a:pt x="11276" y="6455"/>
-                </a:lnTo>
-                <a:lnTo>
-                  <a:pt x="11252" y="6528"/>
-                </a:lnTo>
-                <a:lnTo>
-                  <a:pt x="11203" y="6577"/>
-                </a:lnTo>
-                <a:lnTo>
-                  <a:pt x="9864" y="7916"/>
-                </a:lnTo>
-                <a:lnTo>
-                  <a:pt x="9864" y="7916"/>
-                </a:lnTo>
-                <a:lnTo>
-                  <a:pt x="9815" y="7965"/>
-                </a:lnTo>
-                <a:lnTo>
-                  <a:pt x="9791" y="8038"/>
-                </a:lnTo>
-                <a:lnTo>
-                  <a:pt x="9766" y="8184"/>
-                </a:lnTo>
-                <a:lnTo>
-                  <a:pt x="9791" y="8330"/>
-                </a:lnTo>
-                <a:lnTo>
-                  <a:pt x="9815" y="8403"/>
-                </a:lnTo>
-                <a:lnTo>
-                  <a:pt x="9864" y="8452"/>
-                </a:lnTo>
-                <a:lnTo>
-                  <a:pt x="9864" y="8452"/>
-                </a:lnTo>
-                <a:close/>
-              </a:path>
-            </a:pathLst>
-          </a:custGeom>
-          <a:solidFill>
-            <a:schemeClr val="bg1"/>
-          </a:solidFill>
-          <a:ln>
-            <a:headEnd type="none" w="med" len="med"/>
-            <a:tailEnd type="none" w="med" len="med"/>
-          </a:ln>
-        </p:spPr>
-        <p:style>
-          <a:lnRef idx="2">
-            <a:schemeClr val="accent6"/>
-          </a:lnRef>
-          <a:fillRef idx="1">
-            <a:schemeClr val="lt1"/>
-          </a:fillRef>
-          <a:effectRef idx="0">
-            <a:schemeClr val="accent6"/>
-          </a:effectRef>
-          <a:fontRef idx="minor">
-            <a:schemeClr val="dk1"/>
-          </a:fontRef>
-        </p:style>
-        <p:txBody>
-          <a:bodyPr lIns="91425" tIns="91425" rIns="91425" bIns="91425" anchor="ctr" anchorCtr="0">
-            <a:noAutofit/>
-          </a:bodyPr>
-          <a:lstStyle/>
-          <a:p>
-            <a:pPr lvl="0">
-              <a:spcBef>
-                <a:spcPts val="0"/>
-              </a:spcBef>
-              <a:buNone/>
-            </a:pPr>
-            <a:endParaRPr/>
-          </a:p>
-        </p:txBody>
-      </p:sp>
-      <p:sp>
-        <p:nvSpPr>
-          <p:cNvPr id="25" name="Flowchart: Decision 24"/>
-          <p:cNvSpPr/>
-          <p:nvPr/>
-        </p:nvSpPr>
-        <p:spPr>
-          <a:xfrm>
-            <a:off x="5004048" y="3146742"/>
-            <a:ext cx="1663169" cy="1332042"/>
-          </a:xfrm>
-          <a:prstGeom prst="flowChartDecision">
-            <a:avLst/>
-          </a:prstGeom>
-        </p:spPr>
-        <p:style>
-          <a:lnRef idx="2">
-            <a:schemeClr val="dk1"/>
-          </a:lnRef>
-          <a:fillRef idx="1">
-            <a:schemeClr val="lt1"/>
-          </a:fillRef>
-          <a:effectRef idx="0">
-            <a:schemeClr val="dk1"/>
-          </a:effectRef>
-          <a:fontRef idx="minor">
-            <a:schemeClr val="dk1"/>
-          </a:fontRef>
-        </p:style>
-        <p:txBody>
-          <a:bodyPr rtlCol="0" anchor="ctr"/>
-          <a:lstStyle/>
-          <a:p>
-            <a:pPr lvl="0" algn="ctr"/>
-            <a:r>
-              <a:rPr lang="en" sz="1200" dirty="0" smtClean="0">
-                <a:ea typeface="Lora"/>
-                <a:cs typeface="Lora"/>
-                <a:sym typeface="Lora"/>
-              </a:rPr>
-              <a:t>Retourne “Faux”</a:t>
-            </a:r>
-            <a:endParaRPr lang="en" sz="1200" dirty="0">
-              <a:ea typeface="Lora"/>
-              <a:cs typeface="Lora"/>
-              <a:sym typeface="Lora"/>
-            </a:endParaRPr>
-          </a:p>
-        </p:txBody>
-      </p:sp>
-      <p:cxnSp>
-        <p:nvCxnSpPr>
-          <p:cNvPr id="5125" name="Straight Arrow Connector 5124"/>
-          <p:cNvCxnSpPr>
-            <a:stCxn id="14" idx="3"/>
-            <a:endCxn id="25" idx="0"/>
-          </p:cNvCxnSpPr>
-          <p:nvPr/>
-        </p:nvCxnSpPr>
-        <p:spPr>
-          <a:xfrm>
-            <a:off x="4644008" y="2504297"/>
-            <a:ext cx="1191625" cy="642445"/>
-          </a:xfrm>
-          <a:prstGeom prst="straightConnector1">
-            <a:avLst/>
-          </a:prstGeom>
-          <a:ln>
-            <a:tailEnd type="arrow"/>
-          </a:ln>
-        </p:spPr>
-        <p:style>
-          <a:lnRef idx="1">
-            <a:schemeClr val="dk1"/>
-          </a:lnRef>
-          <a:fillRef idx="0">
-            <a:schemeClr val="dk1"/>
-          </a:fillRef>
-          <a:effectRef idx="0">
-            <a:schemeClr val="dk1"/>
-          </a:effectRef>
-          <a:fontRef idx="minor">
-            <a:schemeClr val="tx1"/>
-          </a:fontRef>
-        </p:style>
-      </p:cxnSp>
-    </p:spTree>
-    <p:extLst>
-      <p:ext uri="{BB962C8B-B14F-4D97-AF65-F5344CB8AC3E}">
-        <p14:creationId xmlns:p14="http://schemas.microsoft.com/office/powerpoint/2010/main" val="2479302777"/>
-      </p:ext>
-    </p:extLst>
-  </p:cSld>
-  <p:clrMapOvr>
-    <a:masterClrMapping/>
-  </p:clrMapOvr>
-  <mc:AlternateContent xmlns:mc="http://schemas.openxmlformats.org/markup-compatibility/2006" xmlns:p14="http://schemas.microsoft.com/office/powerpoint/2010/main">
-    <mc:Choice Requires="p14">
-      <p:transition p14:dur="100">
-        <p:cut/>
-      </p:transition>
-    </mc:Choice>
-    <mc:Fallback xmlns="">
-      <p:transition>
-        <p:cut/>
-      </p:transition>
-    </mc:Fallback>
-  </mc:AlternateContent>
-  <p:timing>
-    <p:tnLst>
-      <p:par>
-        <p:cTn id="1" dur="indefinite" restart="never" nodeType="tmRoot"/>
-      </p:par>
-    </p:tnLst>
-  </p:timing>
-</p:sld>
-</file>
-
-<file path=ppt/slides/slide34.xml><?xml version="1.0" encoding="utf-8"?>
-<p:sld xmlns:a="http://schemas.openxmlformats.org/drawingml/2006/main" xmlns:r="http://schemas.openxmlformats.org/officeDocument/2006/relationships" xmlns:p="http://schemas.openxmlformats.org/presentationml/2006/main">
-  <p:cSld>
-    <p:spTree>
-      <p:nvGrpSpPr>
-        <p:cNvPr id="1" name=""/>
-        <p:cNvGrpSpPr/>
-        <p:nvPr/>
-      </p:nvGrpSpPr>
-      <p:grpSpPr>
-        <a:xfrm>
-          <a:off x="0" y="0"/>
-          <a:ext cx="0" cy="0"/>
-          <a:chOff x="0" y="0"/>
-          <a:chExt cx="0" cy="0"/>
-        </a:xfrm>
-      </p:grpSpPr>
-      <p:sp>
-        <p:nvSpPr>
-          <p:cNvPr id="5" name="Espace réservé du numéro de diapositive 4"/>
-          <p:cNvSpPr>
-            <a:spLocks noGrp="1"/>
-          </p:cNvSpPr>
-          <p:nvPr>
-            <p:ph type="sldNum" sz="quarter" idx="4"/>
-          </p:nvPr>
-        </p:nvSpPr>
-        <p:spPr>
-          <a:xfrm>
-            <a:off x="6553200" y="4767263"/>
-            <a:ext cx="2133600" cy="274637"/>
-          </a:xfrm>
-        </p:spPr>
-        <p:txBody>
-          <a:bodyPr/>
-          <a:lstStyle/>
-          <a:p>
-            <a:fld id="{817DB918-FF6D-402D-9E84-43B786396EA2}" type="slidenum">
-              <a:rPr lang="fr-CH" smtClean="0"/>
-              <a:t>34</a:t>
-            </a:fld>
-            <a:endParaRPr lang="fr-CH" dirty="0"/>
-          </a:p>
-        </p:txBody>
-      </p:sp>
-      <p:grpSp>
-        <p:nvGrpSpPr>
-          <p:cNvPr id="9" name="Shape 144"/>
-          <p:cNvGrpSpPr/>
-          <p:nvPr/>
-        </p:nvGrpSpPr>
-        <p:grpSpPr>
-          <a:xfrm>
-            <a:off x="916458" y="1019750"/>
-            <a:ext cx="214624" cy="214624"/>
-            <a:chOff x="2594050" y="1631825"/>
-            <a:chExt cx="439625" cy="439625"/>
-          </a:xfrm>
-        </p:grpSpPr>
-        <p:sp>
-          <p:nvSpPr>
-            <p:cNvPr id="10" name="Shape 145"/>
-            <p:cNvSpPr/>
-            <p:nvPr/>
-          </p:nvSpPr>
-          <p:spPr>
-            <a:xfrm>
-              <a:off x="2594050" y="1883300"/>
-              <a:ext cx="188175" cy="188150"/>
-            </a:xfrm>
-            <a:custGeom>
-              <a:avLst/>
-              <a:gdLst/>
-              <a:ahLst/>
-              <a:cxnLst/>
-              <a:rect l="0" t="0" r="0" b="0"/>
-              <a:pathLst>
-                <a:path w="7527" h="7526" fill="none" extrusionOk="0">
-                  <a:moveTo>
-                    <a:pt x="5992" y="0"/>
-                  </a:moveTo>
-                  <a:lnTo>
-                    <a:pt x="537" y="6430"/>
-                  </a:lnTo>
-                  <a:lnTo>
-                    <a:pt x="1" y="7526"/>
-                  </a:lnTo>
-                  <a:lnTo>
-                    <a:pt x="1097" y="6990"/>
-                  </a:lnTo>
-                  <a:lnTo>
-                    <a:pt x="7526" y="1534"/>
-                  </a:lnTo>
-                  <a:lnTo>
-                    <a:pt x="5992" y="0"/>
-                  </a:lnTo>
-                  <a:close/>
-                </a:path>
-              </a:pathLst>
-            </a:custGeom>
-            <a:noFill/>
-            <a:ln w="9525" cap="rnd" cmpd="sng">
-              <a:solidFill>
-                <a:srgbClr val="000000"/>
-              </a:solidFill>
-              <a:prstDash val="solid"/>
-              <a:round/>
-              <a:headEnd type="none" w="med" len="med"/>
-              <a:tailEnd type="none" w="med" len="med"/>
-            </a:ln>
-          </p:spPr>
-          <p:txBody>
-            <a:bodyPr lIns="91425" tIns="91425" rIns="91425" bIns="91425" anchor="ctr" anchorCtr="0">
-              <a:noAutofit/>
-            </a:bodyPr>
-            <a:lstStyle/>
-            <a:p>
-              <a:pPr lvl="0">
-                <a:spcBef>
-                  <a:spcPts val="0"/>
-                </a:spcBef>
-                <a:buNone/>
-              </a:pPr>
-              <a:endParaRPr/>
-            </a:p>
-          </p:txBody>
-        </p:sp>
-        <p:sp>
-          <p:nvSpPr>
-            <p:cNvPr id="11" name="Shape 146"/>
-            <p:cNvSpPr/>
-            <p:nvPr/>
-          </p:nvSpPr>
-          <p:spPr>
-            <a:xfrm>
-              <a:off x="2857700" y="1631825"/>
-              <a:ext cx="175975" cy="176000"/>
-            </a:xfrm>
-            <a:custGeom>
-              <a:avLst/>
-              <a:gdLst/>
-              <a:ahLst/>
-              <a:cxnLst/>
-              <a:rect l="0" t="0" r="0" b="0"/>
-              <a:pathLst>
-                <a:path w="7039" h="7040" fill="none" extrusionOk="0">
-                  <a:moveTo>
-                    <a:pt x="268" y="2704"/>
-                  </a:moveTo>
-                  <a:lnTo>
-                    <a:pt x="4336" y="6771"/>
-                  </a:lnTo>
-                  <a:lnTo>
-                    <a:pt x="4336" y="6771"/>
-                  </a:lnTo>
-                  <a:lnTo>
-                    <a:pt x="4336" y="6771"/>
-                  </a:lnTo>
-                  <a:lnTo>
-                    <a:pt x="4652" y="6917"/>
-                  </a:lnTo>
-                  <a:lnTo>
-                    <a:pt x="4993" y="7015"/>
-                  </a:lnTo>
-                  <a:lnTo>
-                    <a:pt x="5310" y="7039"/>
-                  </a:lnTo>
-                  <a:lnTo>
-                    <a:pt x="5651" y="7039"/>
-                  </a:lnTo>
-                  <a:lnTo>
-                    <a:pt x="5992" y="6966"/>
-                  </a:lnTo>
-                  <a:lnTo>
-                    <a:pt x="6308" y="6844"/>
-                  </a:lnTo>
-                  <a:lnTo>
-                    <a:pt x="6454" y="6747"/>
-                  </a:lnTo>
-                  <a:lnTo>
-                    <a:pt x="6601" y="6674"/>
-                  </a:lnTo>
-                  <a:lnTo>
-                    <a:pt x="6747" y="6552"/>
-                  </a:lnTo>
-                  <a:lnTo>
-                    <a:pt x="6893" y="6430"/>
-                  </a:lnTo>
-                  <a:lnTo>
-                    <a:pt x="6893" y="6430"/>
-                  </a:lnTo>
-                  <a:lnTo>
-                    <a:pt x="6942" y="6357"/>
-                  </a:lnTo>
-                  <a:lnTo>
-                    <a:pt x="7015" y="6260"/>
-                  </a:lnTo>
-                  <a:lnTo>
-                    <a:pt x="7039" y="6138"/>
-                  </a:lnTo>
-                  <a:lnTo>
-                    <a:pt x="7039" y="6041"/>
-                  </a:lnTo>
-                  <a:lnTo>
-                    <a:pt x="7039" y="6041"/>
-                  </a:lnTo>
-                  <a:lnTo>
-                    <a:pt x="7039" y="5943"/>
-                  </a:lnTo>
-                  <a:lnTo>
-                    <a:pt x="7015" y="5846"/>
-                  </a:lnTo>
-                  <a:lnTo>
-                    <a:pt x="6942" y="5748"/>
-                  </a:lnTo>
-                  <a:lnTo>
-                    <a:pt x="6893" y="5651"/>
-                  </a:lnTo>
-                  <a:lnTo>
-                    <a:pt x="1389" y="147"/>
-                  </a:lnTo>
-                  <a:lnTo>
-                    <a:pt x="1389" y="147"/>
-                  </a:lnTo>
-                  <a:lnTo>
-                    <a:pt x="1291" y="98"/>
-                  </a:lnTo>
-                  <a:lnTo>
-                    <a:pt x="1194" y="25"/>
-                  </a:lnTo>
-                  <a:lnTo>
-                    <a:pt x="1096" y="0"/>
-                  </a:lnTo>
-                  <a:lnTo>
-                    <a:pt x="999" y="0"/>
-                  </a:lnTo>
-                  <a:lnTo>
-                    <a:pt x="999" y="0"/>
-                  </a:lnTo>
-                  <a:lnTo>
-                    <a:pt x="902" y="0"/>
-                  </a:lnTo>
-                  <a:lnTo>
-                    <a:pt x="780" y="25"/>
-                  </a:lnTo>
-                  <a:lnTo>
-                    <a:pt x="682" y="98"/>
-                  </a:lnTo>
-                  <a:lnTo>
-                    <a:pt x="609" y="147"/>
-                  </a:lnTo>
-                  <a:lnTo>
-                    <a:pt x="609" y="147"/>
-                  </a:lnTo>
-                  <a:lnTo>
-                    <a:pt x="487" y="293"/>
-                  </a:lnTo>
-                  <a:lnTo>
-                    <a:pt x="366" y="439"/>
-                  </a:lnTo>
-                  <a:lnTo>
-                    <a:pt x="293" y="585"/>
-                  </a:lnTo>
-                  <a:lnTo>
-                    <a:pt x="195" y="731"/>
-                  </a:lnTo>
-                  <a:lnTo>
-                    <a:pt x="73" y="1048"/>
-                  </a:lnTo>
-                  <a:lnTo>
-                    <a:pt x="0" y="1389"/>
-                  </a:lnTo>
-                  <a:lnTo>
-                    <a:pt x="0" y="1730"/>
-                  </a:lnTo>
-                  <a:lnTo>
-                    <a:pt x="25" y="2046"/>
-                  </a:lnTo>
-                  <a:lnTo>
-                    <a:pt x="122" y="2387"/>
-                  </a:lnTo>
-                  <a:lnTo>
-                    <a:pt x="268" y="2704"/>
-                  </a:lnTo>
-                  <a:lnTo>
-                    <a:pt x="268" y="2704"/>
-                  </a:lnTo>
-                  <a:close/>
-                </a:path>
-              </a:pathLst>
-            </a:custGeom>
-            <a:noFill/>
-            <a:ln w="9525" cap="rnd" cmpd="sng">
-              <a:solidFill>
-                <a:srgbClr val="000000"/>
-              </a:solidFill>
-              <a:prstDash val="solid"/>
-              <a:round/>
-              <a:headEnd type="none" w="med" len="med"/>
-              <a:tailEnd type="none" w="med" len="med"/>
-            </a:ln>
-          </p:spPr>
-          <p:txBody>
-            <a:bodyPr lIns="91425" tIns="91425" rIns="91425" bIns="91425" anchor="ctr" anchorCtr="0">
-              <a:noAutofit/>
-            </a:bodyPr>
-            <a:lstStyle/>
-            <a:p>
-              <a:pPr lvl="0">
-                <a:spcBef>
-                  <a:spcPts val="0"/>
-                </a:spcBef>
-                <a:buNone/>
-              </a:pPr>
-              <a:endParaRPr/>
-            </a:p>
-          </p:txBody>
-        </p:sp>
-        <p:sp>
-          <p:nvSpPr>
-            <p:cNvPr id="12" name="Shape 147"/>
-            <p:cNvSpPr/>
-            <p:nvPr/>
-          </p:nvSpPr>
-          <p:spPr>
-            <a:xfrm>
-              <a:off x="2662850" y="1699400"/>
-              <a:ext cx="303250" cy="303250"/>
-            </a:xfrm>
-            <a:custGeom>
-              <a:avLst/>
-              <a:gdLst/>
-              <a:ahLst/>
-              <a:cxnLst/>
-              <a:rect l="0" t="0" r="0" b="0"/>
-              <a:pathLst>
-                <a:path w="12130" h="12130" fill="none" extrusionOk="0">
-                  <a:moveTo>
-                    <a:pt x="8038" y="1"/>
-                  </a:moveTo>
-                  <a:lnTo>
-                    <a:pt x="4872" y="3191"/>
-                  </a:lnTo>
-                  <a:lnTo>
-                    <a:pt x="4872" y="3191"/>
-                  </a:lnTo>
-                  <a:lnTo>
-                    <a:pt x="4628" y="3094"/>
-                  </a:lnTo>
-                  <a:lnTo>
-                    <a:pt x="4385" y="2997"/>
-                  </a:lnTo>
-                  <a:lnTo>
-                    <a:pt x="4092" y="2899"/>
-                  </a:lnTo>
-                  <a:lnTo>
-                    <a:pt x="3800" y="2850"/>
-                  </a:lnTo>
-                  <a:lnTo>
-                    <a:pt x="3484" y="2777"/>
-                  </a:lnTo>
-                  <a:lnTo>
-                    <a:pt x="3167" y="2729"/>
-                  </a:lnTo>
-                  <a:lnTo>
-                    <a:pt x="2850" y="2704"/>
-                  </a:lnTo>
-                  <a:lnTo>
-                    <a:pt x="2534" y="2704"/>
-                  </a:lnTo>
-                  <a:lnTo>
-                    <a:pt x="2534" y="2704"/>
-                  </a:lnTo>
-                  <a:lnTo>
-                    <a:pt x="2241" y="2704"/>
-                  </a:lnTo>
-                  <a:lnTo>
-                    <a:pt x="1949" y="2729"/>
-                  </a:lnTo>
-                  <a:lnTo>
-                    <a:pt x="1633" y="2777"/>
-                  </a:lnTo>
-                  <a:lnTo>
-                    <a:pt x="1316" y="2850"/>
-                  </a:lnTo>
-                  <a:lnTo>
-                    <a:pt x="999" y="2972"/>
-                  </a:lnTo>
-                  <a:lnTo>
-                    <a:pt x="707" y="3094"/>
-                  </a:lnTo>
-                  <a:lnTo>
-                    <a:pt x="415" y="3289"/>
-                  </a:lnTo>
-                  <a:lnTo>
-                    <a:pt x="147" y="3508"/>
-                  </a:lnTo>
-                  <a:lnTo>
-                    <a:pt x="147" y="3508"/>
-                  </a:lnTo>
-                  <a:lnTo>
-                    <a:pt x="74" y="3581"/>
-                  </a:lnTo>
-                  <a:lnTo>
-                    <a:pt x="25" y="3678"/>
-                  </a:lnTo>
-                  <a:lnTo>
-                    <a:pt x="1" y="3776"/>
-                  </a:lnTo>
-                  <a:lnTo>
-                    <a:pt x="1" y="3898"/>
-                  </a:lnTo>
-                  <a:lnTo>
-                    <a:pt x="1" y="3898"/>
-                  </a:lnTo>
-                  <a:lnTo>
-                    <a:pt x="1" y="3995"/>
-                  </a:lnTo>
-                  <a:lnTo>
-                    <a:pt x="25" y="4093"/>
-                  </a:lnTo>
-                  <a:lnTo>
-                    <a:pt x="74" y="4190"/>
-                  </a:lnTo>
-                  <a:lnTo>
-                    <a:pt x="147" y="4287"/>
-                  </a:lnTo>
-                  <a:lnTo>
-                    <a:pt x="7843" y="11984"/>
-                  </a:lnTo>
-                  <a:lnTo>
-                    <a:pt x="7843" y="11984"/>
-                  </a:lnTo>
-                  <a:lnTo>
-                    <a:pt x="7941" y="12057"/>
-                  </a:lnTo>
-                  <a:lnTo>
-                    <a:pt x="8038" y="12105"/>
-                  </a:lnTo>
-                  <a:lnTo>
-                    <a:pt x="8135" y="12130"/>
-                  </a:lnTo>
-                  <a:lnTo>
-                    <a:pt x="8233" y="12130"/>
-                  </a:lnTo>
-                  <a:lnTo>
-                    <a:pt x="8233" y="12130"/>
-                  </a:lnTo>
-                  <a:lnTo>
-                    <a:pt x="8355" y="12130"/>
-                  </a:lnTo>
-                  <a:lnTo>
-                    <a:pt x="8452" y="12105"/>
-                  </a:lnTo>
-                  <a:lnTo>
-                    <a:pt x="8549" y="12057"/>
-                  </a:lnTo>
-                  <a:lnTo>
-                    <a:pt x="8622" y="11984"/>
-                  </a:lnTo>
-                  <a:lnTo>
-                    <a:pt x="8622" y="11984"/>
-                  </a:lnTo>
-                  <a:lnTo>
-                    <a:pt x="8842" y="11716"/>
-                  </a:lnTo>
-                  <a:lnTo>
-                    <a:pt x="9036" y="11423"/>
-                  </a:lnTo>
-                  <a:lnTo>
-                    <a:pt x="9158" y="11131"/>
-                  </a:lnTo>
-                  <a:lnTo>
-                    <a:pt x="9280" y="10814"/>
-                  </a:lnTo>
-                  <a:lnTo>
-                    <a:pt x="9353" y="10498"/>
-                  </a:lnTo>
-                  <a:lnTo>
-                    <a:pt x="9402" y="10181"/>
-                  </a:lnTo>
-                  <a:lnTo>
-                    <a:pt x="9426" y="9889"/>
-                  </a:lnTo>
-                  <a:lnTo>
-                    <a:pt x="9426" y="9597"/>
-                  </a:lnTo>
-                  <a:lnTo>
-                    <a:pt x="9426" y="9597"/>
-                  </a:lnTo>
-                  <a:lnTo>
-                    <a:pt x="9426" y="9280"/>
-                  </a:lnTo>
-                  <a:lnTo>
-                    <a:pt x="9402" y="8964"/>
-                  </a:lnTo>
-                  <a:lnTo>
-                    <a:pt x="9353" y="8647"/>
-                  </a:lnTo>
-                  <a:lnTo>
-                    <a:pt x="9280" y="8330"/>
-                  </a:lnTo>
-                  <a:lnTo>
-                    <a:pt x="9231" y="8038"/>
-                  </a:lnTo>
-                  <a:lnTo>
-                    <a:pt x="9134" y="7746"/>
-                  </a:lnTo>
-                  <a:lnTo>
-                    <a:pt x="9036" y="7502"/>
-                  </a:lnTo>
-                  <a:lnTo>
-                    <a:pt x="8939" y="7259"/>
-                  </a:lnTo>
-                  <a:lnTo>
-                    <a:pt x="12130" y="4093"/>
-                  </a:lnTo>
-                </a:path>
-              </a:pathLst>
-            </a:custGeom>
-            <a:noFill/>
-            <a:ln w="9525" cap="rnd" cmpd="sng">
-              <a:solidFill>
-                <a:srgbClr val="000000"/>
-              </a:solidFill>
-              <a:prstDash val="solid"/>
-              <a:round/>
-              <a:headEnd type="none" w="med" len="med"/>
-              <a:tailEnd type="none" w="med" len="med"/>
-            </a:ln>
-          </p:spPr>
-          <p:txBody>
-            <a:bodyPr lIns="91425" tIns="91425" rIns="91425" bIns="91425" anchor="ctr" anchorCtr="0">
-              <a:noAutofit/>
-            </a:bodyPr>
-            <a:lstStyle/>
-            <a:p>
-              <a:pPr lvl="0">
-                <a:spcBef>
-                  <a:spcPts val="0"/>
-                </a:spcBef>
-                <a:buNone/>
-              </a:pPr>
-              <a:endParaRPr/>
-            </a:p>
-          </p:txBody>
-        </p:sp>
-        <p:sp>
-          <p:nvSpPr>
-            <p:cNvPr id="13" name="Shape 148"/>
-            <p:cNvSpPr/>
-            <p:nvPr/>
-          </p:nvSpPr>
-          <p:spPr>
-            <a:xfrm>
-              <a:off x="2814911" y="1754061"/>
-              <a:ext cx="49950" cy="49950"/>
-            </a:xfrm>
-            <a:custGeom>
-              <a:avLst/>
-              <a:gdLst/>
-              <a:ahLst/>
-              <a:cxnLst/>
-              <a:rect l="0" t="0" r="0" b="0"/>
-              <a:pathLst>
-                <a:path w="1998" h="1998" fill="none" extrusionOk="0">
-                  <a:moveTo>
-                    <a:pt x="1" y="1997"/>
-                  </a:moveTo>
-                  <a:lnTo>
-                    <a:pt x="1998" y="0"/>
-                  </a:lnTo>
-                </a:path>
-              </a:pathLst>
-            </a:custGeom>
-            <a:noFill/>
-            <a:ln w="9525" cap="rnd" cmpd="sng">
-              <a:solidFill>
-                <a:srgbClr val="000000"/>
-              </a:solidFill>
-              <a:prstDash val="solid"/>
-              <a:round/>
-              <a:headEnd type="none" w="med" len="med"/>
-              <a:tailEnd type="none" w="med" len="med"/>
-            </a:ln>
-          </p:spPr>
-          <p:txBody>
-            <a:bodyPr lIns="91425" tIns="91425" rIns="91425" bIns="91425" anchor="ctr" anchorCtr="0">
-              <a:noAutofit/>
-            </a:bodyPr>
-            <a:lstStyle/>
-            <a:p>
-              <a:pPr lvl="0">
-                <a:spcBef>
-                  <a:spcPts val="0"/>
-                </a:spcBef>
-                <a:buNone/>
-              </a:pPr>
-              <a:endParaRPr/>
-            </a:p>
-          </p:txBody>
-        </p:sp>
-      </p:grpSp>
-      <p:sp>
-        <p:nvSpPr>
-          <p:cNvPr id="15" name="Shape 141"/>
-          <p:cNvSpPr txBox="1">
-            <a:spLocks noGrp="1"/>
-          </p:cNvSpPr>
-          <p:nvPr>
-            <p:ph type="body" idx="1"/>
-          </p:nvPr>
-        </p:nvSpPr>
-        <p:spPr>
-          <a:xfrm>
-            <a:off x="899592" y="1347614"/>
-            <a:ext cx="7416824" cy="504056"/>
-          </a:xfrm>
-          <a:prstGeom prst="rect">
-            <a:avLst/>
-          </a:prstGeom>
-        </p:spPr>
-        <p:txBody>
-          <a:bodyPr lIns="91425" tIns="91425" rIns="91425" bIns="91425" anchor="t" anchorCtr="0">
-            <a:noAutofit/>
-          </a:bodyPr>
-          <a:lstStyle/>
-          <a:p>
-            <a:pPr lvl="0" algn="ctr">
-              <a:buNone/>
-            </a:pPr>
-            <a:r>
-              <a:rPr lang="fr-CH" dirty="0" smtClean="0">
-                <a:latin typeface="Arial"/>
-              </a:rPr>
-              <a:t>Méthode</a:t>
-            </a:r>
-            <a:r>
-              <a:rPr lang="en" dirty="0" smtClean="0">
-                <a:latin typeface="Arial"/>
-              </a:rPr>
-              <a:t> “VerifierDonneeTravail()</a:t>
-            </a:r>
-            <a:r>
-              <a:rPr lang="en" dirty="0" smtClean="0">
-                <a:latin typeface="Arial"/>
-                <a:ea typeface="NSimSun" panose="02010609030101010101" pitchFamily="49" charset="-122"/>
-              </a:rPr>
-              <a:t>”</a:t>
-            </a:r>
-            <a:endParaRPr lang="en" dirty="0">
-              <a:latin typeface="Arial"/>
-              <a:ea typeface="NSimSun" panose="02010609030101010101" pitchFamily="49" charset="-122"/>
-            </a:endParaRPr>
-          </a:p>
-          <a:p>
-            <a:pPr lvl="0" algn="ctr">
-              <a:buNone/>
-            </a:pPr>
-            <a:r>
-              <a:rPr lang="fr-CH" dirty="0" smtClean="0">
-                <a:latin typeface="Arial"/>
-              </a:rPr>
-              <a:t> </a:t>
-            </a:r>
-            <a:endParaRPr lang="en" dirty="0" smtClean="0">
-              <a:latin typeface="Arial"/>
-              <a:ea typeface="NSimSun" panose="02010609030101010101" pitchFamily="49" charset="-122"/>
-            </a:endParaRPr>
-          </a:p>
-        </p:txBody>
-      </p:sp>
-      <p:sp>
-        <p:nvSpPr>
-          <p:cNvPr id="17" name="Shape 142"/>
-          <p:cNvSpPr txBox="1">
-            <a:spLocks noGrp="1"/>
-          </p:cNvSpPr>
-          <p:nvPr>
-            <p:ph type="title"/>
-          </p:nvPr>
-        </p:nvSpPr>
-        <p:spPr>
-          <a:xfrm>
-            <a:off x="1381249" y="922668"/>
-            <a:ext cx="6782815" cy="435599"/>
-          </a:xfrm>
-          <a:prstGeom prst="rect">
-            <a:avLst/>
-          </a:prstGeom>
-        </p:spPr>
-        <p:txBody>
-          <a:bodyPr lIns="91425" tIns="91425" rIns="91425" bIns="91425" anchor="ctr" anchorCtr="0">
-            <a:noAutofit/>
-          </a:bodyPr>
-          <a:lstStyle/>
-          <a:p>
-            <a:pPr lvl="0"/>
-            <a:r>
-              <a:rPr lang="en" dirty="0" smtClean="0"/>
-              <a:t>Analyse organique </a:t>
-            </a:r>
-            <a:r>
-              <a:rPr lang="fr-CH" dirty="0" smtClean="0"/>
-              <a:t>– </a:t>
-            </a:r>
-            <a:r>
-              <a:rPr lang="en" dirty="0" smtClean="0">
-                <a:highlight>
-                  <a:srgbClr val="FFCD00"/>
-                </a:highlight>
-              </a:rPr>
-              <a:t>Vérification du fichier</a:t>
-            </a:r>
-            <a:endParaRPr lang="en" dirty="0"/>
-          </a:p>
-        </p:txBody>
-      </p:sp>
       <p:pic>
         <p:nvPicPr>
           <p:cNvPr id="6147" name="Picture 3"/>
@@ -31575,7 +27292,7 @@
 </p:sld>
 </file>
 
-<file path=ppt/slides/slide35.xml><?xml version="1.0" encoding="utf-8"?>
+<file path=ppt/slides/slide34.xml><?xml version="1.0" encoding="utf-8"?>
 <p:sld xmlns:a="http://schemas.openxmlformats.org/drawingml/2006/main" xmlns:r="http://schemas.openxmlformats.org/officeDocument/2006/relationships" xmlns:p="http://schemas.openxmlformats.org/presentationml/2006/main">
   <p:cSld>
     <p:spTree>
@@ -31614,7 +27331,7 @@
           <a:p>
             <a:fld id="{817DB918-FF6D-402D-9E84-43B786396EA2}" type="slidenum">
               <a:rPr lang="fr-CH" smtClean="0"/>
-              <a:t>35</a:t>
+              <a:t>34</a:t>
             </a:fld>
             <a:endParaRPr lang="fr-CH" dirty="0"/>
           </a:p>
@@ -32792,7 +28509,7 @@
 </p:sld>
 </file>
 
-<file path=ppt/slides/slide36.xml><?xml version="1.0" encoding="utf-8"?>
+<file path=ppt/slides/slide35.xml><?xml version="1.0" encoding="utf-8"?>
 <p:sld xmlns:a="http://schemas.openxmlformats.org/drawingml/2006/main" xmlns:r="http://schemas.openxmlformats.org/officeDocument/2006/relationships" xmlns:p="http://schemas.openxmlformats.org/presentationml/2006/main">
   <p:cSld>
     <p:spTree>
@@ -32831,7 +28548,7 @@
           <a:p>
             <a:fld id="{817DB918-FF6D-402D-9E84-43B786396EA2}" type="slidenum">
               <a:rPr lang="fr-CH" smtClean="0"/>
-              <a:t>36</a:t>
+              <a:t>35</a:t>
             </a:fld>
             <a:endParaRPr lang="fr-CH" dirty="0"/>
           </a:p>
@@ -32863,12 +28580,20 @@
               <a:t>Conclusion - </a:t>
             </a:r>
             <a:r>
+              <a:rPr lang="fr-CH" dirty="0" smtClean="0">
+                <a:highlight>
+                  <a:srgbClr val="FFCD00"/>
+                </a:highlight>
+              </a:rPr>
+              <a:t>Contraintes du </a:t>
+            </a:r>
+            <a:r>
               <a:rPr lang="fr-CH" dirty="0">
                 <a:highlight>
                   <a:srgbClr val="FFCD00"/>
                 </a:highlight>
               </a:rPr>
-              <a:t>Contraintes tenues du cahier des </a:t>
+              <a:t>cahier des </a:t>
             </a:r>
             <a:r>
               <a:rPr lang="fr-CH" dirty="0" smtClean="0">
@@ -32943,8 +28668,11 @@
               <a:rPr lang="fr-CH" sz="1800" dirty="0" smtClean="0">
                 <a:latin typeface="+mn-lt"/>
               </a:rPr>
-              <a:t>Détecte si un travail est corrompu</a:t>
+              <a:t>Vérification de l’authenticité du travail</a:t>
             </a:r>
+            <a:endParaRPr lang="fr-CH" sz="1800" dirty="0" smtClean="0">
+              <a:latin typeface="+mn-lt"/>
+            </a:endParaRPr>
           </a:p>
           <a:p>
             <a:pPr marL="285750" indent="-285750"/>
@@ -32952,7 +28680,7 @@
               <a:rPr lang="fr-CH" sz="1800" dirty="0" smtClean="0">
                 <a:latin typeface="+mn-lt"/>
               </a:rPr>
-              <a:t>Données de la liste de travaux peut être sauvegardées dans un fichier de journalisation</a:t>
+              <a:t>Journalisation de la liste de travaux</a:t>
             </a:r>
             <a:endParaRPr lang="fr-CH" sz="1800" dirty="0">
               <a:latin typeface="+mn-lt"/>
@@ -33867,7 +29595,7 @@
 </p:sld>
 </file>
 
-<file path=ppt/slides/slide37.xml><?xml version="1.0" encoding="utf-8"?>
+<file path=ppt/slides/slide36.xml><?xml version="1.0" encoding="utf-8"?>
 <p:sld xmlns:a="http://schemas.openxmlformats.org/drawingml/2006/main" xmlns:r="http://schemas.openxmlformats.org/officeDocument/2006/relationships" xmlns:p="http://schemas.openxmlformats.org/presentationml/2006/main">
   <p:cSld>
     <p:spTree>
@@ -33906,7 +29634,7 @@
           <a:p>
             <a:fld id="{817DB918-FF6D-402D-9E84-43B786396EA2}" type="slidenum">
               <a:rPr lang="fr-CH" smtClean="0"/>
-              <a:t>37</a:t>
+              <a:t>36</a:t>
             </a:fld>
             <a:endParaRPr lang="fr-CH" dirty="0"/>
           </a:p>
@@ -34841,7 +30569,7 @@
 </p:sld>
 </file>
 
-<file path=ppt/slides/slide38.xml><?xml version="1.0" encoding="utf-8"?>
+<file path=ppt/slides/slide37.xml><?xml version="1.0" encoding="utf-8"?>
 <p:sld xmlns:a="http://schemas.openxmlformats.org/drawingml/2006/main" xmlns:r="http://schemas.openxmlformats.org/officeDocument/2006/relationships" xmlns:p="http://schemas.openxmlformats.org/presentationml/2006/main">
   <p:cSld>
     <p:spTree>
@@ -36352,7 +32080,7 @@
       </p:grpSp>
       <p:pic>
         <p:nvPicPr>
-          <p:cNvPr id="2056" name="Picture 8" descr="E:\Downloads\Untitled Diagram (6).png"/>
+          <p:cNvPr id="1026" name="Picture 2" descr="C:\Users\NAEFV_INFO\Downloads\ShemaUtilisation.png"/>
           <p:cNvPicPr>
             <a:picLocks noChangeAspect="1" noChangeArrowheads="1"/>
           </p:cNvPicPr>
@@ -36373,8 +32101,8 @@
         </p:blipFill>
         <p:spPr bwMode="auto">
           <a:xfrm>
-            <a:off x="1241884" y="1419622"/>
-            <a:ext cx="6660232" cy="3426841"/>
+            <a:off x="1154150" y="1423932"/>
+            <a:ext cx="6835701" cy="3466068"/>
           </a:xfrm>
           <a:prstGeom prst="rect">
             <a:avLst/>
@@ -39355,8 +35083,8 @@
         </p:nvSpPr>
         <p:spPr>
           <a:xfrm>
-            <a:off x="4998977" y="3922684"/>
-            <a:ext cx="2232248" cy="797271"/>
+            <a:off x="1907704" y="3867894"/>
+            <a:ext cx="3096344" cy="865030"/>
           </a:xfrm>
           <a:prstGeom prst="rect">
             <a:avLst/>
@@ -39394,7 +35122,7 @@
     </p:spTree>
     <p:extLst>
       <p:ext uri="{BB962C8B-B14F-4D97-AF65-F5344CB8AC3E}">
-        <p14:creationId xmlns:p14="http://schemas.microsoft.com/office/powerpoint/2010/main" val="726717683"/>
+        <p14:creationId xmlns:p14="http://schemas.microsoft.com/office/powerpoint/2010/main" val="2901916804"/>
       </p:ext>
     </p:extLst>
   </p:cSld>
@@ -40116,8 +35844,8 @@
         </p:nvSpPr>
         <p:spPr>
           <a:xfrm>
-            <a:off x="1907704" y="3867894"/>
-            <a:ext cx="3096344" cy="865030"/>
+            <a:off x="4998977" y="3922684"/>
+            <a:ext cx="2232248" cy="797271"/>
           </a:xfrm>
           <a:prstGeom prst="rect">
             <a:avLst/>
@@ -40155,7 +35883,7 @@
     </p:spTree>
     <p:extLst>
       <p:ext uri="{BB962C8B-B14F-4D97-AF65-F5344CB8AC3E}">
-        <p14:creationId xmlns:p14="http://schemas.microsoft.com/office/powerpoint/2010/main" val="2901916804"/>
+        <p14:creationId xmlns:p14="http://schemas.microsoft.com/office/powerpoint/2010/main" val="726717683"/>
       </p:ext>
     </p:extLst>
   </p:cSld>
